--- a/img/styleGuide/스타일 가이드.pptx
+++ b/img/styleGuide/스타일 가이드.pptx
@@ -10,13 +10,17 @@
     <p:sldId id="264" r:id="rId4"/>
     <p:sldId id="259" r:id="rId5"/>
     <p:sldId id="260" r:id="rId6"/>
-    <p:sldId id="265" r:id="rId7"/>
-    <p:sldId id="266" r:id="rId8"/>
-    <p:sldId id="267" r:id="rId9"/>
-    <p:sldId id="268" r:id="rId10"/>
-    <p:sldId id="269" r:id="rId11"/>
-    <p:sldId id="270" r:id="rId12"/>
-    <p:sldId id="273" r:id="rId13"/>
+    <p:sldId id="276" r:id="rId7"/>
+    <p:sldId id="265" r:id="rId8"/>
+    <p:sldId id="266" r:id="rId9"/>
+    <p:sldId id="267" r:id="rId10"/>
+    <p:sldId id="268" r:id="rId11"/>
+    <p:sldId id="278" r:id="rId12"/>
+    <p:sldId id="269" r:id="rId13"/>
+    <p:sldId id="270" r:id="rId14"/>
+    <p:sldId id="273" r:id="rId15"/>
+    <p:sldId id="274" r:id="rId16"/>
+    <p:sldId id="275" r:id="rId17"/>
   </p:sldIdLst>
   <p:sldSz cx="12192000" cy="6858000"/>
   <p:notesSz cx="6858000" cy="9144000"/>
@@ -254,7 +258,7 @@
           <a:p>
             <a:fld id="{3EE0D5A5-CB21-4BF5-9F46-FA5F56C21346}" type="datetimeFigureOut">
               <a:rPr lang="ko-KR" altLang="en-US" smtClean="0"/>
-              <a:t>2022-07-25</a:t>
+              <a:t>2022-08-25</a:t>
             </a:fld>
             <a:endParaRPr lang="ko-KR" altLang="en-US"/>
           </a:p>
@@ -424,7 +428,7 @@
           <a:p>
             <a:fld id="{3EE0D5A5-CB21-4BF5-9F46-FA5F56C21346}" type="datetimeFigureOut">
               <a:rPr lang="ko-KR" altLang="en-US" smtClean="0"/>
-              <a:t>2022-07-25</a:t>
+              <a:t>2022-08-25</a:t>
             </a:fld>
             <a:endParaRPr lang="ko-KR" altLang="en-US"/>
           </a:p>
@@ -604,7 +608,7 @@
           <a:p>
             <a:fld id="{3EE0D5A5-CB21-4BF5-9F46-FA5F56C21346}" type="datetimeFigureOut">
               <a:rPr lang="ko-KR" altLang="en-US" smtClean="0"/>
-              <a:t>2022-07-25</a:t>
+              <a:t>2022-08-25</a:t>
             </a:fld>
             <a:endParaRPr lang="ko-KR" altLang="en-US"/>
           </a:p>
@@ -774,7 +778,7 @@
           <a:p>
             <a:fld id="{3EE0D5A5-CB21-4BF5-9F46-FA5F56C21346}" type="datetimeFigureOut">
               <a:rPr lang="ko-KR" altLang="en-US" smtClean="0"/>
-              <a:t>2022-07-25</a:t>
+              <a:t>2022-08-25</a:t>
             </a:fld>
             <a:endParaRPr lang="ko-KR" altLang="en-US"/>
           </a:p>
@@ -1020,7 +1024,7 @@
           <a:p>
             <a:fld id="{3EE0D5A5-CB21-4BF5-9F46-FA5F56C21346}" type="datetimeFigureOut">
               <a:rPr lang="ko-KR" altLang="en-US" smtClean="0"/>
-              <a:t>2022-07-25</a:t>
+              <a:t>2022-08-25</a:t>
             </a:fld>
             <a:endParaRPr lang="ko-KR" altLang="en-US"/>
           </a:p>
@@ -1252,7 +1256,7 @@
           <a:p>
             <a:fld id="{3EE0D5A5-CB21-4BF5-9F46-FA5F56C21346}" type="datetimeFigureOut">
               <a:rPr lang="ko-KR" altLang="en-US" smtClean="0"/>
-              <a:t>2022-07-25</a:t>
+              <a:t>2022-08-25</a:t>
             </a:fld>
             <a:endParaRPr lang="ko-KR" altLang="en-US"/>
           </a:p>
@@ -1619,7 +1623,7 @@
           <a:p>
             <a:fld id="{3EE0D5A5-CB21-4BF5-9F46-FA5F56C21346}" type="datetimeFigureOut">
               <a:rPr lang="ko-KR" altLang="en-US" smtClean="0"/>
-              <a:t>2022-07-25</a:t>
+              <a:t>2022-08-25</a:t>
             </a:fld>
             <a:endParaRPr lang="ko-KR" altLang="en-US"/>
           </a:p>
@@ -1737,7 +1741,7 @@
           <a:p>
             <a:fld id="{3EE0D5A5-CB21-4BF5-9F46-FA5F56C21346}" type="datetimeFigureOut">
               <a:rPr lang="ko-KR" altLang="en-US" smtClean="0"/>
-              <a:t>2022-07-25</a:t>
+              <a:t>2022-08-25</a:t>
             </a:fld>
             <a:endParaRPr lang="ko-KR" altLang="en-US"/>
           </a:p>
@@ -1832,7 +1836,7 @@
           <a:p>
             <a:fld id="{3EE0D5A5-CB21-4BF5-9F46-FA5F56C21346}" type="datetimeFigureOut">
               <a:rPr lang="ko-KR" altLang="en-US" smtClean="0"/>
-              <a:t>2022-07-25</a:t>
+              <a:t>2022-08-25</a:t>
             </a:fld>
             <a:endParaRPr lang="ko-KR" altLang="en-US"/>
           </a:p>
@@ -2109,7 +2113,7 @@
           <a:p>
             <a:fld id="{3EE0D5A5-CB21-4BF5-9F46-FA5F56C21346}" type="datetimeFigureOut">
               <a:rPr lang="ko-KR" altLang="en-US" smtClean="0"/>
-              <a:t>2022-07-25</a:t>
+              <a:t>2022-08-25</a:t>
             </a:fld>
             <a:endParaRPr lang="ko-KR" altLang="en-US"/>
           </a:p>
@@ -2362,7 +2366,7 @@
           <a:p>
             <a:fld id="{3EE0D5A5-CB21-4BF5-9F46-FA5F56C21346}" type="datetimeFigureOut">
               <a:rPr lang="ko-KR" altLang="en-US" smtClean="0"/>
-              <a:t>2022-07-25</a:t>
+              <a:t>2022-08-25</a:t>
             </a:fld>
             <a:endParaRPr lang="ko-KR" altLang="en-US"/>
           </a:p>
@@ -2575,7 +2579,7 @@
           <a:p>
             <a:fld id="{3EE0D5A5-CB21-4BF5-9F46-FA5F56C21346}" type="datetimeFigureOut">
               <a:rPr lang="ko-KR" altLang="en-US" smtClean="0"/>
-              <a:t>2022-07-25</a:t>
+              <a:t>2022-08-25</a:t>
             </a:fld>
             <a:endParaRPr lang="ko-KR" altLang="en-US"/>
           </a:p>
@@ -2989,7 +2993,7 @@
         <p:spPr>
           <a:xfrm>
             <a:off x="336000" y="549000"/>
-            <a:ext cx="1191352" cy="369332"/>
+            <a:ext cx="1128835" cy="369332"/>
           </a:xfrm>
           <a:prstGeom prst="rect">
             <a:avLst/>
@@ -3006,10 +3010,16 @@
               <a:defRPr/>
             </a:pPr>
             <a:r>
-              <a:rPr lang="en-US" altLang="ko-KR" dirty="0" smtClean="0"/>
+              <a:rPr lang="en-US" altLang="ko-KR" dirty="0" smtClean="0">
+                <a:latin typeface="Cairo" pitchFamily="2" charset="-78"/>
+                <a:cs typeface="Cairo" pitchFamily="2" charset="-78"/>
+              </a:rPr>
               <a:t>SITE MAP</a:t>
             </a:r>
-            <a:endParaRPr lang="ko-KR" altLang="en-US" dirty="0"/>
+            <a:endParaRPr lang="ko-KR" altLang="en-US" dirty="0">
+              <a:latin typeface="Cairo" pitchFamily="2" charset="-78"/>
+              <a:cs typeface="Cairo" pitchFamily="2" charset="-78"/>
+            </a:endParaRPr>
           </a:p>
         </p:txBody>
       </p:sp>
@@ -3207,6 +3217,7 @@
                   <a:solidFill>
                     <a:schemeClr val="bg1"/>
                   </a:solidFill>
+                  <a:latin typeface="+mn-ea"/>
                 </a:rPr>
                 <a:t>HOME</a:t>
               </a:r>
@@ -3214,6 +3225,7 @@
                 <a:solidFill>
                   <a:schemeClr val="bg1"/>
                 </a:solidFill>
+                <a:latin typeface="+mn-ea"/>
               </a:endParaRPr>
             </a:p>
           </p:txBody>
@@ -3265,6 +3277,7 @@
                   <a:solidFill>
                     <a:schemeClr val="bg1"/>
                   </a:solidFill>
+                  <a:latin typeface="+mn-ea"/>
                 </a:rPr>
                 <a:t>충전소 위치</a:t>
               </a:r>
@@ -3272,6 +3285,7 @@
                 <a:solidFill>
                   <a:schemeClr val="bg1"/>
                 </a:solidFill>
+                <a:latin typeface="+mn-ea"/>
               </a:endParaRPr>
             </a:p>
           </p:txBody>
@@ -3323,6 +3337,7 @@
                   <a:solidFill>
                     <a:schemeClr val="bg1"/>
                   </a:solidFill>
+                  <a:latin typeface="+mn-ea"/>
                 </a:rPr>
                 <a:t>구매 및 지원</a:t>
               </a:r>
@@ -3330,6 +3345,7 @@
                 <a:solidFill>
                   <a:schemeClr val="bg1"/>
                 </a:solidFill>
+                <a:latin typeface="+mn-ea"/>
               </a:endParaRPr>
             </a:p>
           </p:txBody>
@@ -3381,6 +3397,7 @@
                   <a:solidFill>
                     <a:schemeClr val="bg1"/>
                   </a:solidFill>
+                  <a:latin typeface="+mn-ea"/>
                 </a:rPr>
                 <a:t>정보지원</a:t>
               </a:r>
@@ -3388,6 +3405,7 @@
                 <a:solidFill>
                   <a:schemeClr val="bg1"/>
                 </a:solidFill>
+                <a:latin typeface="+mn-ea"/>
               </a:endParaRPr>
             </a:p>
           </p:txBody>
@@ -3439,6 +3457,7 @@
                   <a:solidFill>
                     <a:schemeClr val="bg1"/>
                   </a:solidFill>
+                  <a:latin typeface="+mn-ea"/>
                 </a:rPr>
                 <a:t>고객 서비스</a:t>
               </a:r>
@@ -3446,6 +3465,7 @@
                 <a:solidFill>
                   <a:schemeClr val="bg1"/>
                 </a:solidFill>
+                <a:latin typeface="+mn-ea"/>
               </a:endParaRPr>
             </a:p>
           </p:txBody>
@@ -3497,6 +3517,7 @@
                   <a:solidFill>
                     <a:schemeClr val="bg1"/>
                   </a:solidFill>
+                  <a:latin typeface="+mn-ea"/>
                 </a:rPr>
                 <a:t>무공해차 소개</a:t>
               </a:r>
@@ -3504,6 +3525,7 @@
                 <a:solidFill>
                   <a:schemeClr val="bg1"/>
                 </a:solidFill>
+                <a:latin typeface="+mn-ea"/>
               </a:endParaRPr>
             </a:p>
           </p:txBody>
@@ -3532,10 +3554,16 @@
             <a:p>
               <a:pPr algn="ctr"/>
               <a:r>
-                <a:rPr lang="en-US" altLang="ko-KR" sz="1400" smtClean="0"/>
+                <a:rPr lang="en-US" altLang="ko-KR" sz="1400" smtClean="0">
+                  <a:latin typeface="Cairo" pitchFamily="2" charset="-78"/>
+                  <a:cs typeface="Cairo" pitchFamily="2" charset="-78"/>
+                </a:rPr>
                 <a:t>index.html</a:t>
               </a:r>
-              <a:endParaRPr lang="ko-KR" altLang="en-US" sz="1400" dirty="0"/>
+              <a:endParaRPr lang="ko-KR" altLang="en-US" sz="1400" dirty="0">
+                <a:latin typeface="Cairo" pitchFamily="2" charset="-78"/>
+                <a:cs typeface="Cairo" pitchFamily="2" charset="-78"/>
+              </a:endParaRPr>
             </a:p>
           </p:txBody>
         </p:sp>
@@ -3563,10 +3591,16 @@
             <a:p>
               <a:pPr algn="ctr"/>
               <a:r>
-                <a:rPr lang="en-US" altLang="ko-KR" sz="1400" dirty="0" smtClean="0"/>
+                <a:rPr lang="en-US" altLang="ko-KR" sz="1400" dirty="0" smtClean="0">
+                  <a:latin typeface="Cairo" pitchFamily="2" charset="-78"/>
+                  <a:cs typeface="Cairo" pitchFamily="2" charset="-78"/>
+                </a:rPr>
                 <a:t>evcar.html</a:t>
               </a:r>
-              <a:endParaRPr lang="ko-KR" altLang="en-US" sz="1400" dirty="0"/>
+              <a:endParaRPr lang="ko-KR" altLang="en-US" sz="1400" dirty="0">
+                <a:latin typeface="Cairo" pitchFamily="2" charset="-78"/>
+                <a:cs typeface="Cairo" pitchFamily="2" charset="-78"/>
+              </a:endParaRPr>
             </a:p>
           </p:txBody>
         </p:sp>
@@ -3594,10 +3628,16 @@
             <a:p>
               <a:pPr algn="ctr"/>
               <a:r>
-                <a:rPr lang="en-US" altLang="ko-KR" sz="1400" dirty="0" smtClean="0"/>
+                <a:rPr lang="en-US" altLang="ko-KR" sz="1400" dirty="0" smtClean="0">
+                  <a:latin typeface="Cairo" pitchFamily="2" charset="-78"/>
+                  <a:cs typeface="Cairo" pitchFamily="2" charset="-78"/>
+                </a:rPr>
                 <a:t>buyersGuide.html</a:t>
               </a:r>
-              <a:endParaRPr lang="ko-KR" altLang="en-US" sz="1400" dirty="0"/>
+              <a:endParaRPr lang="ko-KR" altLang="en-US" sz="1400" dirty="0">
+                <a:latin typeface="Cairo" pitchFamily="2" charset="-78"/>
+                <a:cs typeface="Cairo" pitchFamily="2" charset="-78"/>
+              </a:endParaRPr>
             </a:p>
           </p:txBody>
         </p:sp>
@@ -3625,10 +3665,16 @@
             <a:p>
               <a:pPr algn="ctr"/>
               <a:r>
-                <a:rPr lang="en-US" altLang="ko-KR" sz="1400" dirty="0" smtClean="0"/>
+                <a:rPr lang="en-US" altLang="ko-KR" sz="1400" dirty="0" smtClean="0">
+                  <a:latin typeface="Cairo" pitchFamily="2" charset="-78"/>
+                  <a:cs typeface="Cairo" pitchFamily="2" charset="-78"/>
+                </a:rPr>
                 <a:t>portal.html</a:t>
               </a:r>
-              <a:endParaRPr lang="ko-KR" altLang="en-US" sz="1400" dirty="0"/>
+              <a:endParaRPr lang="ko-KR" altLang="en-US" sz="1400" dirty="0">
+                <a:latin typeface="Cairo" pitchFamily="2" charset="-78"/>
+                <a:cs typeface="Cairo" pitchFamily="2" charset="-78"/>
+              </a:endParaRPr>
             </a:p>
           </p:txBody>
         </p:sp>
@@ -3656,10 +3702,16 @@
             <a:p>
               <a:pPr algn="ctr"/>
               <a:r>
-                <a:rPr lang="en-US" altLang="ko-KR" sz="1400" dirty="0" smtClean="0"/>
+                <a:rPr lang="en-US" altLang="ko-KR" sz="1400" dirty="0" smtClean="0">
+                  <a:latin typeface="Cairo" pitchFamily="2" charset="-78"/>
+                  <a:cs typeface="Cairo" pitchFamily="2" charset="-78"/>
+                </a:rPr>
                 <a:t>guide.html</a:t>
               </a:r>
-              <a:endParaRPr lang="ko-KR" altLang="en-US" sz="1400" dirty="0"/>
+              <a:endParaRPr lang="ko-KR" altLang="en-US" sz="1400" dirty="0">
+                <a:latin typeface="Cairo" pitchFamily="2" charset="-78"/>
+                <a:cs typeface="Cairo" pitchFamily="2" charset="-78"/>
+              </a:endParaRPr>
             </a:p>
           </p:txBody>
         </p:sp>
@@ -3687,10 +3739,16 @@
             <a:p>
               <a:pPr algn="ctr"/>
               <a:r>
-                <a:rPr lang="en-US" altLang="ko-KR" sz="1400" dirty="0" smtClean="0"/>
+                <a:rPr lang="en-US" altLang="ko-KR" sz="1400" dirty="0" smtClean="0">
+                  <a:latin typeface="Cairo" pitchFamily="2" charset="-78"/>
+                  <a:cs typeface="Cairo" pitchFamily="2" charset="-78"/>
+                </a:rPr>
                 <a:t>evcharge.html</a:t>
               </a:r>
-              <a:endParaRPr lang="ko-KR" altLang="en-US" sz="1400" dirty="0"/>
+              <a:endParaRPr lang="ko-KR" altLang="en-US" sz="1400" dirty="0">
+                <a:latin typeface="Cairo" pitchFamily="2" charset="-78"/>
+                <a:cs typeface="Cairo" pitchFamily="2" charset="-78"/>
+              </a:endParaRPr>
             </a:p>
           </p:txBody>
         </p:sp>
@@ -4665,10 +4723,16 @@
             <a:p>
               <a:pPr algn="ctr"/>
               <a:r>
-                <a:rPr lang="en-US" altLang="ko-KR" sz="1400" dirty="0" smtClean="0"/>
+                <a:rPr lang="en-US" altLang="ko-KR" sz="1400" dirty="0" smtClean="0">
+                  <a:latin typeface="Cairo" pitchFamily="2" charset="-78"/>
+                  <a:cs typeface="Cairo" pitchFamily="2" charset="-78"/>
+                </a:rPr>
                 <a:t>evcar.html</a:t>
               </a:r>
-              <a:endParaRPr lang="ko-KR" altLang="en-US" sz="1400" dirty="0"/>
+              <a:endParaRPr lang="ko-KR" altLang="en-US" sz="1400" dirty="0">
+                <a:latin typeface="Cairo" pitchFamily="2" charset="-78"/>
+                <a:cs typeface="Cairo" pitchFamily="2" charset="-78"/>
+              </a:endParaRPr>
             </a:p>
           </p:txBody>
         </p:sp>
@@ -4699,10 +4763,16 @@
             <a:p>
               <a:pPr algn="ctr"/>
               <a:r>
-                <a:rPr lang="en-US" altLang="ko-KR" sz="1400" dirty="0" smtClean="0"/>
+                <a:rPr lang="en-US" altLang="ko-KR" sz="1400" dirty="0" smtClean="0">
+                  <a:latin typeface="Cairo" pitchFamily="2" charset="-78"/>
+                  <a:cs typeface="Cairo" pitchFamily="2" charset="-78"/>
+                </a:rPr>
                 <a:t>buyersGuide.html</a:t>
               </a:r>
-              <a:endParaRPr lang="ko-KR" altLang="en-US" sz="1400" dirty="0"/>
+              <a:endParaRPr lang="ko-KR" altLang="en-US" sz="1400" dirty="0">
+                <a:latin typeface="Cairo" pitchFamily="2" charset="-78"/>
+                <a:cs typeface="Cairo" pitchFamily="2" charset="-78"/>
+              </a:endParaRPr>
             </a:p>
           </p:txBody>
         </p:sp>
@@ -4733,10 +4803,16 @@
             <a:p>
               <a:pPr algn="ctr"/>
               <a:r>
-                <a:rPr lang="en-US" altLang="ko-KR" sz="1400" dirty="0" smtClean="0"/>
+                <a:rPr lang="en-US" altLang="ko-KR" sz="1400" dirty="0" smtClean="0">
+                  <a:latin typeface="Cairo" pitchFamily="2" charset="-78"/>
+                  <a:cs typeface="Cairo" pitchFamily="2" charset="-78"/>
+                </a:rPr>
                 <a:t>guide.html</a:t>
               </a:r>
-              <a:endParaRPr lang="ko-KR" altLang="en-US" sz="1400" dirty="0"/>
+              <a:endParaRPr lang="ko-KR" altLang="en-US" sz="1400" dirty="0">
+                <a:latin typeface="Cairo" pitchFamily="2" charset="-78"/>
+                <a:cs typeface="Cairo" pitchFamily="2" charset="-78"/>
+              </a:endParaRPr>
             </a:p>
           </p:txBody>
         </p:sp>
@@ -4767,10 +4843,16 @@
             <a:p>
               <a:pPr algn="ctr"/>
               <a:r>
-                <a:rPr lang="en-US" altLang="ko-KR" sz="1400" dirty="0" smtClean="0"/>
+                <a:rPr lang="en-US" altLang="ko-KR" sz="1400" dirty="0" smtClean="0">
+                  <a:latin typeface="Cairo" pitchFamily="2" charset="-78"/>
+                  <a:cs typeface="Cairo" pitchFamily="2" charset="-78"/>
+                </a:rPr>
                 <a:t>notice.html</a:t>
               </a:r>
-              <a:endParaRPr lang="ko-KR" altLang="en-US" sz="1400" dirty="0"/>
+              <a:endParaRPr lang="ko-KR" altLang="en-US" sz="1400" dirty="0">
+                <a:latin typeface="Cairo" pitchFamily="2" charset="-78"/>
+                <a:cs typeface="Cairo" pitchFamily="2" charset="-78"/>
+              </a:endParaRPr>
             </a:p>
           </p:txBody>
         </p:sp>
@@ -4801,14 +4883,23 @@
             <a:p>
               <a:pPr algn="ctr"/>
               <a:r>
-                <a:rPr lang="en-US" altLang="ko-KR" sz="1400" dirty="0" smtClean="0"/>
+                <a:rPr lang="en-US" altLang="ko-KR" sz="1400" dirty="0" smtClean="0">
+                  <a:latin typeface="Cairo" pitchFamily="2" charset="-78"/>
+                  <a:cs typeface="Cairo" pitchFamily="2" charset="-78"/>
+                </a:rPr>
                 <a:t>ev.or.kr/</a:t>
               </a:r>
               <a:r>
-                <a:rPr lang="en-US" altLang="ko-KR" sz="1400" dirty="0" err="1" smtClean="0"/>
+                <a:rPr lang="en-US" altLang="ko-KR" sz="1400" dirty="0" err="1" smtClean="0">
+                  <a:latin typeface="Cairo" pitchFamily="2" charset="-78"/>
+                  <a:cs typeface="Cairo" pitchFamily="2" charset="-78"/>
+                </a:rPr>
                 <a:t>evmonitor</a:t>
               </a:r>
-              <a:endParaRPr lang="en-US" altLang="ko-KR" sz="1400" dirty="0"/>
+              <a:endParaRPr lang="en-US" altLang="ko-KR" sz="1400" dirty="0">
+                <a:latin typeface="Cairo" pitchFamily="2" charset="-78"/>
+                <a:cs typeface="Cairo" pitchFamily="2" charset="-78"/>
+              </a:endParaRPr>
             </a:p>
           </p:txBody>
         </p:sp>
@@ -4839,10 +4930,16 @@
             <a:p>
               <a:pPr algn="ctr"/>
               <a:r>
-                <a:rPr lang="en-US" altLang="ko-KR" sz="1400" dirty="0" smtClean="0"/>
+                <a:rPr lang="en-US" altLang="ko-KR" sz="1400" dirty="0" smtClean="0">
+                  <a:latin typeface="Cairo" pitchFamily="2" charset="-78"/>
+                  <a:cs typeface="Cairo" pitchFamily="2" charset="-78"/>
+                </a:rPr>
                 <a:t>library.html</a:t>
               </a:r>
-              <a:endParaRPr lang="ko-KR" altLang="en-US" sz="1400" dirty="0"/>
+              <a:endParaRPr lang="ko-KR" altLang="en-US" sz="1400" dirty="0">
+                <a:latin typeface="Cairo" pitchFamily="2" charset="-78"/>
+                <a:cs typeface="Cairo" pitchFamily="2" charset="-78"/>
+              </a:endParaRPr>
             </a:p>
           </p:txBody>
         </p:sp>
@@ -4873,10 +4970,16 @@
             <a:p>
               <a:pPr algn="ctr"/>
               <a:r>
-                <a:rPr lang="en-US" altLang="ko-KR" sz="1400" dirty="0" smtClean="0"/>
+                <a:rPr lang="en-US" altLang="ko-KR" sz="1400" dirty="0" smtClean="0">
+                  <a:latin typeface="Cairo" pitchFamily="2" charset="-78"/>
+                  <a:cs typeface="Cairo" pitchFamily="2" charset="-78"/>
+                </a:rPr>
                 <a:t>ecoeffect.html</a:t>
               </a:r>
-              <a:endParaRPr lang="ko-KR" altLang="en-US" sz="1400" dirty="0"/>
+              <a:endParaRPr lang="ko-KR" altLang="en-US" sz="1400" dirty="0">
+                <a:latin typeface="Cairo" pitchFamily="2" charset="-78"/>
+                <a:cs typeface="Cairo" pitchFamily="2" charset="-78"/>
+              </a:endParaRPr>
             </a:p>
           </p:txBody>
         </p:sp>
@@ -4907,10 +5010,16 @@
             <a:p>
               <a:pPr algn="ctr"/>
               <a:r>
-                <a:rPr lang="en-US" altLang="ko-KR" sz="1400" dirty="0" smtClean="0"/>
+                <a:rPr lang="en-US" altLang="ko-KR" sz="1400" dirty="0" smtClean="0">
+                  <a:latin typeface="Cairo" pitchFamily="2" charset="-78"/>
+                  <a:cs typeface="Cairo" pitchFamily="2" charset="-78"/>
+                </a:rPr>
                 <a:t>chargerkind.html</a:t>
               </a:r>
-              <a:endParaRPr lang="ko-KR" altLang="en-US" sz="1400" dirty="0"/>
+              <a:endParaRPr lang="ko-KR" altLang="en-US" sz="1400" dirty="0">
+                <a:latin typeface="Cairo" pitchFamily="2" charset="-78"/>
+                <a:cs typeface="Cairo" pitchFamily="2" charset="-78"/>
+              </a:endParaRPr>
             </a:p>
           </p:txBody>
         </p:sp>
@@ -4941,14 +5050,23 @@
             <a:p>
               <a:pPr algn="ctr"/>
               <a:r>
-                <a:rPr lang="ko-KR" altLang="en-US" sz="1400" dirty="0" err="1" smtClean="0"/>
+                <a:rPr lang="ko-KR" altLang="en-US" sz="1400" dirty="0" err="1" smtClean="0">
+                  <a:latin typeface="Cairo" pitchFamily="2" charset="-78"/>
+                  <a:cs typeface="Cairo" pitchFamily="2" charset="-78"/>
+                </a:rPr>
                 <a:t>localInfo</a:t>
               </a:r>
               <a:r>
-                <a:rPr lang="en-US" altLang="ko-KR" sz="1400" dirty="0" smtClean="0"/>
+                <a:rPr lang="en-US" altLang="ko-KR" sz="1400" dirty="0" smtClean="0">
+                  <a:latin typeface="Cairo" pitchFamily="2" charset="-78"/>
+                  <a:cs typeface="Cairo" pitchFamily="2" charset="-78"/>
+                </a:rPr>
                 <a:t>.html</a:t>
               </a:r>
-              <a:endParaRPr lang="ko-KR" altLang="en-US" sz="1400" dirty="0"/>
+              <a:endParaRPr lang="ko-KR" altLang="en-US" sz="1400" dirty="0">
+                <a:latin typeface="Cairo" pitchFamily="2" charset="-78"/>
+                <a:cs typeface="Cairo" pitchFamily="2" charset="-78"/>
+              </a:endParaRPr>
             </a:p>
           </p:txBody>
         </p:sp>
@@ -4979,10 +5097,16 @@
             <a:p>
               <a:pPr algn="ctr"/>
               <a:r>
-                <a:rPr lang="en-US" altLang="ko-KR" sz="1400" dirty="0" smtClean="0"/>
+                <a:rPr lang="en-US" altLang="ko-KR" sz="1400" dirty="0" smtClean="0">
+                  <a:latin typeface="Cairo" pitchFamily="2" charset="-78"/>
+                  <a:cs typeface="Cairo" pitchFamily="2" charset="-78"/>
+                </a:rPr>
                 <a:t>scharger.html</a:t>
               </a:r>
-              <a:endParaRPr lang="ko-KR" altLang="en-US" sz="1400" dirty="0"/>
+              <a:endParaRPr lang="ko-KR" altLang="en-US" sz="1400" dirty="0">
+                <a:latin typeface="Cairo" pitchFamily="2" charset="-78"/>
+                <a:cs typeface="Cairo" pitchFamily="2" charset="-78"/>
+              </a:endParaRPr>
             </a:p>
           </p:txBody>
         </p:sp>
@@ -5047,10 +5171,16 @@
             <a:p>
               <a:pPr algn="ctr"/>
               <a:r>
-                <a:rPr lang="en-US" altLang="ko-KR" sz="1400" dirty="0" smtClean="0"/>
+                <a:rPr lang="en-US" altLang="ko-KR" sz="1400" dirty="0" smtClean="0">
+                  <a:latin typeface="Cairo" pitchFamily="2" charset="-78"/>
+                  <a:cs typeface="Cairo" pitchFamily="2" charset="-78"/>
+                </a:rPr>
                 <a:t>dictionList.html</a:t>
               </a:r>
-              <a:endParaRPr lang="ko-KR" altLang="en-US" sz="1400" dirty="0"/>
+              <a:endParaRPr lang="ko-KR" altLang="en-US" sz="1400" dirty="0">
+                <a:latin typeface="Cairo" pitchFamily="2" charset="-78"/>
+                <a:cs typeface="Cairo" pitchFamily="2" charset="-78"/>
+              </a:endParaRPr>
             </a:p>
           </p:txBody>
         </p:sp>
@@ -5081,10 +5211,16 @@
             <a:p>
               <a:pPr algn="ctr"/>
               <a:r>
-                <a:rPr lang="en-US" altLang="ko-KR" sz="1400" dirty="0" smtClean="0"/>
+                <a:rPr lang="en-US" altLang="ko-KR" sz="1400" dirty="0" smtClean="0">
+                  <a:latin typeface="Cairo" pitchFamily="2" charset="-78"/>
+                  <a:cs typeface="Cairo" pitchFamily="2" charset="-78"/>
+                </a:rPr>
                 <a:t>carlnfoView.html</a:t>
               </a:r>
-              <a:endParaRPr lang="ko-KR" altLang="en-US" sz="1400" dirty="0"/>
+              <a:endParaRPr lang="ko-KR" altLang="en-US" sz="1400" dirty="0">
+                <a:latin typeface="Cairo" pitchFamily="2" charset="-78"/>
+                <a:cs typeface="Cairo" pitchFamily="2" charset="-78"/>
+              </a:endParaRPr>
             </a:p>
           </p:txBody>
         </p:sp>
@@ -5115,10 +5251,16 @@
             <a:p>
               <a:pPr algn="ctr"/>
               <a:r>
-                <a:rPr lang="en-US" altLang="ko-KR" sz="1400" dirty="0" smtClean="0"/>
+                <a:rPr lang="en-US" altLang="ko-KR" sz="1400" dirty="0" smtClean="0">
+                  <a:latin typeface="Cairo" pitchFamily="2" charset="-78"/>
+                  <a:cs typeface="Cairo" pitchFamily="2" charset="-78"/>
+                </a:rPr>
                 <a:t>qna.html</a:t>
               </a:r>
-              <a:endParaRPr lang="ko-KR" altLang="en-US" sz="1400" dirty="0"/>
+              <a:endParaRPr lang="ko-KR" altLang="en-US" sz="1400" dirty="0">
+                <a:latin typeface="Cairo" pitchFamily="2" charset="-78"/>
+                <a:cs typeface="Cairo" pitchFamily="2" charset="-78"/>
+              </a:endParaRPr>
             </a:p>
           </p:txBody>
         </p:sp>
@@ -5149,10 +5291,16 @@
             <a:p>
               <a:pPr algn="ctr"/>
               <a:r>
-                <a:rPr lang="en-US" altLang="ko-KR" sz="1400" dirty="0" smtClean="0"/>
+                <a:rPr lang="en-US" altLang="ko-KR" sz="1400" dirty="0" smtClean="0">
+                  <a:latin typeface="Cairo" pitchFamily="2" charset="-78"/>
+                  <a:cs typeface="Cairo" pitchFamily="2" charset="-78"/>
+                </a:rPr>
                 <a:t>faq.html</a:t>
               </a:r>
-              <a:endParaRPr lang="ko-KR" altLang="en-US" sz="1400" dirty="0"/>
+              <a:endParaRPr lang="ko-KR" altLang="en-US" sz="1400" dirty="0">
+                <a:latin typeface="Cairo" pitchFamily="2" charset="-78"/>
+                <a:cs typeface="Cairo" pitchFamily="2" charset="-78"/>
+              </a:endParaRPr>
             </a:p>
           </p:txBody>
         </p:sp>
@@ -5183,10 +5331,16 @@
             <a:p>
               <a:pPr algn="ctr"/>
               <a:r>
-                <a:rPr lang="en-US" altLang="ko-KR" sz="1400" dirty="0" smtClean="0"/>
+                <a:rPr lang="en-US" altLang="ko-KR" sz="1400" dirty="0" smtClean="0">
+                  <a:latin typeface="Cairo" pitchFamily="2" charset="-78"/>
+                  <a:cs typeface="Cairo" pitchFamily="2" charset="-78"/>
+                </a:rPr>
                 <a:t>ev.or.kr/h2monitor</a:t>
               </a:r>
-              <a:endParaRPr lang="en-US" altLang="ko-KR" sz="1400" dirty="0"/>
+              <a:endParaRPr lang="en-US" altLang="ko-KR" sz="1400" dirty="0">
+                <a:latin typeface="Cairo" pitchFamily="2" charset="-78"/>
+                <a:cs typeface="Cairo" pitchFamily="2" charset="-78"/>
+              </a:endParaRPr>
             </a:p>
           </p:txBody>
         </p:sp>
@@ -5253,6 +5407,1346 @@
       </p:grpSpPr>
       <p:sp>
         <p:nvSpPr>
+          <p:cNvPr id="4" name="TextBox 3"/>
+          <p:cNvSpPr txBox="1"/>
+          <p:nvPr/>
+        </p:nvSpPr>
+        <p:spPr>
+          <a:xfrm>
+            <a:off x="336000" y="549000"/>
+            <a:ext cx="1244251" cy="369332"/>
+          </a:xfrm>
+          <a:prstGeom prst="rect">
+            <a:avLst/>
+          </a:prstGeom>
+          <a:noFill/>
+        </p:spPr>
+        <p:txBody>
+          <a:bodyPr wrap="none">
+            <a:spAutoFit/>
+          </a:bodyPr>
+          <a:lstStyle/>
+          <a:p>
+            <a:pPr lvl="0">
+              <a:defRPr/>
+            </a:pPr>
+            <a:r>
+              <a:rPr lang="en-US" altLang="ko-KR" dirty="0">
+                <a:latin typeface="Cairo" pitchFamily="2" charset="-78"/>
+                <a:cs typeface="Cairo" pitchFamily="2" charset="-78"/>
+              </a:rPr>
+              <a:t>KEY POINT</a:t>
+            </a:r>
+            <a:endParaRPr lang="ko-KR" altLang="en-US" dirty="0">
+              <a:latin typeface="Cairo" pitchFamily="2" charset="-78"/>
+              <a:cs typeface="Cairo" pitchFamily="2" charset="-78"/>
+            </a:endParaRPr>
+          </a:p>
+        </p:txBody>
+      </p:sp>
+      <p:cxnSp>
+        <p:nvCxnSpPr>
+          <p:cNvPr id="6" name="직선 연결선 5"/>
+          <p:cNvCxnSpPr/>
+          <p:nvPr/>
+        </p:nvCxnSpPr>
+        <p:spPr>
+          <a:xfrm>
+            <a:off x="336000" y="0"/>
+            <a:ext cx="0" cy="1989000"/>
+          </a:xfrm>
+          <a:prstGeom prst="line">
+            <a:avLst/>
+          </a:prstGeom>
+        </p:spPr>
+        <p:style>
+          <a:lnRef idx="3">
+            <a:schemeClr val="dk1"/>
+          </a:lnRef>
+          <a:fillRef idx="0">
+            <a:schemeClr val="dk1"/>
+          </a:fillRef>
+          <a:effectRef idx="2">
+            <a:schemeClr val="dk1"/>
+          </a:effectRef>
+          <a:fontRef idx="minor">
+            <a:schemeClr val="tx1"/>
+          </a:fontRef>
+        </p:style>
+      </p:cxnSp>
+      <p:sp>
+        <p:nvSpPr>
+          <p:cNvPr id="7" name="TextBox 6"/>
+          <p:cNvSpPr txBox="1"/>
+          <p:nvPr/>
+        </p:nvSpPr>
+        <p:spPr>
+          <a:xfrm>
+            <a:off x="696000" y="189000"/>
+            <a:ext cx="1938351" cy="369332"/>
+          </a:xfrm>
+          <a:prstGeom prst="rect">
+            <a:avLst/>
+          </a:prstGeom>
+          <a:noFill/>
+        </p:spPr>
+        <p:txBody>
+          <a:bodyPr wrap="none">
+            <a:spAutoFit/>
+          </a:bodyPr>
+          <a:lstStyle/>
+          <a:p>
+            <a:pPr lvl="0">
+              <a:defRPr/>
+            </a:pPr>
+            <a:r>
+              <a:rPr lang="en-US" altLang="ko-KR" dirty="0">
+                <a:latin typeface="Cairo" pitchFamily="2" charset="-78"/>
+                <a:cs typeface="Cairo" pitchFamily="2" charset="-78"/>
+              </a:rPr>
+              <a:t>DESIGN CONCEPT</a:t>
+            </a:r>
+            <a:endParaRPr lang="ko-KR" altLang="en-US" dirty="0">
+              <a:latin typeface="Cairo" pitchFamily="2" charset="-78"/>
+              <a:cs typeface="Cairo" pitchFamily="2" charset="-78"/>
+            </a:endParaRPr>
+          </a:p>
+        </p:txBody>
+      </p:sp>
+      <p:cxnSp>
+        <p:nvCxnSpPr>
+          <p:cNvPr id="8" name="직선 연결선 7"/>
+          <p:cNvCxnSpPr/>
+          <p:nvPr/>
+        </p:nvCxnSpPr>
+        <p:spPr>
+          <a:xfrm>
+            <a:off x="336000" y="549000"/>
+            <a:ext cx="3240000" cy="0"/>
+          </a:xfrm>
+          <a:prstGeom prst="line">
+            <a:avLst/>
+          </a:prstGeom>
+        </p:spPr>
+        <p:style>
+          <a:lnRef idx="3">
+            <a:schemeClr val="dk1"/>
+          </a:lnRef>
+          <a:fillRef idx="0">
+            <a:schemeClr val="dk1"/>
+          </a:fillRef>
+          <a:effectRef idx="2">
+            <a:schemeClr val="dk1"/>
+          </a:effectRef>
+          <a:fontRef idx="minor">
+            <a:schemeClr val="tx1"/>
+          </a:fontRef>
+        </p:style>
+      </p:cxnSp>
+      <p:sp>
+        <p:nvSpPr>
+          <p:cNvPr id="9" name="TextBox 8"/>
+          <p:cNvSpPr txBox="1"/>
+          <p:nvPr/>
+        </p:nvSpPr>
+        <p:spPr>
+          <a:xfrm>
+            <a:off x="1776000" y="549000"/>
+            <a:ext cx="2443298" cy="369332"/>
+          </a:xfrm>
+          <a:prstGeom prst="rect">
+            <a:avLst/>
+          </a:prstGeom>
+          <a:noFill/>
+        </p:spPr>
+        <p:txBody>
+          <a:bodyPr wrap="none">
+            <a:spAutoFit/>
+          </a:bodyPr>
+          <a:lstStyle/>
+          <a:p>
+            <a:pPr lvl="0">
+              <a:defRPr/>
+            </a:pPr>
+            <a:r>
+              <a:rPr lang="en-US" altLang="ko-KR" dirty="0">
+                <a:latin typeface="Cairo" pitchFamily="2" charset="-78"/>
+                <a:cs typeface="Cairo" pitchFamily="2" charset="-78"/>
+              </a:rPr>
+              <a:t>VIPS 25</a:t>
+            </a:r>
+            <a:r>
+              <a:rPr lang="ko-KR" altLang="en-US" dirty="0">
+                <a:latin typeface="Cairo" pitchFamily="2" charset="-78"/>
+                <a:cs typeface="Cairo" pitchFamily="2" charset="-78"/>
+              </a:rPr>
+              <a:t> </a:t>
+            </a:r>
+            <a:r>
+              <a:rPr lang="en-US" altLang="ko-KR" dirty="0">
+                <a:latin typeface="Cairo" pitchFamily="2" charset="-78"/>
+                <a:cs typeface="Cairo" pitchFamily="2" charset="-78"/>
+              </a:rPr>
+              <a:t>ANNIVERSARY</a:t>
+            </a:r>
+          </a:p>
+        </p:txBody>
+      </p:sp>
+      <p:sp>
+        <p:nvSpPr>
+          <p:cNvPr id="10" name="타원 9"/>
+          <p:cNvSpPr/>
+          <p:nvPr/>
+        </p:nvSpPr>
+        <p:spPr>
+          <a:xfrm>
+            <a:off x="5376000" y="1989000"/>
+            <a:ext cx="1800000" cy="1800000"/>
+          </a:xfrm>
+          <a:prstGeom prst="ellipse">
+            <a:avLst/>
+          </a:prstGeom>
+          <a:noFill/>
+          <a:ln>
+            <a:solidFill>
+              <a:srgbClr val="C7B483"/>
+            </a:solidFill>
+          </a:ln>
+        </p:spPr>
+        <p:style>
+          <a:lnRef idx="2">
+            <a:schemeClr val="accent1">
+              <a:shade val="50000"/>
+            </a:schemeClr>
+          </a:lnRef>
+          <a:fillRef idx="1">
+            <a:schemeClr val="accent1"/>
+          </a:fillRef>
+          <a:effectRef idx="0">
+            <a:schemeClr val="accent1"/>
+          </a:effectRef>
+          <a:fontRef idx="minor">
+            <a:schemeClr val="lt1"/>
+          </a:fontRef>
+        </p:style>
+        <p:txBody>
+          <a:bodyPr anchor="ctr"/>
+          <a:lstStyle/>
+          <a:p>
+            <a:pPr algn="ctr">
+              <a:defRPr/>
+            </a:pPr>
+            <a:r>
+              <a:rPr lang="ko-KR" altLang="en-US" sz="2800">
+                <a:solidFill>
+                  <a:srgbClr val="C60226"/>
+                </a:solidFill>
+              </a:rPr>
+              <a:t>기념</a:t>
+            </a:r>
+          </a:p>
+        </p:txBody>
+      </p:sp>
+      <p:sp>
+        <p:nvSpPr>
+          <p:cNvPr id="12" name="TextBox 11"/>
+          <p:cNvSpPr txBox="1"/>
+          <p:nvPr/>
+        </p:nvSpPr>
+        <p:spPr>
+          <a:xfrm>
+            <a:off x="3547110" y="4869000"/>
+            <a:ext cx="5326380" cy="901245"/>
+          </a:xfrm>
+          <a:prstGeom prst="rect">
+            <a:avLst/>
+          </a:prstGeom>
+          <a:noFill/>
+        </p:spPr>
+        <p:txBody>
+          <a:bodyPr wrap="none">
+            <a:spAutoFit/>
+          </a:bodyPr>
+          <a:lstStyle/>
+          <a:p>
+            <a:pPr algn="ctr">
+              <a:defRPr/>
+            </a:pPr>
+            <a:r>
+              <a:rPr lang="en-US" altLang="ko-KR"/>
+              <a:t>25</a:t>
+            </a:r>
+            <a:r>
+              <a:rPr lang="ko-KR" altLang="en-US"/>
+              <a:t>주년 기념 웹페이지 를</a:t>
+            </a:r>
+          </a:p>
+          <a:p>
+            <a:pPr algn="ctr">
+              <a:defRPr/>
+            </a:pPr>
+            <a:endParaRPr lang="ko-KR" altLang="en-US"/>
+          </a:p>
+          <a:p>
+            <a:pPr algn="ctr">
+              <a:defRPr/>
+            </a:pPr>
+            <a:r>
+              <a:rPr lang="ko-KR" altLang="en-US"/>
+              <a:t>키 포인트로 잡아</a:t>
+            </a:r>
+            <a:r>
+              <a:rPr lang="en-US" altLang="ko-KR"/>
+              <a:t> </a:t>
+            </a:r>
+            <a:r>
+              <a:rPr lang="ko-KR" altLang="en-US"/>
+              <a:t>리 디자인 포인트로 하였습니다</a:t>
+            </a:r>
+            <a:r>
+              <a:rPr lang="en-US" altLang="ko-KR"/>
+              <a:t>.</a:t>
+            </a:r>
+            <a:endParaRPr lang="ko-KR" altLang="en-US"/>
+          </a:p>
+        </p:txBody>
+      </p:sp>
+      <p:pic>
+        <p:nvPicPr>
+          <p:cNvPr id="11" name="그림 10"/>
+          <p:cNvPicPr>
+            <a:picLocks noChangeAspect="1"/>
+          </p:cNvPicPr>
+          <p:nvPr/>
+        </p:nvPicPr>
+        <p:blipFill>
+          <a:blip r:embed="rId2" cstate="print">
+            <a:extLst>
+              <a:ext uri="{28A0092B-C50C-407E-A947-70E740481C1C}">
+                <a14:useLocalDpi xmlns:a14="http://schemas.microsoft.com/office/drawing/2010/main" val="0"/>
+              </a:ext>
+            </a:extLst>
+          </a:blip>
+          <a:stretch>
+            <a:fillRect/>
+          </a:stretch>
+        </p:blipFill>
+        <p:spPr>
+          <a:xfrm>
+            <a:off x="3216000" y="150578"/>
+            <a:ext cx="360000" cy="360000"/>
+          </a:xfrm>
+          <a:prstGeom prst="rect">
+            <a:avLst/>
+          </a:prstGeom>
+        </p:spPr>
+      </p:pic>
+    </p:spTree>
+  </p:cSld>
+  <p:clrMapOvr>
+    <a:masterClrMapping/>
+  </p:clrMapOvr>
+  <mc:AlternateContent xmlns:mc="http://schemas.openxmlformats.org/markup-compatibility/2006" xmlns:p14="http://schemas.microsoft.com/office/powerpoint/2010/main">
+    <mc:Choice Requires="p14">
+      <p:transition/>
+    </mc:Choice>
+    <mc:Fallback xmlns="" xmlns:c="http://schemas.openxmlformats.org/drawingml/2006/chart" xmlns:dgm="http://schemas.openxmlformats.org/drawingml/2006/diagram" xmlns:dsp="http://schemas.microsoft.com/office/drawing/2008/diagram">
+      <p:transition/>
+    </mc:Fallback>
+  </mc:AlternateContent>
+</p:sld>
+</file>
+
+<file path=ppt/slides/slide11.xml><?xml version="1.0" encoding="utf-8"?>
+<p:sld xmlns:a="http://schemas.openxmlformats.org/drawingml/2006/main" xmlns:r="http://schemas.openxmlformats.org/officeDocument/2006/relationships" xmlns:p="http://schemas.openxmlformats.org/presentationml/2006/main">
+  <p:cSld>
+    <p:spTree>
+      <p:nvGrpSpPr>
+        <p:cNvPr id="1" name=""/>
+        <p:cNvGrpSpPr/>
+        <p:nvPr/>
+      </p:nvGrpSpPr>
+      <p:grpSpPr>
+        <a:xfrm>
+          <a:off x="0" y="0"/>
+          <a:ext cx="0" cy="0"/>
+          <a:chOff x="0" y="0"/>
+          <a:chExt cx="0" cy="0"/>
+        </a:xfrm>
+      </p:grpSpPr>
+      <p:grpSp>
+        <p:nvGrpSpPr>
+          <p:cNvPr id="12" name="그룹 11"/>
+          <p:cNvGrpSpPr/>
+          <p:nvPr/>
+        </p:nvGrpSpPr>
+        <p:grpSpPr>
+          <a:xfrm>
+            <a:off x="5376000" y="1629000"/>
+            <a:ext cx="1800000" cy="667777"/>
+            <a:chOff x="5376000" y="1629000"/>
+            <a:chExt cx="1800000" cy="667777"/>
+          </a:xfrm>
+        </p:grpSpPr>
+        <p:sp>
+          <p:nvSpPr>
+            <p:cNvPr id="14" name="직사각형 13"/>
+            <p:cNvSpPr/>
+            <p:nvPr/>
+          </p:nvSpPr>
+          <p:spPr>
+            <a:xfrm>
+              <a:off x="5376000" y="1629000"/>
+              <a:ext cx="1800000" cy="360000"/>
+            </a:xfrm>
+            <a:prstGeom prst="rect">
+              <a:avLst/>
+            </a:prstGeom>
+            <a:solidFill>
+              <a:srgbClr val="C60226"/>
+            </a:solidFill>
+            <a:ln>
+              <a:noFill/>
+            </a:ln>
+          </p:spPr>
+          <p:style>
+            <a:lnRef idx="2">
+              <a:schemeClr val="accent1">
+                <a:shade val="50000"/>
+              </a:schemeClr>
+            </a:lnRef>
+            <a:fillRef idx="1">
+              <a:schemeClr val="accent1"/>
+            </a:fillRef>
+            <a:effectRef idx="0">
+              <a:schemeClr val="accent1"/>
+            </a:effectRef>
+            <a:fontRef idx="minor">
+              <a:schemeClr val="lt1"/>
+            </a:fontRef>
+          </p:style>
+          <p:txBody>
+            <a:bodyPr rtlCol="0" anchor="ctr"/>
+            <a:lstStyle/>
+            <a:p>
+              <a:pPr algn="ctr"/>
+              <a:r>
+                <a:rPr lang="en-US" altLang="ko-KR" dirty="0" smtClean="0">
+                  <a:solidFill>
+                    <a:schemeClr val="bg1"/>
+                  </a:solidFill>
+                  <a:latin typeface="Cairo" pitchFamily="2" charset="-78"/>
+                  <a:cs typeface="Cairo" pitchFamily="2" charset="-78"/>
+                </a:rPr>
+                <a:t>HOME</a:t>
+              </a:r>
+              <a:endParaRPr lang="ko-KR" altLang="en-US" dirty="0">
+                <a:solidFill>
+                  <a:schemeClr val="bg1"/>
+                </a:solidFill>
+                <a:latin typeface="Cairo" pitchFamily="2" charset="-78"/>
+                <a:cs typeface="Cairo" pitchFamily="2" charset="-78"/>
+              </a:endParaRPr>
+            </a:p>
+          </p:txBody>
+        </p:sp>
+        <p:sp>
+          <p:nvSpPr>
+            <p:cNvPr id="20" name="TextBox 19"/>
+            <p:cNvSpPr txBox="1"/>
+            <p:nvPr/>
+          </p:nvSpPr>
+          <p:spPr>
+            <a:xfrm>
+              <a:off x="5376000" y="1989000"/>
+              <a:ext cx="1800000" cy="307777"/>
+            </a:xfrm>
+            <a:prstGeom prst="rect">
+              <a:avLst/>
+            </a:prstGeom>
+            <a:noFill/>
+          </p:spPr>
+          <p:txBody>
+            <a:bodyPr wrap="square" rtlCol="0">
+              <a:spAutoFit/>
+            </a:bodyPr>
+            <a:lstStyle/>
+            <a:p>
+              <a:pPr algn="ctr"/>
+              <a:r>
+                <a:rPr lang="en-US" altLang="ko-KR" sz="1400" smtClean="0">
+                  <a:latin typeface="Cairo" pitchFamily="2" charset="-78"/>
+                  <a:cs typeface="Cairo" pitchFamily="2" charset="-78"/>
+                </a:rPr>
+                <a:t>index.html</a:t>
+              </a:r>
+              <a:endParaRPr lang="ko-KR" altLang="en-US" sz="1400" dirty="0">
+                <a:latin typeface="Cairo" pitchFamily="2" charset="-78"/>
+                <a:cs typeface="Cairo" pitchFamily="2" charset="-78"/>
+              </a:endParaRPr>
+            </a:p>
+          </p:txBody>
+        </p:sp>
+      </p:grpSp>
+      <p:sp>
+        <p:nvSpPr>
+          <p:cNvPr id="19" name="직사각형 18"/>
+          <p:cNvSpPr/>
+          <p:nvPr/>
+        </p:nvSpPr>
+        <p:spPr>
+          <a:xfrm>
+            <a:off x="2856000" y="2349000"/>
+            <a:ext cx="1440000" cy="360000"/>
+          </a:xfrm>
+          <a:prstGeom prst="rect">
+            <a:avLst/>
+          </a:prstGeom>
+          <a:solidFill>
+            <a:srgbClr val="C7B483"/>
+          </a:solidFill>
+          <a:ln>
+            <a:noFill/>
+          </a:ln>
+        </p:spPr>
+        <p:style>
+          <a:lnRef idx="2">
+            <a:schemeClr val="accent1">
+              <a:shade val="50000"/>
+            </a:schemeClr>
+          </a:lnRef>
+          <a:fillRef idx="1">
+            <a:schemeClr val="accent1"/>
+          </a:fillRef>
+          <a:effectRef idx="0">
+            <a:schemeClr val="accent1"/>
+          </a:effectRef>
+          <a:fontRef idx="minor">
+            <a:schemeClr val="lt1"/>
+          </a:fontRef>
+        </p:style>
+        <p:txBody>
+          <a:bodyPr rtlCol="0" anchor="ctr"/>
+          <a:lstStyle/>
+          <a:p>
+            <a:pPr algn="ctr"/>
+            <a:r>
+              <a:rPr lang="en-US" altLang="ko-KR" dirty="0" smtClean="0">
+                <a:solidFill>
+                  <a:schemeClr val="bg1"/>
+                </a:solidFill>
+                <a:latin typeface="Cairo" pitchFamily="2" charset="-78"/>
+                <a:cs typeface="Cairo" pitchFamily="2" charset="-78"/>
+              </a:rPr>
+              <a:t>MENU</a:t>
+            </a:r>
+            <a:endParaRPr lang="ko-KR" altLang="en-US" dirty="0">
+              <a:solidFill>
+                <a:schemeClr val="bg1"/>
+              </a:solidFill>
+              <a:latin typeface="Cairo" pitchFamily="2" charset="-78"/>
+              <a:cs typeface="Cairo" pitchFamily="2" charset="-78"/>
+            </a:endParaRPr>
+          </a:p>
+        </p:txBody>
+      </p:sp>
+      <p:sp>
+        <p:nvSpPr>
+          <p:cNvPr id="21" name="TextBox 20"/>
+          <p:cNvSpPr txBox="1"/>
+          <p:nvPr/>
+        </p:nvSpPr>
+        <p:spPr>
+          <a:xfrm>
+            <a:off x="2856000" y="2709000"/>
+            <a:ext cx="1440000" cy="307777"/>
+          </a:xfrm>
+          <a:prstGeom prst="rect">
+            <a:avLst/>
+          </a:prstGeom>
+          <a:noFill/>
+        </p:spPr>
+        <p:txBody>
+          <a:bodyPr wrap="square" rtlCol="0">
+            <a:spAutoFit/>
+          </a:bodyPr>
+          <a:lstStyle/>
+          <a:p>
+            <a:pPr algn="ctr"/>
+            <a:r>
+              <a:rPr lang="en-US" altLang="ko-KR" sz="1400" dirty="0" smtClean="0">
+                <a:latin typeface="Cairo" pitchFamily="2" charset="-78"/>
+                <a:cs typeface="Cairo" pitchFamily="2" charset="-78"/>
+              </a:rPr>
+              <a:t>eshop.html</a:t>
+            </a:r>
+            <a:endParaRPr lang="ko-KR" altLang="en-US" sz="1400" dirty="0">
+              <a:latin typeface="Cairo" pitchFamily="2" charset="-78"/>
+              <a:cs typeface="Cairo" pitchFamily="2" charset="-78"/>
+            </a:endParaRPr>
+          </a:p>
+        </p:txBody>
+      </p:sp>
+      <p:sp>
+        <p:nvSpPr>
+          <p:cNvPr id="16" name="직사각형 15"/>
+          <p:cNvSpPr/>
+          <p:nvPr/>
+        </p:nvSpPr>
+        <p:spPr>
+          <a:xfrm>
+            <a:off x="4656000" y="2349000"/>
+            <a:ext cx="1440000" cy="360000"/>
+          </a:xfrm>
+          <a:prstGeom prst="rect">
+            <a:avLst/>
+          </a:prstGeom>
+          <a:solidFill>
+            <a:srgbClr val="C7B483"/>
+          </a:solidFill>
+          <a:ln>
+            <a:noFill/>
+          </a:ln>
+        </p:spPr>
+        <p:style>
+          <a:lnRef idx="2">
+            <a:schemeClr val="accent1">
+              <a:shade val="50000"/>
+            </a:schemeClr>
+          </a:lnRef>
+          <a:fillRef idx="1">
+            <a:schemeClr val="accent1"/>
+          </a:fillRef>
+          <a:effectRef idx="0">
+            <a:schemeClr val="accent1"/>
+          </a:effectRef>
+          <a:fontRef idx="minor">
+            <a:schemeClr val="lt1"/>
+          </a:fontRef>
+        </p:style>
+        <p:txBody>
+          <a:bodyPr rtlCol="0" anchor="ctr"/>
+          <a:lstStyle/>
+          <a:p>
+            <a:pPr algn="ctr"/>
+            <a:r>
+              <a:rPr lang="en-US" altLang="ko-KR" dirty="0" smtClean="0">
+                <a:solidFill>
+                  <a:schemeClr val="bg1"/>
+                </a:solidFill>
+                <a:latin typeface="Cairo" pitchFamily="2" charset="-78"/>
+                <a:cs typeface="Cairo" pitchFamily="2" charset="-78"/>
+              </a:rPr>
+              <a:t>SALAD BAR</a:t>
+            </a:r>
+            <a:endParaRPr lang="ko-KR" altLang="en-US" dirty="0">
+              <a:solidFill>
+                <a:schemeClr val="bg1"/>
+              </a:solidFill>
+              <a:latin typeface="Cairo" pitchFamily="2" charset="-78"/>
+              <a:cs typeface="Cairo" pitchFamily="2" charset="-78"/>
+            </a:endParaRPr>
+          </a:p>
+        </p:txBody>
+      </p:sp>
+      <p:sp>
+        <p:nvSpPr>
+          <p:cNvPr id="22" name="TextBox 21"/>
+          <p:cNvSpPr txBox="1"/>
+          <p:nvPr/>
+        </p:nvSpPr>
+        <p:spPr>
+          <a:xfrm>
+            <a:off x="4656000" y="2709000"/>
+            <a:ext cx="1440000" cy="307777"/>
+          </a:xfrm>
+          <a:prstGeom prst="rect">
+            <a:avLst/>
+          </a:prstGeom>
+          <a:noFill/>
+        </p:spPr>
+        <p:txBody>
+          <a:bodyPr wrap="square" rtlCol="0">
+            <a:spAutoFit/>
+          </a:bodyPr>
+          <a:lstStyle/>
+          <a:p>
+            <a:pPr algn="ctr"/>
+            <a:r>
+              <a:rPr lang="en-US" altLang="ko-KR" sz="1400" dirty="0" smtClean="0">
+                <a:latin typeface="Cairo" pitchFamily="2" charset="-78"/>
+                <a:cs typeface="Cairo" pitchFamily="2" charset="-78"/>
+              </a:rPr>
+              <a:t>event</a:t>
+            </a:r>
+            <a:r>
+              <a:rPr lang="en-US" altLang="ko-KR" sz="1400" dirty="0" smtClean="0">
+                <a:latin typeface="Cairo" pitchFamily="2" charset="-78"/>
+                <a:cs typeface="Cairo" pitchFamily="2" charset="-78"/>
+              </a:rPr>
+              <a:t>.html</a:t>
+            </a:r>
+            <a:endParaRPr lang="ko-KR" altLang="en-US" sz="1400" dirty="0">
+              <a:latin typeface="Cairo" pitchFamily="2" charset="-78"/>
+              <a:cs typeface="Cairo" pitchFamily="2" charset="-78"/>
+            </a:endParaRPr>
+          </a:p>
+        </p:txBody>
+      </p:sp>
+      <p:sp>
+        <p:nvSpPr>
+          <p:cNvPr id="18" name="직사각형 17"/>
+          <p:cNvSpPr/>
+          <p:nvPr/>
+        </p:nvSpPr>
+        <p:spPr>
+          <a:xfrm>
+            <a:off x="8256000" y="2349000"/>
+            <a:ext cx="1440000" cy="360000"/>
+          </a:xfrm>
+          <a:prstGeom prst="rect">
+            <a:avLst/>
+          </a:prstGeom>
+          <a:solidFill>
+            <a:srgbClr val="C7B483"/>
+          </a:solidFill>
+          <a:ln>
+            <a:noFill/>
+          </a:ln>
+        </p:spPr>
+        <p:style>
+          <a:lnRef idx="2">
+            <a:schemeClr val="accent1">
+              <a:shade val="50000"/>
+            </a:schemeClr>
+          </a:lnRef>
+          <a:fillRef idx="1">
+            <a:schemeClr val="accent1"/>
+          </a:fillRef>
+          <a:effectRef idx="0">
+            <a:schemeClr val="accent1"/>
+          </a:effectRef>
+          <a:fontRef idx="minor">
+            <a:schemeClr val="lt1"/>
+          </a:fontRef>
+        </p:style>
+        <p:txBody>
+          <a:bodyPr rtlCol="0" anchor="ctr"/>
+          <a:lstStyle/>
+          <a:p>
+            <a:pPr algn="ctr"/>
+            <a:r>
+              <a:rPr lang="en-US" altLang="ko-KR" dirty="0" smtClean="0">
+                <a:solidFill>
+                  <a:schemeClr val="bg1"/>
+                </a:solidFill>
+                <a:latin typeface="Cairo" pitchFamily="2" charset="-78"/>
+                <a:cs typeface="Cairo" pitchFamily="2" charset="-78"/>
+              </a:rPr>
+              <a:t>EVENT</a:t>
+            </a:r>
+            <a:endParaRPr lang="ko-KR" altLang="en-US" dirty="0">
+              <a:solidFill>
+                <a:schemeClr val="bg1"/>
+              </a:solidFill>
+              <a:latin typeface="Cairo" pitchFamily="2" charset="-78"/>
+              <a:cs typeface="Cairo" pitchFamily="2" charset="-78"/>
+            </a:endParaRPr>
+          </a:p>
+        </p:txBody>
+      </p:sp>
+      <p:sp>
+        <p:nvSpPr>
+          <p:cNvPr id="23" name="TextBox 22"/>
+          <p:cNvSpPr txBox="1"/>
+          <p:nvPr/>
+        </p:nvSpPr>
+        <p:spPr>
+          <a:xfrm>
+            <a:off x="8256000" y="2709000"/>
+            <a:ext cx="1440000" cy="307777"/>
+          </a:xfrm>
+          <a:prstGeom prst="rect">
+            <a:avLst/>
+          </a:prstGeom>
+          <a:noFill/>
+        </p:spPr>
+        <p:txBody>
+          <a:bodyPr wrap="square" rtlCol="0">
+            <a:spAutoFit/>
+          </a:bodyPr>
+          <a:lstStyle/>
+          <a:p>
+            <a:pPr algn="ctr"/>
+            <a:r>
+              <a:rPr lang="en-US" altLang="ko-KR" sz="1400" dirty="0" smtClean="0">
+                <a:latin typeface="Cairo" pitchFamily="2" charset="-78"/>
+                <a:cs typeface="Cairo" pitchFamily="2" charset="-78"/>
+              </a:rPr>
+              <a:t>school</a:t>
+            </a:r>
+            <a:r>
+              <a:rPr lang="en-US" altLang="ko-KR" sz="1400" dirty="0" smtClean="0">
+                <a:latin typeface="Cairo" pitchFamily="2" charset="-78"/>
+                <a:cs typeface="Cairo" pitchFamily="2" charset="-78"/>
+              </a:rPr>
+              <a:t>.html</a:t>
+            </a:r>
+            <a:endParaRPr lang="ko-KR" altLang="en-US" sz="1400" dirty="0">
+              <a:latin typeface="Cairo" pitchFamily="2" charset="-78"/>
+              <a:cs typeface="Cairo" pitchFamily="2" charset="-78"/>
+            </a:endParaRPr>
+          </a:p>
+        </p:txBody>
+      </p:sp>
+      <p:sp>
+        <p:nvSpPr>
+          <p:cNvPr id="17" name="직사각형 16"/>
+          <p:cNvSpPr/>
+          <p:nvPr/>
+        </p:nvSpPr>
+        <p:spPr>
+          <a:xfrm>
+            <a:off x="6456000" y="2349000"/>
+            <a:ext cx="1440000" cy="360000"/>
+          </a:xfrm>
+          <a:prstGeom prst="rect">
+            <a:avLst/>
+          </a:prstGeom>
+          <a:solidFill>
+            <a:srgbClr val="C7B483"/>
+          </a:solidFill>
+          <a:ln>
+            <a:noFill/>
+          </a:ln>
+        </p:spPr>
+        <p:style>
+          <a:lnRef idx="2">
+            <a:schemeClr val="accent1">
+              <a:shade val="50000"/>
+            </a:schemeClr>
+          </a:lnRef>
+          <a:fillRef idx="1">
+            <a:schemeClr val="accent1"/>
+          </a:fillRef>
+          <a:effectRef idx="0">
+            <a:schemeClr val="accent1"/>
+          </a:effectRef>
+          <a:fontRef idx="minor">
+            <a:schemeClr val="lt1"/>
+          </a:fontRef>
+        </p:style>
+        <p:txBody>
+          <a:bodyPr rtlCol="0" anchor="ctr"/>
+          <a:lstStyle/>
+          <a:p>
+            <a:pPr algn="ctr"/>
+            <a:r>
+              <a:rPr lang="en-US" altLang="ko-KR" dirty="0" smtClean="0">
+                <a:solidFill>
+                  <a:schemeClr val="bg1"/>
+                </a:solidFill>
+                <a:latin typeface="Cairo" pitchFamily="2" charset="-78"/>
+                <a:cs typeface="Cairo" pitchFamily="2" charset="-78"/>
+              </a:rPr>
+              <a:t>STORE</a:t>
+            </a:r>
+            <a:endParaRPr lang="ko-KR" altLang="en-US" dirty="0">
+              <a:solidFill>
+                <a:schemeClr val="bg1"/>
+              </a:solidFill>
+              <a:latin typeface="Cairo" pitchFamily="2" charset="-78"/>
+              <a:cs typeface="Cairo" pitchFamily="2" charset="-78"/>
+            </a:endParaRPr>
+          </a:p>
+        </p:txBody>
+      </p:sp>
+      <p:sp>
+        <p:nvSpPr>
+          <p:cNvPr id="24" name="TextBox 23"/>
+          <p:cNvSpPr txBox="1"/>
+          <p:nvPr/>
+        </p:nvSpPr>
+        <p:spPr>
+          <a:xfrm>
+            <a:off x="6456000" y="2709000"/>
+            <a:ext cx="1440000" cy="307777"/>
+          </a:xfrm>
+          <a:prstGeom prst="rect">
+            <a:avLst/>
+          </a:prstGeom>
+          <a:noFill/>
+        </p:spPr>
+        <p:txBody>
+          <a:bodyPr wrap="square" rtlCol="0">
+            <a:spAutoFit/>
+          </a:bodyPr>
+          <a:lstStyle/>
+          <a:p>
+            <a:pPr algn="ctr"/>
+            <a:r>
+              <a:rPr lang="en-US" altLang="ko-KR" sz="1400" dirty="0" smtClean="0">
+                <a:latin typeface="Cairo" pitchFamily="2" charset="-78"/>
+                <a:cs typeface="Cairo" pitchFamily="2" charset="-78"/>
+              </a:rPr>
+              <a:t>club</a:t>
+            </a:r>
+            <a:r>
+              <a:rPr lang="en-US" altLang="ko-KR" sz="1400" dirty="0" smtClean="0">
+                <a:latin typeface="Cairo" pitchFamily="2" charset="-78"/>
+                <a:cs typeface="Cairo" pitchFamily="2" charset="-78"/>
+              </a:rPr>
+              <a:t>.html</a:t>
+            </a:r>
+            <a:endParaRPr lang="ko-KR" altLang="en-US" sz="1400" dirty="0">
+              <a:latin typeface="Cairo" pitchFamily="2" charset="-78"/>
+              <a:cs typeface="Cairo" pitchFamily="2" charset="-78"/>
+            </a:endParaRPr>
+          </a:p>
+        </p:txBody>
+      </p:sp>
+      <p:sp>
+        <p:nvSpPr>
+          <p:cNvPr id="15" name="직사각형 14"/>
+          <p:cNvSpPr/>
+          <p:nvPr/>
+        </p:nvSpPr>
+        <p:spPr>
+          <a:xfrm>
+            <a:off x="10056000" y="2349000"/>
+            <a:ext cx="1440000" cy="360000"/>
+          </a:xfrm>
+          <a:prstGeom prst="rect">
+            <a:avLst/>
+          </a:prstGeom>
+          <a:solidFill>
+            <a:srgbClr val="C7B483"/>
+          </a:solidFill>
+          <a:ln>
+            <a:noFill/>
+          </a:ln>
+        </p:spPr>
+        <p:style>
+          <a:lnRef idx="2">
+            <a:schemeClr val="accent1">
+              <a:shade val="50000"/>
+            </a:schemeClr>
+          </a:lnRef>
+          <a:fillRef idx="1">
+            <a:schemeClr val="accent1"/>
+          </a:fillRef>
+          <a:effectRef idx="0">
+            <a:schemeClr val="accent1"/>
+          </a:effectRef>
+          <a:fontRef idx="minor">
+            <a:schemeClr val="lt1"/>
+          </a:fontRef>
+        </p:style>
+        <p:txBody>
+          <a:bodyPr rtlCol="0" anchor="ctr"/>
+          <a:lstStyle/>
+          <a:p>
+            <a:pPr algn="ctr"/>
+            <a:r>
+              <a:rPr lang="en-US" altLang="ko-KR" dirty="0" smtClean="0">
+                <a:solidFill>
+                  <a:schemeClr val="bg1"/>
+                </a:solidFill>
+                <a:latin typeface="Cairo" pitchFamily="2" charset="-78"/>
+                <a:cs typeface="Cairo" pitchFamily="2" charset="-78"/>
+              </a:rPr>
+              <a:t>MEMBER</a:t>
+            </a:r>
+            <a:endParaRPr lang="ko-KR" altLang="en-US" dirty="0">
+              <a:solidFill>
+                <a:schemeClr val="bg1"/>
+              </a:solidFill>
+              <a:latin typeface="Cairo" pitchFamily="2" charset="-78"/>
+              <a:cs typeface="Cairo" pitchFamily="2" charset="-78"/>
+            </a:endParaRPr>
+          </a:p>
+        </p:txBody>
+      </p:sp>
+      <p:sp>
+        <p:nvSpPr>
+          <p:cNvPr id="25" name="TextBox 24"/>
+          <p:cNvSpPr txBox="1"/>
+          <p:nvPr/>
+        </p:nvSpPr>
+        <p:spPr>
+          <a:xfrm>
+            <a:off x="10056000" y="2709000"/>
+            <a:ext cx="1440000" cy="307777"/>
+          </a:xfrm>
+          <a:prstGeom prst="rect">
+            <a:avLst/>
+          </a:prstGeom>
+          <a:noFill/>
+        </p:spPr>
+        <p:txBody>
+          <a:bodyPr wrap="square" rtlCol="0">
+            <a:spAutoFit/>
+          </a:bodyPr>
+          <a:lstStyle/>
+          <a:p>
+            <a:pPr algn="ctr"/>
+            <a:r>
+              <a:rPr lang="en-US" altLang="ko-KR" sz="1400" dirty="0" smtClean="0">
+                <a:latin typeface="Cairo" pitchFamily="2" charset="-78"/>
+                <a:cs typeface="Cairo" pitchFamily="2" charset="-78"/>
+              </a:rPr>
+              <a:t>support</a:t>
+            </a:r>
+            <a:r>
+              <a:rPr lang="en-US" altLang="ko-KR" sz="1400" dirty="0" smtClean="0">
+                <a:latin typeface="Cairo" pitchFamily="2" charset="-78"/>
+                <a:cs typeface="Cairo" pitchFamily="2" charset="-78"/>
+              </a:rPr>
+              <a:t>.html</a:t>
+            </a:r>
+            <a:endParaRPr lang="ko-KR" altLang="en-US" sz="1400" dirty="0">
+              <a:latin typeface="Cairo" pitchFamily="2" charset="-78"/>
+              <a:cs typeface="Cairo" pitchFamily="2" charset="-78"/>
+            </a:endParaRPr>
+          </a:p>
+        </p:txBody>
+      </p:sp>
+      <p:cxnSp>
+        <p:nvCxnSpPr>
+          <p:cNvPr id="58" name="직선 연결선 57"/>
+          <p:cNvCxnSpPr/>
+          <p:nvPr/>
+        </p:nvCxnSpPr>
+        <p:spPr>
+          <a:xfrm>
+            <a:off x="1056000" y="3069000"/>
+            <a:ext cx="10440000" cy="0"/>
+          </a:xfrm>
+          <a:prstGeom prst="line">
+            <a:avLst/>
+          </a:prstGeom>
+        </p:spPr>
+        <p:style>
+          <a:lnRef idx="1">
+            <a:schemeClr val="dk1"/>
+          </a:lnRef>
+          <a:fillRef idx="0">
+            <a:schemeClr val="dk1"/>
+          </a:fillRef>
+          <a:effectRef idx="0">
+            <a:schemeClr val="dk1"/>
+          </a:effectRef>
+          <a:fontRef idx="minor">
+            <a:schemeClr val="tx1"/>
+          </a:fontRef>
+        </p:style>
+      </p:cxnSp>
+      <p:sp>
+        <p:nvSpPr>
+          <p:cNvPr id="69" name="직사각형 68"/>
+          <p:cNvSpPr/>
+          <p:nvPr/>
+        </p:nvSpPr>
+        <p:spPr>
+          <a:xfrm>
+            <a:off x="1056000" y="2349000"/>
+            <a:ext cx="1440000" cy="360000"/>
+          </a:xfrm>
+          <a:prstGeom prst="rect">
+            <a:avLst/>
+          </a:prstGeom>
+          <a:solidFill>
+            <a:srgbClr val="C7B483"/>
+          </a:solidFill>
+          <a:ln>
+            <a:noFill/>
+          </a:ln>
+        </p:spPr>
+        <p:style>
+          <a:lnRef idx="2">
+            <a:schemeClr val="accent1">
+              <a:shade val="50000"/>
+            </a:schemeClr>
+          </a:lnRef>
+          <a:fillRef idx="1">
+            <a:schemeClr val="accent1"/>
+          </a:fillRef>
+          <a:effectRef idx="0">
+            <a:schemeClr val="accent1"/>
+          </a:effectRef>
+          <a:fontRef idx="minor">
+            <a:schemeClr val="lt1"/>
+          </a:fontRef>
+        </p:style>
+        <p:txBody>
+          <a:bodyPr rtlCol="0" anchor="ctr"/>
+          <a:lstStyle/>
+          <a:p>
+            <a:pPr algn="ctr"/>
+            <a:r>
+              <a:rPr lang="en-US" altLang="ko-KR" dirty="0" smtClean="0">
+                <a:solidFill>
+                  <a:schemeClr val="bg1"/>
+                </a:solidFill>
+                <a:latin typeface="Cairo" pitchFamily="2" charset="-78"/>
+                <a:cs typeface="Cairo" pitchFamily="2" charset="-78"/>
+              </a:rPr>
+              <a:t>STEAK</a:t>
+            </a:r>
+            <a:endParaRPr lang="ko-KR" altLang="en-US" dirty="0">
+              <a:solidFill>
+                <a:schemeClr val="bg1"/>
+              </a:solidFill>
+              <a:latin typeface="Cairo" pitchFamily="2" charset="-78"/>
+              <a:cs typeface="Cairo" pitchFamily="2" charset="-78"/>
+            </a:endParaRPr>
+          </a:p>
+        </p:txBody>
+      </p:sp>
+      <p:sp>
+        <p:nvSpPr>
+          <p:cNvPr id="70" name="TextBox 69"/>
+          <p:cNvSpPr txBox="1"/>
+          <p:nvPr/>
+        </p:nvSpPr>
+        <p:spPr>
+          <a:xfrm>
+            <a:off x="1056000" y="2709000"/>
+            <a:ext cx="1440000" cy="307777"/>
+          </a:xfrm>
+          <a:prstGeom prst="rect">
+            <a:avLst/>
+          </a:prstGeom>
+          <a:noFill/>
+        </p:spPr>
+        <p:txBody>
+          <a:bodyPr wrap="square" rtlCol="0">
+            <a:spAutoFit/>
+          </a:bodyPr>
+          <a:lstStyle/>
+          <a:p>
+            <a:pPr algn="ctr"/>
+            <a:r>
+              <a:rPr lang="en-US" altLang="ko-KR" sz="1400" dirty="0" smtClean="0">
+                <a:latin typeface="Cairo" pitchFamily="2" charset="-78"/>
+                <a:cs typeface="Cairo" pitchFamily="2" charset="-78"/>
+              </a:rPr>
+              <a:t>evcar</a:t>
+            </a:r>
+            <a:r>
+              <a:rPr lang="en-US" altLang="ko-KR" sz="1400" dirty="0" smtClean="0">
+                <a:latin typeface="Cairo" pitchFamily="2" charset="-78"/>
+                <a:cs typeface="Cairo" pitchFamily="2" charset="-78"/>
+              </a:rPr>
+              <a:t>.html</a:t>
+            </a:r>
+            <a:endParaRPr lang="ko-KR" altLang="en-US" sz="1400" dirty="0">
+              <a:latin typeface="Cairo" pitchFamily="2" charset="-78"/>
+              <a:cs typeface="Cairo" pitchFamily="2" charset="-78"/>
+            </a:endParaRPr>
+          </a:p>
+        </p:txBody>
+      </p:sp>
+      <p:sp>
+        <p:nvSpPr>
+          <p:cNvPr id="45" name="TextBox 44"/>
+          <p:cNvSpPr txBox="1"/>
+          <p:nvPr/>
+        </p:nvSpPr>
+        <p:spPr>
+          <a:xfrm>
+            <a:off x="336000" y="549000"/>
+            <a:ext cx="1136850" cy="369332"/>
+          </a:xfrm>
+          <a:prstGeom prst="rect">
+            <a:avLst/>
+          </a:prstGeom>
+          <a:noFill/>
+        </p:spPr>
+        <p:txBody>
+          <a:bodyPr wrap="none">
+            <a:spAutoFit/>
+          </a:bodyPr>
+          <a:lstStyle/>
+          <a:p>
+            <a:pPr lvl="0">
+              <a:defRPr/>
+            </a:pPr>
+            <a:r>
+              <a:rPr lang="en-US" altLang="ko-KR" dirty="0" smtClean="0">
+                <a:latin typeface="Cairo" pitchFamily="2" charset="-78"/>
+                <a:cs typeface="Cairo" pitchFamily="2" charset="-78"/>
+              </a:rPr>
+              <a:t>SITE MAP</a:t>
+            </a:r>
+            <a:endParaRPr lang="ko-KR" altLang="en-US" dirty="0">
+              <a:latin typeface="Cairo" pitchFamily="2" charset="-78"/>
+              <a:cs typeface="Cairo" pitchFamily="2" charset="-78"/>
+            </a:endParaRPr>
+          </a:p>
+        </p:txBody>
+      </p:sp>
+      <p:cxnSp>
+        <p:nvCxnSpPr>
+          <p:cNvPr id="46" name="직선 연결선 45"/>
+          <p:cNvCxnSpPr/>
+          <p:nvPr/>
+        </p:nvCxnSpPr>
+        <p:spPr>
+          <a:xfrm>
+            <a:off x="336000" y="0"/>
+            <a:ext cx="0" cy="1989000"/>
+          </a:xfrm>
+          <a:prstGeom prst="line">
+            <a:avLst/>
+          </a:prstGeom>
+        </p:spPr>
+        <p:style>
+          <a:lnRef idx="3">
+            <a:schemeClr val="dk1"/>
+          </a:lnRef>
+          <a:fillRef idx="0">
+            <a:schemeClr val="dk1"/>
+          </a:fillRef>
+          <a:effectRef idx="2">
+            <a:schemeClr val="dk1"/>
+          </a:effectRef>
+          <a:fontRef idx="minor">
+            <a:schemeClr val="tx1"/>
+          </a:fontRef>
+        </p:style>
+      </p:cxnSp>
+      <p:sp>
+        <p:nvSpPr>
+          <p:cNvPr id="47" name="TextBox 46"/>
+          <p:cNvSpPr txBox="1"/>
+          <p:nvPr/>
+        </p:nvSpPr>
+        <p:spPr>
+          <a:xfrm>
+            <a:off x="696000" y="189000"/>
+            <a:ext cx="638316" cy="369332"/>
+          </a:xfrm>
+          <a:prstGeom prst="rect">
+            <a:avLst/>
+          </a:prstGeom>
+          <a:noFill/>
+        </p:spPr>
+        <p:txBody>
+          <a:bodyPr wrap="none">
+            <a:spAutoFit/>
+          </a:bodyPr>
+          <a:lstStyle/>
+          <a:p>
+            <a:pPr lvl="0">
+              <a:defRPr/>
+            </a:pPr>
+            <a:r>
+              <a:rPr lang="en-US" altLang="ko-KR" dirty="0" smtClean="0">
+                <a:latin typeface="Cairo" pitchFamily="2" charset="-78"/>
+                <a:cs typeface="Cairo" pitchFamily="2" charset="-78"/>
+              </a:rPr>
+              <a:t>VIPS</a:t>
+            </a:r>
+            <a:endParaRPr lang="ko-KR" altLang="en-US" dirty="0">
+              <a:latin typeface="Cairo" pitchFamily="2" charset="-78"/>
+              <a:cs typeface="Cairo" pitchFamily="2" charset="-78"/>
+            </a:endParaRPr>
+          </a:p>
+        </p:txBody>
+      </p:sp>
+      <p:cxnSp>
+        <p:nvCxnSpPr>
+          <p:cNvPr id="48" name="직선 연결선 47"/>
+          <p:cNvCxnSpPr/>
+          <p:nvPr/>
+        </p:nvCxnSpPr>
+        <p:spPr>
+          <a:xfrm>
+            <a:off x="336000" y="549000"/>
+            <a:ext cx="3240000" cy="0"/>
+          </a:xfrm>
+          <a:prstGeom prst="line">
+            <a:avLst/>
+          </a:prstGeom>
+        </p:spPr>
+        <p:style>
+          <a:lnRef idx="3">
+            <a:schemeClr val="dk1"/>
+          </a:lnRef>
+          <a:fillRef idx="0">
+            <a:schemeClr val="dk1"/>
+          </a:fillRef>
+          <a:effectRef idx="2">
+            <a:schemeClr val="dk1"/>
+          </a:effectRef>
+          <a:fontRef idx="minor">
+            <a:schemeClr val="tx1"/>
+          </a:fontRef>
+        </p:style>
+      </p:cxnSp>
+      <p:pic>
+        <p:nvPicPr>
+          <p:cNvPr id="49" name="그림 48"/>
+          <p:cNvPicPr>
+            <a:picLocks noChangeAspect="1"/>
+          </p:cNvPicPr>
+          <p:nvPr/>
+        </p:nvPicPr>
+        <p:blipFill>
+          <a:blip r:embed="rId2" cstate="print">
+            <a:extLst>
+              <a:ext uri="{28A0092B-C50C-407E-A947-70E740481C1C}">
+                <a14:useLocalDpi xmlns:a14="http://schemas.microsoft.com/office/drawing/2010/main" val="0"/>
+              </a:ext>
+            </a:extLst>
+          </a:blip>
+          <a:stretch>
+            <a:fillRect/>
+          </a:stretch>
+        </p:blipFill>
+        <p:spPr>
+          <a:xfrm>
+            <a:off x="3216000" y="150578"/>
+            <a:ext cx="360000" cy="360000"/>
+          </a:xfrm>
+          <a:prstGeom prst="rect">
+            <a:avLst/>
+          </a:prstGeom>
+        </p:spPr>
+      </p:pic>
+    </p:spTree>
+    <p:extLst>
+      <p:ext uri="{BB962C8B-B14F-4D97-AF65-F5344CB8AC3E}">
+        <p14:creationId xmlns:p14="http://schemas.microsoft.com/office/powerpoint/2010/main" val="1573409213"/>
+      </p:ext>
+    </p:extLst>
+  </p:cSld>
+  <p:clrMapOvr>
+    <a:masterClrMapping/>
+  </p:clrMapOvr>
+</p:sld>
+</file>
+
+<file path=ppt/slides/slide12.xml><?xml version="1.0" encoding="utf-8"?>
+<p:sld xmlns:a="http://schemas.openxmlformats.org/drawingml/2006/main" xmlns:r="http://schemas.openxmlformats.org/officeDocument/2006/relationships" xmlns:p="http://schemas.openxmlformats.org/presentationml/2006/main">
+  <p:cSld>
+    <p:spTree>
+      <p:nvGrpSpPr>
+        <p:cNvPr id="1" name=""/>
+        <p:cNvGrpSpPr/>
+        <p:nvPr/>
+      </p:nvGrpSpPr>
+      <p:grpSpPr>
+        <a:xfrm>
+          <a:off x="0" y="0"/>
+          <a:ext cx="0" cy="0"/>
+          <a:chOff x="0" y="0"/>
+          <a:chExt cx="0" cy="0"/>
+        </a:xfrm>
+      </p:grpSpPr>
+      <p:sp>
+        <p:nvSpPr>
           <p:cNvPr id="2" name="제목 1"/>
           <p:cNvSpPr>
             <a:spLocks noGrp="1"/>
@@ -5270,15 +6764,15 @@
               <a:defRPr/>
             </a:pPr>
             <a:r>
-              <a:rPr lang="ko-KR" altLang="en-US"/>
+              <a:rPr lang="ko-KR" altLang="en-US" dirty="0"/>
               <a:t>키워드</a:t>
             </a:r>
             <a:r>
-              <a:rPr lang="en-US" altLang="ko-KR"/>
+              <a:rPr lang="en-US" altLang="ko-KR" dirty="0"/>
               <a:t>, </a:t>
             </a:r>
             <a:r>
-              <a:rPr lang="ko-KR" altLang="en-US"/>
+              <a:rPr lang="ko-KR" altLang="en-US" dirty="0"/>
               <a:t>색상 코드</a:t>
             </a:r>
           </a:p>
@@ -5310,15 +6804,15 @@
               <a:defRPr/>
             </a:pPr>
             <a:r>
-              <a:rPr lang="ko-KR" altLang="en-US"/>
+              <a:rPr lang="ko-KR" altLang="en-US" dirty="0"/>
               <a:t>핵심 키워드 </a:t>
             </a:r>
             <a:r>
-              <a:rPr lang="en-US" altLang="ko-KR"/>
+              <a:rPr lang="en-US" altLang="ko-KR" dirty="0"/>
               <a:t>: VIPS</a:t>
             </a:r>
             <a:r>
-              <a:rPr lang="ko-KR" altLang="en-US"/>
+              <a:rPr lang="ko-KR" altLang="en-US" dirty="0"/>
               <a:t> 스테이크</a:t>
             </a:r>
           </a:p>
@@ -5350,19 +6844,19 @@
               <a:defRPr/>
             </a:pPr>
             <a:r>
-              <a:rPr lang="ko-KR" altLang="en-US"/>
+              <a:rPr lang="ko-KR" altLang="en-US" dirty="0"/>
               <a:t>서브 키워드 </a:t>
             </a:r>
             <a:r>
-              <a:rPr lang="en-US" altLang="ko-KR"/>
+              <a:rPr lang="en-US" altLang="ko-KR" dirty="0"/>
               <a:t>: 25</a:t>
             </a:r>
             <a:r>
-              <a:rPr lang="ko-KR" altLang="en-US"/>
+              <a:rPr lang="ko-KR" altLang="en-US" dirty="0"/>
               <a:t> </a:t>
             </a:r>
             <a:r>
-              <a:rPr lang="en-US" altLang="ko-KR"/>
+              <a:rPr lang="en-US" altLang="ko-KR" dirty="0"/>
               <a:t>ANNIVERSARY</a:t>
             </a:r>
           </a:p>
@@ -5536,23 +7030,30 @@
               <a:defRPr/>
             </a:pPr>
             <a:r>
-              <a:rPr lang="ko-KR" altLang="en-US">
+              <a:rPr lang="ko-KR" altLang="en-US" dirty="0" err="1">
                 <a:solidFill>
                   <a:schemeClr val="bg1"/>
                 </a:solidFill>
               </a:rPr>
               <a:t>주조색</a:t>
             </a:r>
+            <a:endParaRPr lang="ko-KR" altLang="en-US" dirty="0">
+              <a:solidFill>
+                <a:schemeClr val="bg1"/>
+              </a:solidFill>
+            </a:endParaRPr>
           </a:p>
           <a:p>
             <a:pPr lvl="0">
               <a:defRPr/>
             </a:pPr>
             <a:r>
-              <a:rPr lang="en-US" altLang="ko-KR">
+              <a:rPr lang="en-US" altLang="ko-KR" dirty="0">
                 <a:solidFill>
                   <a:schemeClr val="bg1"/>
                 </a:solidFill>
+                <a:latin typeface="Cairo" pitchFamily="2" charset="-78"/>
+                <a:cs typeface="Cairo" pitchFamily="2" charset="-78"/>
               </a:rPr>
               <a:t>#C60226</a:t>
             </a:r>
@@ -5584,23 +7085,30 @@
               <a:defRPr/>
             </a:pPr>
             <a:r>
-              <a:rPr lang="ko-KR" altLang="en-US">
+              <a:rPr lang="ko-KR" altLang="en-US" dirty="0" err="1">
                 <a:solidFill>
                   <a:schemeClr val="bg1"/>
                 </a:solidFill>
               </a:rPr>
               <a:t>보조색</a:t>
             </a:r>
+            <a:endParaRPr lang="ko-KR" altLang="en-US" dirty="0">
+              <a:solidFill>
+                <a:schemeClr val="bg1"/>
+              </a:solidFill>
+            </a:endParaRPr>
           </a:p>
           <a:p>
             <a:pPr lvl="0">
               <a:defRPr/>
             </a:pPr>
             <a:r>
-              <a:rPr lang="ko-KR" altLang="en-US">
+              <a:rPr lang="ko-KR" altLang="en-US" dirty="0">
                 <a:solidFill>
                   <a:schemeClr val="bg1"/>
                 </a:solidFill>
+                <a:latin typeface="Cairo" pitchFamily="2" charset="-78"/>
+                <a:cs typeface="Cairo" pitchFamily="2" charset="-78"/>
               </a:rPr>
               <a:t>#C7B483</a:t>
             </a:r>
@@ -5630,7 +7138,7 @@
 </p:sld>
 </file>
 
-<file path=ppt/slides/slide11.xml><?xml version="1.0" encoding="utf-8"?>
+<file path=ppt/slides/slide13.xml><?xml version="1.0" encoding="utf-8"?>
 <p:sld xmlns:a="http://schemas.openxmlformats.org/drawingml/2006/main" xmlns:r="http://schemas.openxmlformats.org/officeDocument/2006/relationships" xmlns:p="http://schemas.openxmlformats.org/presentationml/2006/main">
   <p:cSld>
     <p:spTree>
@@ -5666,12 +7174,14 @@
               <a:defRPr/>
             </a:pPr>
             <a:r>
-              <a:rPr lang="ko-KR" altLang="en-US">
-                <a:latin typeface="Noto Serif KR"/>
-                <a:ea typeface="Noto Serif KR"/>
+              <a:rPr lang="ko-KR" altLang="en-US" dirty="0" err="1">
+                <a:latin typeface="+mj-ea"/>
               </a:rPr>
               <a:t>타이포그래피</a:t>
             </a:r>
+            <a:endParaRPr lang="ko-KR" altLang="en-US" dirty="0">
+              <a:latin typeface="+mj-ea"/>
+            </a:endParaRPr>
           </a:p>
         </p:txBody>
       </p:sp>
@@ -5770,13 +7280,16 @@
               <a:defRPr/>
             </a:pPr>
             <a:r>
-              <a:rPr lang="en-US" altLang="ko-KR" b="0">
+              <a:rPr lang="en-US" altLang="ko-KR" b="0" dirty="0" err="1">
                 <a:effectLst/>
-                <a:latin typeface="Noto Serif KR"/>
-                <a:ea typeface="Noto Serif KR"/>
+                <a:latin typeface="+mn-ea"/>
               </a:rPr>
               <a:t>프리텐다드</a:t>
             </a:r>
+            <a:endParaRPr lang="en-US" altLang="ko-KR" b="0" dirty="0">
+              <a:effectLst/>
+              <a:latin typeface="+mn-ea"/>
+            </a:endParaRPr>
           </a:p>
         </p:txBody>
       </p:sp>
@@ -5837,12 +7350,34 @@
               <a:defRPr/>
             </a:pPr>
             <a:r>
-              <a:rPr lang="ko-KR" altLang="en-US">
-                <a:latin typeface="Noto Serif KR"/>
+              <a:rPr lang="ko-KR" altLang="en-US" dirty="0" err="1">
+                <a:latin typeface="Cairo Light" pitchFamily="2" charset="-78"/>
                 <a:ea typeface="Noto Serif KR"/>
+                <a:cs typeface="Cairo Light" pitchFamily="2" charset="-78"/>
               </a:rPr>
-              <a:t>font-family: Pretendard</a:t>
-            </a:r>
+              <a:t>font-family</a:t>
+            </a:r>
+            <a:r>
+              <a:rPr lang="ko-KR" altLang="en-US" dirty="0">
+                <a:latin typeface="Cairo Light" pitchFamily="2" charset="-78"/>
+                <a:ea typeface="Noto Serif KR"/>
+                <a:cs typeface="Cairo Light" pitchFamily="2" charset="-78"/>
+              </a:rPr>
+              <a:t>: </a:t>
+            </a:r>
+            <a:r>
+              <a:rPr lang="ko-KR" altLang="en-US" dirty="0" err="1">
+                <a:latin typeface="Cairo Light" pitchFamily="2" charset="-78"/>
+                <a:ea typeface="Noto Serif KR"/>
+                <a:cs typeface="Cairo Light" pitchFamily="2" charset="-78"/>
+              </a:rPr>
+              <a:t>Pretendard</a:t>
+            </a:r>
+            <a:endParaRPr lang="ko-KR" altLang="en-US" dirty="0">
+              <a:latin typeface="Cairo Light" pitchFamily="2" charset="-78"/>
+              <a:ea typeface="Noto Serif KR"/>
+              <a:cs typeface="Cairo Light" pitchFamily="2" charset="-78"/>
+            </a:endParaRPr>
           </a:p>
         </p:txBody>
       </p:sp>
@@ -5855,7 +7390,7 @@
         <p:spPr>
           <a:xfrm>
             <a:off x="884007" y="5589000"/>
-            <a:ext cx="10251993" cy="362220"/>
+            <a:ext cx="10251993" cy="369332"/>
           </a:xfrm>
           <a:prstGeom prst="rect">
             <a:avLst/>
@@ -5871,11 +7406,84 @@
               <a:defRPr/>
             </a:pPr>
             <a:r>
-              <a:rPr lang="en-US" altLang="ko-KR">
-                <a:latin typeface="Noto Serif KR"/>
+              <a:rPr lang="en-US" altLang="ko-KR" dirty="0" err="1">
+                <a:latin typeface="Cairo Light" pitchFamily="2" charset="-78"/>
                 <a:ea typeface="Noto Serif KR"/>
+                <a:cs typeface="Cairo Light" pitchFamily="2" charset="-78"/>
               </a:rPr>
-              <a:t>url('https://cdn.jsdelivr.net/gh/orioncactus/pretendard/dist/web/static/pretendard.css');</a:t>
+              <a:t>url</a:t>
+            </a:r>
+            <a:r>
+              <a:rPr lang="en-US" altLang="ko-KR" dirty="0">
+                <a:latin typeface="Cairo Light" pitchFamily="2" charset="-78"/>
+                <a:ea typeface="Noto Serif KR"/>
+                <a:cs typeface="Cairo Light" pitchFamily="2" charset="-78"/>
+              </a:rPr>
+              <a:t>('https://cdn.jsdelivr.net/</a:t>
+            </a:r>
+            <a:r>
+              <a:rPr lang="en-US" altLang="ko-KR" dirty="0" err="1">
+                <a:latin typeface="Cairo Light" pitchFamily="2" charset="-78"/>
+                <a:ea typeface="Noto Serif KR"/>
+                <a:cs typeface="Cairo Light" pitchFamily="2" charset="-78"/>
+              </a:rPr>
+              <a:t>gh</a:t>
+            </a:r>
+            <a:r>
+              <a:rPr lang="en-US" altLang="ko-KR" dirty="0">
+                <a:latin typeface="Cairo Light" pitchFamily="2" charset="-78"/>
+                <a:ea typeface="Noto Serif KR"/>
+                <a:cs typeface="Cairo Light" pitchFamily="2" charset="-78"/>
+              </a:rPr>
+              <a:t>/</a:t>
+            </a:r>
+            <a:r>
+              <a:rPr lang="en-US" altLang="ko-KR" dirty="0" err="1">
+                <a:latin typeface="Cairo Light" pitchFamily="2" charset="-78"/>
+                <a:ea typeface="Noto Serif KR"/>
+                <a:cs typeface="Cairo Light" pitchFamily="2" charset="-78"/>
+              </a:rPr>
+              <a:t>orioncactus</a:t>
+            </a:r>
+            <a:r>
+              <a:rPr lang="en-US" altLang="ko-KR" dirty="0">
+                <a:latin typeface="Cairo Light" pitchFamily="2" charset="-78"/>
+                <a:ea typeface="Noto Serif KR"/>
+                <a:cs typeface="Cairo Light" pitchFamily="2" charset="-78"/>
+              </a:rPr>
+              <a:t>/</a:t>
+            </a:r>
+            <a:r>
+              <a:rPr lang="en-US" altLang="ko-KR" dirty="0" err="1">
+                <a:latin typeface="Cairo Light" pitchFamily="2" charset="-78"/>
+                <a:ea typeface="Noto Serif KR"/>
+                <a:cs typeface="Cairo Light" pitchFamily="2" charset="-78"/>
+              </a:rPr>
+              <a:t>pretendard</a:t>
+            </a:r>
+            <a:r>
+              <a:rPr lang="en-US" altLang="ko-KR" dirty="0">
+                <a:latin typeface="Cairo Light" pitchFamily="2" charset="-78"/>
+                <a:ea typeface="Noto Serif KR"/>
+                <a:cs typeface="Cairo Light" pitchFamily="2" charset="-78"/>
+              </a:rPr>
+              <a:t>/</a:t>
+            </a:r>
+            <a:r>
+              <a:rPr lang="en-US" altLang="ko-KR" dirty="0" err="1">
+                <a:latin typeface="Cairo Light" pitchFamily="2" charset="-78"/>
+                <a:ea typeface="Noto Serif KR"/>
+                <a:cs typeface="Cairo Light" pitchFamily="2" charset="-78"/>
+              </a:rPr>
+              <a:t>dist</a:t>
+            </a:r>
+            <a:r>
+              <a:rPr lang="en-US" altLang="ko-KR" dirty="0">
+                <a:latin typeface="Cairo Light" pitchFamily="2" charset="-78"/>
+                <a:ea typeface="Noto Serif KR"/>
+                <a:cs typeface="Cairo Light" pitchFamily="2" charset="-78"/>
+              </a:rPr>
+              <a:t>/web/static/pretendard.css');</a:t>
             </a:r>
           </a:p>
         </p:txBody>
@@ -5983,7 +7591,7 @@
 </p:sld>
 </file>
 
-<file path=ppt/slides/slide12.xml><?xml version="1.0" encoding="utf-8"?>
+<file path=ppt/slides/slide14.xml><?xml version="1.0" encoding="utf-8"?>
 <p:sld xmlns:a="http://schemas.openxmlformats.org/drawingml/2006/main" xmlns:r="http://schemas.openxmlformats.org/officeDocument/2006/relationships" xmlns:p="http://schemas.openxmlformats.org/presentationml/2006/main">
   <p:cSld>
     <p:spTree>
@@ -6009,7 +7617,7 @@
         <p:spPr>
           <a:xfrm>
             <a:off x="336000" y="549000"/>
-            <a:ext cx="788934" cy="369332"/>
+            <a:ext cx="739305" cy="369332"/>
           </a:xfrm>
           <a:prstGeom prst="rect">
             <a:avLst/>
@@ -6026,10 +7634,16 @@
               <a:defRPr/>
             </a:pPr>
             <a:r>
-              <a:rPr lang="en-US" altLang="ko-KR" dirty="0" smtClean="0"/>
+              <a:rPr lang="en-US" altLang="ko-KR" dirty="0" smtClean="0">
+                <a:latin typeface="Cairo" pitchFamily="2" charset="-78"/>
+                <a:cs typeface="Cairo" pitchFamily="2" charset="-78"/>
+              </a:rPr>
               <a:t>CODE</a:t>
             </a:r>
-            <a:endParaRPr lang="ko-KR" altLang="en-US" dirty="0"/>
+            <a:endParaRPr lang="ko-KR" altLang="en-US" dirty="0">
+              <a:latin typeface="Cairo" pitchFamily="2" charset="-78"/>
+              <a:cs typeface="Cairo" pitchFamily="2" charset="-78"/>
+            </a:endParaRPr>
           </a:p>
         </p:txBody>
       </p:sp>
@@ -6206,6 +7820,428 @@
   <p:clrMapOvr>
     <a:masterClrMapping/>
   </p:clrMapOvr>
+</p:sld>
+</file>
+
+<file path=ppt/slides/slide15.xml><?xml version="1.0" encoding="utf-8"?>
+<p:sld xmlns:a="http://schemas.openxmlformats.org/drawingml/2006/main" xmlns:r="http://schemas.openxmlformats.org/officeDocument/2006/relationships" xmlns:p="http://schemas.openxmlformats.org/presentationml/2006/main">
+  <p:cSld>
+    <p:spTree>
+      <p:nvGrpSpPr>
+        <p:cNvPr id="1" name=""/>
+        <p:cNvGrpSpPr/>
+        <p:nvPr/>
+      </p:nvGrpSpPr>
+      <p:grpSpPr>
+        <a:xfrm>
+          <a:off x="0" y="0"/>
+          <a:ext cx="0" cy="0"/>
+          <a:chOff x="0" y="0"/>
+          <a:chExt cx="0" cy="0"/>
+        </a:xfrm>
+      </p:grpSpPr>
+      <p:sp>
+        <p:nvSpPr>
+          <p:cNvPr id="4" name="TextBox 3"/>
+          <p:cNvSpPr txBox="1"/>
+          <p:nvPr/>
+        </p:nvSpPr>
+        <p:spPr>
+          <a:xfrm>
+            <a:off x="336000" y="549000"/>
+            <a:ext cx="739305" cy="369332"/>
+          </a:xfrm>
+          <a:prstGeom prst="rect">
+            <a:avLst/>
+          </a:prstGeom>
+          <a:noFill/>
+        </p:spPr>
+        <p:txBody>
+          <a:bodyPr wrap="none">
+            <a:spAutoFit/>
+          </a:bodyPr>
+          <a:lstStyle/>
+          <a:p>
+            <a:pPr lvl="0">
+              <a:defRPr/>
+            </a:pPr>
+            <a:r>
+              <a:rPr lang="en-US" altLang="ko-KR" dirty="0">
+                <a:latin typeface="Cairo" pitchFamily="2" charset="-78"/>
+                <a:cs typeface="Cairo" pitchFamily="2" charset="-78"/>
+              </a:rPr>
+              <a:t>CODE</a:t>
+            </a:r>
+          </a:p>
+        </p:txBody>
+      </p:sp>
+      <p:cxnSp>
+        <p:nvCxnSpPr>
+          <p:cNvPr id="5" name="직선 연결선 5"/>
+          <p:cNvCxnSpPr/>
+          <p:nvPr/>
+        </p:nvCxnSpPr>
+        <p:spPr>
+          <a:xfrm>
+            <a:off x="336000" y="0"/>
+            <a:ext cx="0" cy="1989000"/>
+          </a:xfrm>
+          <a:prstGeom prst="line">
+            <a:avLst/>
+          </a:prstGeom>
+        </p:spPr>
+        <p:style>
+          <a:lnRef idx="3">
+            <a:schemeClr val="dk1"/>
+          </a:lnRef>
+          <a:fillRef idx="0">
+            <a:schemeClr val="dk1"/>
+          </a:fillRef>
+          <a:effectRef idx="2">
+            <a:schemeClr val="dk1"/>
+          </a:effectRef>
+          <a:fontRef idx="minor">
+            <a:schemeClr val="tx1"/>
+          </a:fontRef>
+        </p:style>
+      </p:cxnSp>
+      <p:sp>
+        <p:nvSpPr>
+          <p:cNvPr id="6" name="TextBox 6"/>
+          <p:cNvSpPr txBox="1"/>
+          <p:nvPr/>
+        </p:nvSpPr>
+        <p:spPr>
+          <a:xfrm>
+            <a:off x="696000" y="189000"/>
+            <a:ext cx="837089" cy="369332"/>
+          </a:xfrm>
+          <a:prstGeom prst="rect">
+            <a:avLst/>
+          </a:prstGeom>
+          <a:noFill/>
+        </p:spPr>
+        <p:txBody>
+          <a:bodyPr wrap="none">
+            <a:spAutoFit/>
+          </a:bodyPr>
+          <a:lstStyle/>
+          <a:p>
+            <a:pPr lvl="0">
+              <a:defRPr/>
+            </a:pPr>
+            <a:r>
+              <a:rPr lang="en-US" altLang="ko-KR" dirty="0">
+                <a:latin typeface="Cairo" pitchFamily="2" charset="-78"/>
+                <a:cs typeface="Cairo" pitchFamily="2" charset="-78"/>
+              </a:rPr>
+              <a:t>NIKON</a:t>
+            </a:r>
+          </a:p>
+        </p:txBody>
+      </p:sp>
+      <p:cxnSp>
+        <p:nvCxnSpPr>
+          <p:cNvPr id="7" name="직선 연결선 7"/>
+          <p:cNvCxnSpPr/>
+          <p:nvPr/>
+        </p:nvCxnSpPr>
+        <p:spPr>
+          <a:xfrm>
+            <a:off x="336000" y="549000"/>
+            <a:ext cx="3240000" cy="0"/>
+          </a:xfrm>
+          <a:prstGeom prst="line">
+            <a:avLst/>
+          </a:prstGeom>
+        </p:spPr>
+        <p:style>
+          <a:lnRef idx="3">
+            <a:schemeClr val="dk1"/>
+          </a:lnRef>
+          <a:fillRef idx="0">
+            <a:schemeClr val="dk1"/>
+          </a:fillRef>
+          <a:effectRef idx="2">
+            <a:schemeClr val="dk1"/>
+          </a:effectRef>
+          <a:fontRef idx="minor">
+            <a:schemeClr val="tx1"/>
+          </a:fontRef>
+        </p:style>
+      </p:cxnSp>
+      <p:pic>
+        <p:nvPicPr>
+          <p:cNvPr id="9" name="그림 12"/>
+          <p:cNvPicPr>
+            <a:picLocks noChangeAspect="1"/>
+          </p:cNvPicPr>
+          <p:nvPr/>
+        </p:nvPicPr>
+        <p:blipFill rotWithShape="1">
+          <a:blip r:embed="rId2"/>
+          <a:stretch>
+            <a:fillRect/>
+          </a:stretch>
+        </p:blipFill>
+        <p:spPr>
+          <a:xfrm>
+            <a:off x="3216000" y="124940"/>
+            <a:ext cx="360000" cy="360000"/>
+          </a:xfrm>
+          <a:prstGeom prst="rect">
+            <a:avLst/>
+          </a:prstGeom>
+        </p:spPr>
+      </p:pic>
+      <p:pic>
+        <p:nvPicPr>
+          <p:cNvPr id="10" name="그림 9"/>
+          <p:cNvPicPr>
+            <a:picLocks noChangeAspect="1"/>
+          </p:cNvPicPr>
+          <p:nvPr/>
+        </p:nvPicPr>
+        <p:blipFill rotWithShape="1">
+          <a:blip r:embed="rId3"/>
+          <a:stretch>
+            <a:fillRect/>
+          </a:stretch>
+        </p:blipFill>
+        <p:spPr>
+          <a:xfrm>
+            <a:off x="1056000" y="909000"/>
+            <a:ext cx="10415999" cy="5858999"/>
+          </a:xfrm>
+          <a:prstGeom prst="rect">
+            <a:avLst/>
+          </a:prstGeom>
+        </p:spPr>
+      </p:pic>
+    </p:spTree>
+  </p:cSld>
+  <p:clrMapOvr>
+    <a:masterClrMapping/>
+  </p:clrMapOvr>
+  <mc:AlternateContent xmlns:mc="http://schemas.openxmlformats.org/markup-compatibility/2006" xmlns:p14="http://schemas.microsoft.com/office/powerpoint/2010/main">
+    <mc:Choice Requires="p14">
+      <p:transition/>
+    </mc:Choice>
+    <mc:Fallback xmlns="" xmlns:c="http://schemas.openxmlformats.org/drawingml/2006/chart" xmlns:dgm="http://schemas.openxmlformats.org/drawingml/2006/diagram" xmlns:dsp="http://schemas.microsoft.com/office/drawing/2008/diagram">
+      <p:transition/>
+    </mc:Fallback>
+  </mc:AlternateContent>
+</p:sld>
+</file>
+
+<file path=ppt/slides/slide16.xml><?xml version="1.0" encoding="utf-8"?>
+<p:sld xmlns:a="http://schemas.openxmlformats.org/drawingml/2006/main" xmlns:r="http://schemas.openxmlformats.org/officeDocument/2006/relationships" xmlns:p="http://schemas.openxmlformats.org/presentationml/2006/main">
+  <p:cSld>
+    <p:spTree>
+      <p:nvGrpSpPr>
+        <p:cNvPr id="1" name=""/>
+        <p:cNvGrpSpPr/>
+        <p:nvPr/>
+      </p:nvGrpSpPr>
+      <p:grpSpPr>
+        <a:xfrm>
+          <a:off x="0" y="0"/>
+          <a:ext cx="0" cy="0"/>
+          <a:chOff x="0" y="0"/>
+          <a:chExt cx="0" cy="0"/>
+        </a:xfrm>
+      </p:grpSpPr>
+      <p:sp>
+        <p:nvSpPr>
+          <p:cNvPr id="10" name="TextBox 3"/>
+          <p:cNvSpPr txBox="1"/>
+          <p:nvPr/>
+        </p:nvSpPr>
+        <p:spPr>
+          <a:xfrm>
+            <a:off x="336000" y="549000"/>
+            <a:ext cx="739305" cy="369332"/>
+          </a:xfrm>
+          <a:prstGeom prst="rect">
+            <a:avLst/>
+          </a:prstGeom>
+          <a:noFill/>
+        </p:spPr>
+        <p:txBody>
+          <a:bodyPr wrap="none">
+            <a:spAutoFit/>
+          </a:bodyPr>
+          <a:lstStyle/>
+          <a:p>
+            <a:pPr lvl="0">
+              <a:defRPr/>
+            </a:pPr>
+            <a:r>
+              <a:rPr lang="en-US" altLang="ko-KR" dirty="0">
+                <a:latin typeface="Cairo" pitchFamily="2" charset="-78"/>
+                <a:cs typeface="Cairo" pitchFamily="2" charset="-78"/>
+              </a:rPr>
+              <a:t>CODE</a:t>
+            </a:r>
+          </a:p>
+        </p:txBody>
+      </p:sp>
+      <p:cxnSp>
+        <p:nvCxnSpPr>
+          <p:cNvPr id="11" name="직선 연결선 5"/>
+          <p:cNvCxnSpPr/>
+          <p:nvPr/>
+        </p:nvCxnSpPr>
+        <p:spPr>
+          <a:xfrm>
+            <a:off x="336000" y="0"/>
+            <a:ext cx="0" cy="1989000"/>
+          </a:xfrm>
+          <a:prstGeom prst="line">
+            <a:avLst/>
+          </a:prstGeom>
+        </p:spPr>
+        <p:style>
+          <a:lnRef idx="3">
+            <a:schemeClr val="dk1"/>
+          </a:lnRef>
+          <a:fillRef idx="0">
+            <a:schemeClr val="dk1"/>
+          </a:fillRef>
+          <a:effectRef idx="2">
+            <a:schemeClr val="dk1"/>
+          </a:effectRef>
+          <a:fontRef idx="minor">
+            <a:schemeClr val="tx1"/>
+          </a:fontRef>
+        </p:style>
+      </p:cxnSp>
+      <p:sp>
+        <p:nvSpPr>
+          <p:cNvPr id="12" name="TextBox 6"/>
+          <p:cNvSpPr txBox="1"/>
+          <p:nvPr/>
+        </p:nvSpPr>
+        <p:spPr>
+          <a:xfrm>
+            <a:off x="696000" y="189000"/>
+            <a:ext cx="638316" cy="369332"/>
+          </a:xfrm>
+          <a:prstGeom prst="rect">
+            <a:avLst/>
+          </a:prstGeom>
+          <a:noFill/>
+        </p:spPr>
+        <p:txBody>
+          <a:bodyPr wrap="none">
+            <a:spAutoFit/>
+          </a:bodyPr>
+          <a:lstStyle/>
+          <a:p>
+            <a:pPr lvl="0">
+              <a:defRPr/>
+            </a:pPr>
+            <a:r>
+              <a:rPr lang="en-US" altLang="ko-KR" dirty="0">
+                <a:latin typeface="Cairo" pitchFamily="2" charset="-78"/>
+                <a:cs typeface="Cairo" pitchFamily="2" charset="-78"/>
+              </a:rPr>
+              <a:t>VIPS</a:t>
+            </a:r>
+          </a:p>
+        </p:txBody>
+      </p:sp>
+      <p:cxnSp>
+        <p:nvCxnSpPr>
+          <p:cNvPr id="13" name="직선 연결선 7"/>
+          <p:cNvCxnSpPr/>
+          <p:nvPr/>
+        </p:nvCxnSpPr>
+        <p:spPr>
+          <a:xfrm>
+            <a:off x="336000" y="549000"/>
+            <a:ext cx="3240000" cy="0"/>
+          </a:xfrm>
+          <a:prstGeom prst="line">
+            <a:avLst/>
+          </a:prstGeom>
+        </p:spPr>
+        <p:style>
+          <a:lnRef idx="3">
+            <a:schemeClr val="dk1"/>
+          </a:lnRef>
+          <a:fillRef idx="0">
+            <a:schemeClr val="dk1"/>
+          </a:fillRef>
+          <a:effectRef idx="2">
+            <a:schemeClr val="dk1"/>
+          </a:effectRef>
+          <a:fontRef idx="minor">
+            <a:schemeClr val="tx1"/>
+          </a:fontRef>
+        </p:style>
+      </p:cxnSp>
+      <p:pic>
+        <p:nvPicPr>
+          <p:cNvPr id="14" name="그림 10"/>
+          <p:cNvPicPr>
+            <a:picLocks noChangeAspect="1"/>
+          </p:cNvPicPr>
+          <p:nvPr/>
+        </p:nvPicPr>
+        <p:blipFill rotWithShape="1">
+          <a:blip r:embed="rId2"/>
+          <a:stretch>
+            <a:fillRect/>
+          </a:stretch>
+        </p:blipFill>
+        <p:spPr>
+          <a:xfrm>
+            <a:off x="3216000" y="150578"/>
+            <a:ext cx="360000" cy="360000"/>
+          </a:xfrm>
+          <a:prstGeom prst="rect">
+            <a:avLst/>
+          </a:prstGeom>
+        </p:spPr>
+      </p:pic>
+      <p:pic>
+        <p:nvPicPr>
+          <p:cNvPr id="15" name="그림 14"/>
+          <p:cNvPicPr>
+            <a:picLocks noChangeAspect="1"/>
+          </p:cNvPicPr>
+          <p:nvPr/>
+        </p:nvPicPr>
+        <p:blipFill rotWithShape="1">
+          <a:blip r:embed="rId3"/>
+          <a:stretch>
+            <a:fillRect/>
+          </a:stretch>
+        </p:blipFill>
+        <p:spPr>
+          <a:xfrm>
+            <a:off x="1056000" y="909000"/>
+            <a:ext cx="10440000" cy="5872500"/>
+          </a:xfrm>
+          <a:prstGeom prst="rect">
+            <a:avLst/>
+          </a:prstGeom>
+        </p:spPr>
+      </p:pic>
+    </p:spTree>
+  </p:cSld>
+  <p:clrMapOvr>
+    <a:masterClrMapping/>
+  </p:clrMapOvr>
+  <mc:AlternateContent xmlns:mc="http://schemas.openxmlformats.org/markup-compatibility/2006" xmlns:p14="http://schemas.microsoft.com/office/powerpoint/2010/main">
+    <mc:Choice Requires="p14">
+      <p:transition/>
+    </mc:Choice>
+    <mc:Fallback xmlns="" xmlns:c="http://schemas.openxmlformats.org/drawingml/2006/chart" xmlns:dgm="http://schemas.openxmlformats.org/drawingml/2006/diagram" xmlns:dsp="http://schemas.microsoft.com/office/drawing/2008/diagram">
+      <p:transition/>
+    </mc:Fallback>
+  </mc:AlternateContent>
 </p:sld>
 </file>
 
@@ -6265,7 +8301,7 @@
         <p:spPr>
           <a:xfrm>
             <a:off x="336000" y="549000"/>
-            <a:ext cx="1547218" cy="369332"/>
+            <a:ext cx="1494320" cy="369332"/>
           </a:xfrm>
           <a:prstGeom prst="rect">
             <a:avLst/>
@@ -6282,10 +8318,16 @@
               <a:defRPr/>
             </a:pPr>
             <a:r>
-              <a:rPr lang="en-US" altLang="ko-KR" dirty="0" smtClean="0"/>
+              <a:rPr lang="en-US" altLang="ko-KR" dirty="0" smtClean="0">
+                <a:latin typeface="Cairo" pitchFamily="2" charset="-78"/>
+                <a:cs typeface="Cairo" pitchFamily="2" charset="-78"/>
+              </a:rPr>
               <a:t>WIRE FRAME</a:t>
             </a:r>
-            <a:endParaRPr lang="ko-KR" altLang="en-US" dirty="0"/>
+            <a:endParaRPr lang="ko-KR" altLang="en-US" dirty="0">
+              <a:latin typeface="Cairo" pitchFamily="2" charset="-78"/>
+              <a:cs typeface="Cairo" pitchFamily="2" charset="-78"/>
+            </a:endParaRPr>
           </a:p>
         </p:txBody>
       </p:sp>
@@ -6461,7 +8503,7 @@
         <p:spPr>
           <a:xfrm>
             <a:off x="336000" y="549000"/>
-            <a:ext cx="1322798" cy="369332"/>
+            <a:ext cx="1233030" cy="369332"/>
           </a:xfrm>
           <a:prstGeom prst="rect">
             <a:avLst/>
@@ -6478,10 +8520,16 @@
               <a:defRPr/>
             </a:pPr>
             <a:r>
-              <a:rPr lang="en-US" altLang="ko-KR"/>
+              <a:rPr lang="en-US" altLang="ko-KR" dirty="0">
+                <a:latin typeface="Cairo" pitchFamily="2" charset="-78"/>
+                <a:cs typeface="Cairo" pitchFamily="2" charset="-78"/>
+              </a:rPr>
               <a:t>KEY POINT</a:t>
             </a:r>
-            <a:endParaRPr lang="ko-KR" altLang="en-US"/>
+            <a:endParaRPr lang="ko-KR" altLang="en-US" dirty="0">
+              <a:latin typeface="Cairo" pitchFamily="2" charset="-78"/>
+              <a:cs typeface="Cairo" pitchFamily="2" charset="-78"/>
+            </a:endParaRPr>
           </a:p>
         </p:txBody>
       </p:sp>
@@ -6524,7 +8572,7 @@
         <p:spPr>
           <a:xfrm>
             <a:off x="696000" y="189000"/>
-            <a:ext cx="2092176" cy="369332"/>
+            <a:ext cx="1930337" cy="369332"/>
           </a:xfrm>
           <a:prstGeom prst="rect">
             <a:avLst/>
@@ -6541,10 +8589,16 @@
               <a:defRPr/>
             </a:pPr>
             <a:r>
-              <a:rPr lang="en-US" altLang="ko-KR"/>
+              <a:rPr lang="en-US" altLang="ko-KR" dirty="0">
+                <a:latin typeface="Cairo" pitchFamily="2" charset="-78"/>
+                <a:cs typeface="Cairo" pitchFamily="2" charset="-78"/>
+              </a:rPr>
               <a:t>DESIGN CONCEPT</a:t>
             </a:r>
-            <a:endParaRPr lang="ko-KR" altLang="en-US"/>
+            <a:endParaRPr lang="ko-KR" altLang="en-US" dirty="0">
+              <a:latin typeface="Cairo" pitchFamily="2" charset="-78"/>
+              <a:cs typeface="Cairo" pitchFamily="2" charset="-78"/>
+            </a:endParaRPr>
           </a:p>
         </p:txBody>
       </p:sp>
@@ -7199,24 +9253,18 @@
                   <a:schemeClr val="bg1"/>
                 </a:solidFill>
                 <a:effectLst/>
-                <a:latin typeface="Consolas" panose="020B0609020204030204" pitchFamily="49" charset="0"/>
+                <a:latin typeface="Cairo" pitchFamily="2" charset="-78"/>
+                <a:cs typeface="Cairo" pitchFamily="2" charset="-78"/>
               </a:rPr>
-              <a:t>#</a:t>
-            </a:r>
-            <a:r>
-              <a:rPr lang="en-US" altLang="ko-KR" b="0" dirty="0" smtClean="0">
-                <a:solidFill>
-                  <a:schemeClr val="bg1"/>
-                </a:solidFill>
-                <a:effectLst/>
-              </a:rPr>
-              <a:t>A4C46C</a:t>
+              <a:t>#A4C46C</a:t>
             </a:r>
             <a:endParaRPr lang="en-US" altLang="ko-KR" b="0" dirty="0">
               <a:solidFill>
                 <a:schemeClr val="bg1"/>
               </a:solidFill>
               <a:effectLst/>
+              <a:latin typeface="Cairo" pitchFamily="2" charset="-78"/>
+              <a:cs typeface="Cairo" pitchFamily="2" charset="-78"/>
             </a:endParaRPr>
           </a:p>
         </p:txBody>
@@ -7262,6 +9310,8 @@
                 <a:solidFill>
                   <a:schemeClr val="bg1"/>
                 </a:solidFill>
+                <a:latin typeface="Cairo" pitchFamily="2" charset="-78"/>
+                <a:cs typeface="Cairo" pitchFamily="2" charset="-78"/>
               </a:rPr>
               <a:t>#</a:t>
             </a:r>
@@ -7270,6 +9320,8 @@
                 <a:solidFill>
                   <a:schemeClr val="bg1"/>
                 </a:solidFill>
+                <a:latin typeface="Cairo" pitchFamily="2" charset="-78"/>
+                <a:cs typeface="Cairo" pitchFamily="2" charset="-78"/>
               </a:rPr>
               <a:t>1D4167</a:t>
             </a:r>
@@ -7277,6 +9329,8 @@
               <a:solidFill>
                 <a:schemeClr val="bg1"/>
               </a:solidFill>
+              <a:latin typeface="Cairo" pitchFamily="2" charset="-78"/>
+              <a:cs typeface="Cairo" pitchFamily="2" charset="-78"/>
             </a:endParaRPr>
           </a:p>
         </p:txBody>
@@ -7322,6 +9376,8 @@
                 <a:solidFill>
                   <a:schemeClr val="bg1"/>
                 </a:solidFill>
+                <a:latin typeface="Cairo" pitchFamily="2" charset="-78"/>
+                <a:cs typeface="Cairo" pitchFamily="2" charset="-78"/>
               </a:rPr>
               <a:t>#</a:t>
             </a:r>
@@ -7330,6 +9386,8 @@
                 <a:solidFill>
                   <a:schemeClr val="bg1"/>
                 </a:solidFill>
+                <a:latin typeface="Cairo" pitchFamily="2" charset="-78"/>
+                <a:cs typeface="Cairo" pitchFamily="2" charset="-78"/>
               </a:rPr>
               <a:t>B1D8F1</a:t>
             </a:r>
@@ -7337,6 +9395,8 @@
               <a:solidFill>
                 <a:schemeClr val="bg1"/>
               </a:solidFill>
+              <a:latin typeface="Cairo" pitchFamily="2" charset="-78"/>
+              <a:cs typeface="Cairo" pitchFamily="2" charset="-78"/>
             </a:endParaRPr>
           </a:p>
         </p:txBody>
@@ -7382,6 +9442,8 @@
                 <a:solidFill>
                   <a:schemeClr val="bg1"/>
                 </a:solidFill>
+                <a:latin typeface="Cairo" pitchFamily="2" charset="-78"/>
+                <a:cs typeface="Cairo" pitchFamily="2" charset="-78"/>
               </a:rPr>
               <a:t>#</a:t>
             </a:r>
@@ -7390,6 +9452,8 @@
                 <a:solidFill>
                   <a:schemeClr val="bg1"/>
                 </a:solidFill>
+                <a:latin typeface="Cairo" pitchFamily="2" charset="-78"/>
+                <a:cs typeface="Cairo" pitchFamily="2" charset="-78"/>
               </a:rPr>
               <a:t>718D52</a:t>
             </a:r>
@@ -7397,6 +9461,8 @@
               <a:solidFill>
                 <a:schemeClr val="bg1"/>
               </a:solidFill>
+              <a:latin typeface="Cairo" pitchFamily="2" charset="-78"/>
+              <a:cs typeface="Cairo" pitchFamily="2" charset="-78"/>
             </a:endParaRPr>
           </a:p>
         </p:txBody>
@@ -7457,12 +9523,16 @@
               <a:defRPr/>
             </a:pPr>
             <a:r>
-              <a:rPr lang="ko-KR" altLang="en-US">
-                <a:latin typeface="Noto Serif KR"/>
-                <a:ea typeface="Noto Serif KR"/>
+              <a:rPr lang="ko-KR" altLang="en-US" dirty="0" err="1">
+                <a:latin typeface="+mn-ea"/>
+                <a:ea typeface="+mn-ea"/>
               </a:rPr>
               <a:t>타이포그래피</a:t>
             </a:r>
+            <a:endParaRPr lang="ko-KR" altLang="en-US" dirty="0">
+              <a:latin typeface="+mn-ea"/>
+              <a:ea typeface="+mn-ea"/>
+            </a:endParaRPr>
           </a:p>
         </p:txBody>
       </p:sp>
@@ -7550,7 +9620,7 @@
         <p:spPr>
           <a:xfrm>
             <a:off x="910718" y="1269000"/>
-            <a:ext cx="2167260" cy="369332"/>
+            <a:ext cx="1907895" cy="369332"/>
           </a:xfrm>
           <a:prstGeom prst="rect">
             <a:avLst/>
@@ -7566,16 +9636,18 @@
               <a:defRPr/>
             </a:pPr>
             <a:r>
-              <a:rPr lang="en-US" altLang="ko-KR">
-                <a:latin typeface="Noto Serif KR"/>
+              <a:rPr lang="en-US" altLang="ko-KR" dirty="0">
+                <a:latin typeface="Cairo" pitchFamily="2" charset="-78"/>
                 <a:ea typeface="Noto Serif KR"/>
+                <a:cs typeface="Cairo" pitchFamily="2" charset="-78"/>
               </a:rPr>
               <a:t>Noto Serif Korean</a:t>
             </a:r>
-            <a:endParaRPr lang="en-US" altLang="ko-KR" b="0">
+            <a:endParaRPr lang="en-US" altLang="ko-KR" b="0" dirty="0">
               <a:effectLst/>
-              <a:latin typeface="Noto Serif KR"/>
+              <a:latin typeface="Cairo" pitchFamily="2" charset="-78"/>
               <a:ea typeface="Noto Serif KR"/>
+              <a:cs typeface="Cairo" pitchFamily="2" charset="-78"/>
             </a:endParaRPr>
           </a:p>
         </p:txBody>
@@ -7589,7 +9661,7 @@
         <p:spPr>
           <a:xfrm>
             <a:off x="7176000" y="1989000"/>
-            <a:ext cx="1868940" cy="369332"/>
+            <a:ext cx="1750800" cy="369332"/>
           </a:xfrm>
           <a:prstGeom prst="rect">
             <a:avLst/>
@@ -7606,7 +9678,10 @@
               <a:defRPr/>
             </a:pPr>
             <a:r>
-              <a:rPr lang="en-US" altLang="ko-KR"/>
+              <a:rPr lang="en-US" altLang="ko-KR" dirty="0">
+                <a:latin typeface="Cairo" pitchFamily="2" charset="-78"/>
+                <a:cs typeface="Cairo" pitchFamily="2" charset="-78"/>
+              </a:rPr>
               <a:t>Color : #333333</a:t>
             </a:r>
           </a:p>
@@ -7621,7 +9696,7 @@
         <p:spPr>
           <a:xfrm>
             <a:off x="884008" y="5229000"/>
-            <a:ext cx="4328108" cy="369332"/>
+            <a:ext cx="3855543" cy="369332"/>
           </a:xfrm>
           <a:prstGeom prst="rect">
             <a:avLst/>
@@ -7637,15 +9712,17 @@
               <a:defRPr/>
             </a:pPr>
             <a:r>
-              <a:rPr lang="fr-FR" altLang="ko-KR">
-                <a:latin typeface="Noto Serif KR"/>
+              <a:rPr lang="fr-FR" altLang="ko-KR" dirty="0">
+                <a:latin typeface="Cairo Light" pitchFamily="2" charset="-78"/>
                 <a:ea typeface="Noto Serif KR"/>
+                <a:cs typeface="Cairo Light" pitchFamily="2" charset="-78"/>
               </a:rPr>
               <a:t>font-family: 'Noto Sans KR', sans-serif</a:t>
             </a:r>
-            <a:endParaRPr lang="ko-KR" altLang="en-US">
-              <a:latin typeface="Noto Serif KR"/>
+            <a:endParaRPr lang="ko-KR" altLang="en-US" dirty="0">
+              <a:latin typeface="Cairo Light" pitchFamily="2" charset="-78"/>
               <a:ea typeface="Noto Serif KR"/>
+              <a:cs typeface="Cairo Light" pitchFamily="2" charset="-78"/>
             </a:endParaRPr>
           </a:p>
         </p:txBody>
@@ -7659,7 +9736,7 @@
         <p:spPr>
           <a:xfrm>
             <a:off x="884008" y="5589000"/>
-            <a:ext cx="9000000" cy="646331"/>
+            <a:ext cx="9000000" cy="369332"/>
           </a:xfrm>
           <a:prstGeom prst="rect">
             <a:avLst/>
@@ -7675,9 +9752,10 @@
               <a:defRPr/>
             </a:pPr>
             <a:r>
-              <a:rPr lang="en-US" altLang="ko-KR">
-                <a:latin typeface="Noto Serif KR"/>
+              <a:rPr lang="en-US" altLang="ko-KR" dirty="0">
+                <a:latin typeface="Cairo Light" pitchFamily="2" charset="-78"/>
                 <a:ea typeface="Noto Serif KR"/>
+                <a:cs typeface="Cairo Light" pitchFamily="2" charset="-78"/>
               </a:rPr>
               <a:t>'https://fonts.googleapis.com/css2?family=Noto+Sans+KR:wght@300&amp;display=swap'</a:t>
             </a:r>
@@ -7741,7 +9819,7 @@
         <p:spPr>
           <a:xfrm>
             <a:off x="7176000" y="2709000"/>
-            <a:ext cx="1840365" cy="369332"/>
+            <a:ext cx="1755609" cy="369332"/>
           </a:xfrm>
           <a:prstGeom prst="rect">
             <a:avLst/>
@@ -7758,7 +9836,10 @@
               <a:defRPr/>
             </a:pPr>
             <a:r>
-              <a:rPr lang="en-US" altLang="ko-KR"/>
+              <a:rPr lang="en-US" altLang="ko-KR" dirty="0">
+                <a:latin typeface="Cairo" pitchFamily="2" charset="-78"/>
+                <a:cs typeface="Cairo" pitchFamily="2" charset="-78"/>
+              </a:rPr>
               <a:t>Font-size : 16px</a:t>
             </a:r>
           </a:p>
@@ -7804,183 +9885,730 @@
           <a:chExt cx="0" cy="0"/>
         </a:xfrm>
       </p:grpSpPr>
-      <p:sp>
-        <p:nvSpPr>
-          <p:cNvPr id="4" name="TextBox 3"/>
-          <p:cNvSpPr txBox="1"/>
-          <p:nvPr/>
-        </p:nvSpPr>
-        <p:spPr>
-          <a:xfrm>
-            <a:off x="336000" y="549000"/>
-            <a:ext cx="1322798" cy="369332"/>
-          </a:xfrm>
-          <a:prstGeom prst="rect">
-            <a:avLst/>
-          </a:prstGeom>
-          <a:noFill/>
-        </p:spPr>
-        <p:txBody>
-          <a:bodyPr wrap="none">
-            <a:spAutoFit/>
-          </a:bodyPr>
-          <a:lstStyle/>
-          <a:p>
-            <a:pPr lvl="0">
-              <a:defRPr/>
-            </a:pPr>
-            <a:r>
-              <a:rPr lang="en-US" altLang="ko-KR"/>
-              <a:t>KEY POINT</a:t>
-            </a:r>
-            <a:endParaRPr lang="ko-KR" altLang="en-US"/>
-          </a:p>
-        </p:txBody>
-      </p:sp>
-      <p:cxnSp>
-        <p:nvCxnSpPr>
-          <p:cNvPr id="6" name="직선 연결선 5"/>
-          <p:cNvCxnSpPr/>
-          <p:nvPr/>
-        </p:nvCxnSpPr>
-        <p:spPr>
-          <a:xfrm>
-            <a:off x="336000" y="0"/>
-            <a:ext cx="0" cy="1989000"/>
-          </a:xfrm>
-          <a:prstGeom prst="line">
-            <a:avLst/>
-          </a:prstGeom>
-        </p:spPr>
-        <p:style>
-          <a:lnRef idx="3">
-            <a:schemeClr val="dk1"/>
-          </a:lnRef>
-          <a:fillRef idx="0">
-            <a:schemeClr val="dk1"/>
-          </a:fillRef>
-          <a:effectRef idx="2">
-            <a:schemeClr val="dk1"/>
-          </a:effectRef>
-          <a:fontRef idx="minor">
-            <a:schemeClr val="tx1"/>
-          </a:fontRef>
-        </p:style>
-      </p:cxnSp>
-      <p:sp>
-        <p:nvSpPr>
-          <p:cNvPr id="7" name="TextBox 6"/>
-          <p:cNvSpPr txBox="1"/>
-          <p:nvPr/>
-        </p:nvSpPr>
-        <p:spPr>
-          <a:xfrm>
-            <a:off x="696000" y="189000"/>
-            <a:ext cx="2092176" cy="369332"/>
-          </a:xfrm>
-          <a:prstGeom prst="rect">
-            <a:avLst/>
-          </a:prstGeom>
-          <a:noFill/>
-        </p:spPr>
-        <p:txBody>
-          <a:bodyPr wrap="none">
-            <a:spAutoFit/>
-          </a:bodyPr>
-          <a:lstStyle/>
-          <a:p>
-            <a:pPr lvl="0">
-              <a:defRPr/>
-            </a:pPr>
-            <a:r>
-              <a:rPr lang="en-US" altLang="ko-KR"/>
-              <a:t>DESIGN CONCEPT</a:t>
-            </a:r>
-            <a:endParaRPr lang="ko-KR" altLang="en-US"/>
-          </a:p>
-        </p:txBody>
-      </p:sp>
-      <p:cxnSp>
-        <p:nvCxnSpPr>
-          <p:cNvPr id="8" name="직선 연결선 7"/>
-          <p:cNvCxnSpPr/>
-          <p:nvPr/>
-        </p:nvCxnSpPr>
-        <p:spPr>
-          <a:xfrm>
-            <a:off x="336000" y="549000"/>
-            <a:ext cx="3240000" cy="0"/>
-          </a:xfrm>
-          <a:prstGeom prst="line">
-            <a:avLst/>
-          </a:prstGeom>
-        </p:spPr>
-        <p:style>
-          <a:lnRef idx="3">
-            <a:schemeClr val="dk1"/>
-          </a:lnRef>
-          <a:fillRef idx="0">
-            <a:schemeClr val="dk1"/>
-          </a:fillRef>
-          <a:effectRef idx="2">
-            <a:schemeClr val="dk1"/>
-          </a:effectRef>
-          <a:fontRef idx="minor">
-            <a:schemeClr val="tx1"/>
-          </a:fontRef>
-        </p:style>
-      </p:cxnSp>
-      <p:sp>
-        <p:nvSpPr>
-          <p:cNvPr id="9" name="TextBox 8"/>
-          <p:cNvSpPr txBox="1"/>
-          <p:nvPr/>
-        </p:nvSpPr>
-        <p:spPr>
-          <a:xfrm>
-            <a:off x="1776000" y="549000"/>
-            <a:ext cx="1677765" cy="369332"/>
-          </a:xfrm>
-          <a:prstGeom prst="rect">
-            <a:avLst/>
-          </a:prstGeom>
-          <a:noFill/>
-        </p:spPr>
-        <p:txBody>
-          <a:bodyPr wrap="none">
-            <a:spAutoFit/>
-          </a:bodyPr>
-          <a:lstStyle/>
-          <a:p>
-            <a:pPr lvl="0">
-              <a:defRPr/>
-            </a:pPr>
-            <a:r>
-              <a:rPr lang="ko-KR" altLang="en-US"/>
-              <a:t>간편하고 넓게</a:t>
-            </a:r>
-          </a:p>
-        </p:txBody>
-      </p:sp>
-      <p:sp>
-        <p:nvSpPr>
-          <p:cNvPr id="10" name="타원 9"/>
-          <p:cNvSpPr/>
-          <p:nvPr/>
-        </p:nvSpPr>
-        <p:spPr>
-          <a:xfrm>
-            <a:off x="5376000" y="1989000"/>
-            <a:ext cx="1800000" cy="1800000"/>
-          </a:xfrm>
-          <a:prstGeom prst="ellipse">
-            <a:avLst/>
-          </a:prstGeom>
-          <a:noFill/>
-          <a:ln>
+      <p:grpSp>
+        <p:nvGrpSpPr>
+          <p:cNvPr id="12" name="그룹 11"/>
+          <p:cNvGrpSpPr/>
+          <p:nvPr/>
+        </p:nvGrpSpPr>
+        <p:grpSpPr>
+          <a:xfrm>
+            <a:off x="5376000" y="1629000"/>
+            <a:ext cx="1800000" cy="667777"/>
+            <a:chOff x="5376000" y="1629000"/>
+            <a:chExt cx="1800000" cy="667777"/>
+          </a:xfrm>
+        </p:grpSpPr>
+        <p:sp>
+          <p:nvSpPr>
+            <p:cNvPr id="14" name="직사각형 13"/>
+            <p:cNvSpPr/>
+            <p:nvPr/>
+          </p:nvSpPr>
+          <p:spPr>
+            <a:xfrm>
+              <a:off x="5376000" y="1629000"/>
+              <a:ext cx="1800000" cy="360000"/>
+            </a:xfrm>
+            <a:prstGeom prst="rect">
+              <a:avLst/>
+            </a:prstGeom>
+            <a:solidFill>
+              <a:srgbClr val="FEE600"/>
+            </a:solidFill>
+            <a:ln>
+              <a:noFill/>
+            </a:ln>
+          </p:spPr>
+          <p:style>
+            <a:lnRef idx="2">
+              <a:schemeClr val="accent1">
+                <a:shade val="50000"/>
+              </a:schemeClr>
+            </a:lnRef>
+            <a:fillRef idx="1">
+              <a:schemeClr val="accent1"/>
+            </a:fillRef>
+            <a:effectRef idx="0">
+              <a:schemeClr val="accent1"/>
+            </a:effectRef>
+            <a:fontRef idx="minor">
+              <a:schemeClr val="lt1"/>
+            </a:fontRef>
+          </p:style>
+          <p:txBody>
+            <a:bodyPr rtlCol="0" anchor="ctr"/>
+            <a:lstStyle/>
+            <a:p>
+              <a:pPr algn="ctr"/>
+              <a:r>
+                <a:rPr lang="en-US" altLang="ko-KR" dirty="0" smtClean="0">
+                  <a:solidFill>
+                    <a:schemeClr val="bg1"/>
+                  </a:solidFill>
+                  <a:latin typeface="+mn-ea"/>
+                </a:rPr>
+                <a:t>HOME</a:t>
+              </a:r>
+              <a:endParaRPr lang="ko-KR" altLang="en-US" dirty="0">
+                <a:solidFill>
+                  <a:schemeClr val="bg1"/>
+                </a:solidFill>
+                <a:latin typeface="+mn-ea"/>
+              </a:endParaRPr>
+            </a:p>
+          </p:txBody>
+        </p:sp>
+        <p:sp>
+          <p:nvSpPr>
+            <p:cNvPr id="20" name="TextBox 19"/>
+            <p:cNvSpPr txBox="1"/>
+            <p:nvPr/>
+          </p:nvSpPr>
+          <p:spPr>
+            <a:xfrm>
+              <a:off x="5376000" y="1989000"/>
+              <a:ext cx="1800000" cy="307777"/>
+            </a:xfrm>
+            <a:prstGeom prst="rect">
+              <a:avLst/>
+            </a:prstGeom>
+            <a:noFill/>
+          </p:spPr>
+          <p:txBody>
+            <a:bodyPr wrap="square" rtlCol="0">
+              <a:spAutoFit/>
+            </a:bodyPr>
+            <a:lstStyle/>
+            <a:p>
+              <a:pPr algn="ctr"/>
+              <a:r>
+                <a:rPr lang="en-US" altLang="ko-KR" sz="1400" smtClean="0">
+                  <a:latin typeface="Cairo" pitchFamily="2" charset="-78"/>
+                  <a:cs typeface="Cairo" pitchFamily="2" charset="-78"/>
+                </a:rPr>
+                <a:t>index.html</a:t>
+              </a:r>
+              <a:endParaRPr lang="ko-KR" altLang="en-US" sz="1400" dirty="0">
+                <a:latin typeface="Cairo" pitchFamily="2" charset="-78"/>
+                <a:cs typeface="Cairo" pitchFamily="2" charset="-78"/>
+              </a:endParaRPr>
+            </a:p>
+          </p:txBody>
+        </p:sp>
+      </p:grpSp>
+      <p:grpSp>
+        <p:nvGrpSpPr>
+          <p:cNvPr id="11" name="그룹 10"/>
+          <p:cNvGrpSpPr/>
+          <p:nvPr/>
+        </p:nvGrpSpPr>
+        <p:grpSpPr>
+          <a:xfrm>
+            <a:off x="2856000" y="2349000"/>
+            <a:ext cx="1440000" cy="667777"/>
+            <a:chOff x="1056000" y="2349000"/>
+            <a:chExt cx="1440000" cy="667777"/>
+          </a:xfrm>
+        </p:grpSpPr>
+        <p:sp>
+          <p:nvSpPr>
+            <p:cNvPr id="19" name="직사각형 18"/>
+            <p:cNvSpPr/>
+            <p:nvPr/>
+          </p:nvSpPr>
+          <p:spPr>
+            <a:xfrm>
+              <a:off x="1056000" y="2349000"/>
+              <a:ext cx="1440000" cy="360000"/>
+            </a:xfrm>
+            <a:prstGeom prst="rect">
+              <a:avLst/>
+            </a:prstGeom>
             <a:solidFill>
               <a:srgbClr val="E7C3A2"/>
             </a:solidFill>
+            <a:ln>
+              <a:noFill/>
+            </a:ln>
+          </p:spPr>
+          <p:style>
+            <a:lnRef idx="2">
+              <a:schemeClr val="accent1">
+                <a:shade val="50000"/>
+              </a:schemeClr>
+            </a:lnRef>
+            <a:fillRef idx="1">
+              <a:schemeClr val="accent1"/>
+            </a:fillRef>
+            <a:effectRef idx="0">
+              <a:schemeClr val="accent1"/>
+            </a:effectRef>
+            <a:fontRef idx="minor">
+              <a:schemeClr val="lt1"/>
+            </a:fontRef>
+          </p:style>
+          <p:txBody>
+            <a:bodyPr rtlCol="0" anchor="ctr"/>
+            <a:lstStyle/>
+            <a:p>
+              <a:pPr algn="ctr"/>
+              <a:r>
+                <a:rPr lang="en-US" altLang="ko-KR" dirty="0" smtClean="0">
+                  <a:solidFill>
+                    <a:schemeClr val="bg1"/>
+                  </a:solidFill>
+                  <a:latin typeface="Cairo" pitchFamily="2" charset="-78"/>
+                  <a:cs typeface="Cairo" pitchFamily="2" charset="-78"/>
+                </a:rPr>
+                <a:t>E-shop</a:t>
+              </a:r>
+              <a:endParaRPr lang="ko-KR" altLang="en-US" dirty="0">
+                <a:solidFill>
+                  <a:schemeClr val="bg1"/>
+                </a:solidFill>
+                <a:latin typeface="Cairo" pitchFamily="2" charset="-78"/>
+                <a:cs typeface="Cairo" pitchFamily="2" charset="-78"/>
+              </a:endParaRPr>
+            </a:p>
+          </p:txBody>
+        </p:sp>
+        <p:sp>
+          <p:nvSpPr>
+            <p:cNvPr id="21" name="TextBox 20"/>
+            <p:cNvSpPr txBox="1"/>
+            <p:nvPr/>
+          </p:nvSpPr>
+          <p:spPr>
+            <a:xfrm>
+              <a:off x="1056000" y="2709000"/>
+              <a:ext cx="1440000" cy="307777"/>
+            </a:xfrm>
+            <a:prstGeom prst="rect">
+              <a:avLst/>
+            </a:prstGeom>
+            <a:noFill/>
+          </p:spPr>
+          <p:txBody>
+            <a:bodyPr wrap="square" rtlCol="0">
+              <a:spAutoFit/>
+            </a:bodyPr>
+            <a:lstStyle/>
+            <a:p>
+              <a:pPr algn="ctr"/>
+              <a:r>
+                <a:rPr lang="en-US" altLang="ko-KR" sz="1400" dirty="0" smtClean="0">
+                  <a:latin typeface="Cairo" pitchFamily="2" charset="-78"/>
+                  <a:cs typeface="Cairo" pitchFamily="2" charset="-78"/>
+                </a:rPr>
+                <a:t>eshop.html</a:t>
+              </a:r>
+              <a:endParaRPr lang="ko-KR" altLang="en-US" sz="1400" dirty="0">
+                <a:latin typeface="Cairo" pitchFamily="2" charset="-78"/>
+                <a:cs typeface="Cairo" pitchFamily="2" charset="-78"/>
+              </a:endParaRPr>
+            </a:p>
+          </p:txBody>
+        </p:sp>
+      </p:grpSp>
+      <p:grpSp>
+        <p:nvGrpSpPr>
+          <p:cNvPr id="10" name="그룹 9"/>
+          <p:cNvGrpSpPr/>
+          <p:nvPr/>
+        </p:nvGrpSpPr>
+        <p:grpSpPr>
+          <a:xfrm>
+            <a:off x="4656000" y="2349000"/>
+            <a:ext cx="1440000" cy="667777"/>
+            <a:chOff x="3216000" y="2349000"/>
+            <a:chExt cx="1440000" cy="667777"/>
+          </a:xfrm>
+        </p:grpSpPr>
+        <p:sp>
+          <p:nvSpPr>
+            <p:cNvPr id="16" name="직사각형 15"/>
+            <p:cNvSpPr/>
+            <p:nvPr/>
+          </p:nvSpPr>
+          <p:spPr>
+            <a:xfrm>
+              <a:off x="3216000" y="2349000"/>
+              <a:ext cx="1440000" cy="360000"/>
+            </a:xfrm>
+            <a:prstGeom prst="rect">
+              <a:avLst/>
+            </a:prstGeom>
+            <a:solidFill>
+              <a:srgbClr val="E7C3A2"/>
+            </a:solidFill>
+            <a:ln>
+              <a:noFill/>
+            </a:ln>
+          </p:spPr>
+          <p:style>
+            <a:lnRef idx="2">
+              <a:schemeClr val="accent1">
+                <a:shade val="50000"/>
+              </a:schemeClr>
+            </a:lnRef>
+            <a:fillRef idx="1">
+              <a:schemeClr val="accent1"/>
+            </a:fillRef>
+            <a:effectRef idx="0">
+              <a:schemeClr val="accent1"/>
+            </a:effectRef>
+            <a:fontRef idx="minor">
+              <a:schemeClr val="lt1"/>
+            </a:fontRef>
+          </p:style>
+          <p:txBody>
+            <a:bodyPr rtlCol="0" anchor="ctr"/>
+            <a:lstStyle/>
+            <a:p>
+              <a:pPr algn="ctr"/>
+              <a:r>
+                <a:rPr lang="en-US" altLang="ko-KR" dirty="0" smtClean="0">
+                  <a:solidFill>
+                    <a:schemeClr val="bg1"/>
+                  </a:solidFill>
+                  <a:latin typeface="+mn-ea"/>
+                </a:rPr>
+                <a:t>EVENT</a:t>
+              </a:r>
+              <a:endParaRPr lang="ko-KR" altLang="en-US" dirty="0">
+                <a:solidFill>
+                  <a:schemeClr val="bg1"/>
+                </a:solidFill>
+                <a:latin typeface="+mn-ea"/>
+              </a:endParaRPr>
+            </a:p>
+          </p:txBody>
+        </p:sp>
+        <p:sp>
+          <p:nvSpPr>
+            <p:cNvPr id="22" name="TextBox 21"/>
+            <p:cNvSpPr txBox="1"/>
+            <p:nvPr/>
+          </p:nvSpPr>
+          <p:spPr>
+            <a:xfrm>
+              <a:off x="3216000" y="2709000"/>
+              <a:ext cx="1440000" cy="307777"/>
+            </a:xfrm>
+            <a:prstGeom prst="rect">
+              <a:avLst/>
+            </a:prstGeom>
+            <a:noFill/>
+          </p:spPr>
+          <p:txBody>
+            <a:bodyPr wrap="square" rtlCol="0">
+              <a:spAutoFit/>
+            </a:bodyPr>
+            <a:lstStyle/>
+            <a:p>
+              <a:pPr algn="ctr"/>
+              <a:r>
+                <a:rPr lang="en-US" altLang="ko-KR" sz="1400" dirty="0" smtClean="0">
+                  <a:latin typeface="Cairo" pitchFamily="2" charset="-78"/>
+                  <a:cs typeface="Cairo" pitchFamily="2" charset="-78"/>
+                </a:rPr>
+                <a:t>event</a:t>
+              </a:r>
+              <a:r>
+                <a:rPr lang="en-US" altLang="ko-KR" sz="1400" dirty="0" smtClean="0">
+                  <a:latin typeface="Cairo" pitchFamily="2" charset="-78"/>
+                  <a:cs typeface="Cairo" pitchFamily="2" charset="-78"/>
+                </a:rPr>
+                <a:t>.html</a:t>
+              </a:r>
+              <a:endParaRPr lang="ko-KR" altLang="en-US" sz="1400" dirty="0">
+                <a:latin typeface="Cairo" pitchFamily="2" charset="-78"/>
+                <a:cs typeface="Cairo" pitchFamily="2" charset="-78"/>
+              </a:endParaRPr>
+            </a:p>
+          </p:txBody>
+        </p:sp>
+      </p:grpSp>
+      <p:grpSp>
+        <p:nvGrpSpPr>
+          <p:cNvPr id="2" name="그룹 1"/>
+          <p:cNvGrpSpPr/>
+          <p:nvPr/>
+        </p:nvGrpSpPr>
+        <p:grpSpPr>
+          <a:xfrm>
+            <a:off x="8256000" y="2349000"/>
+            <a:ext cx="1440000" cy="667777"/>
+            <a:chOff x="7536000" y="2349000"/>
+            <a:chExt cx="1440000" cy="667777"/>
+          </a:xfrm>
+        </p:grpSpPr>
+        <p:sp>
+          <p:nvSpPr>
+            <p:cNvPr id="18" name="직사각형 17"/>
+            <p:cNvSpPr/>
+            <p:nvPr/>
+          </p:nvSpPr>
+          <p:spPr>
+            <a:xfrm>
+              <a:off x="7536000" y="2349000"/>
+              <a:ext cx="1440000" cy="360000"/>
+            </a:xfrm>
+            <a:prstGeom prst="rect">
+              <a:avLst/>
+            </a:prstGeom>
+            <a:solidFill>
+              <a:srgbClr val="E7C3A2"/>
+            </a:solidFill>
+            <a:ln>
+              <a:noFill/>
+            </a:ln>
+          </p:spPr>
+          <p:style>
+            <a:lnRef idx="2">
+              <a:schemeClr val="accent1">
+                <a:shade val="50000"/>
+              </a:schemeClr>
+            </a:lnRef>
+            <a:fillRef idx="1">
+              <a:schemeClr val="accent1"/>
+            </a:fillRef>
+            <a:effectRef idx="0">
+              <a:schemeClr val="accent1"/>
+            </a:effectRef>
+            <a:fontRef idx="minor">
+              <a:schemeClr val="lt1"/>
+            </a:fontRef>
+          </p:style>
+          <p:txBody>
+            <a:bodyPr rtlCol="0" anchor="ctr"/>
+            <a:lstStyle/>
+            <a:p>
+              <a:pPr algn="ctr"/>
+              <a:r>
+                <a:rPr lang="ko-KR" altLang="en-US" dirty="0" err="1" smtClean="0">
+                  <a:solidFill>
+                    <a:schemeClr val="bg1"/>
+                  </a:solidFill>
+                  <a:latin typeface="+mn-ea"/>
+                </a:rPr>
+                <a:t>니콘스쿨</a:t>
+              </a:r>
+              <a:endParaRPr lang="ko-KR" altLang="en-US" dirty="0">
+                <a:solidFill>
+                  <a:schemeClr val="bg1"/>
+                </a:solidFill>
+                <a:latin typeface="+mn-ea"/>
+              </a:endParaRPr>
+            </a:p>
+          </p:txBody>
+        </p:sp>
+        <p:sp>
+          <p:nvSpPr>
+            <p:cNvPr id="23" name="TextBox 22"/>
+            <p:cNvSpPr txBox="1"/>
+            <p:nvPr/>
+          </p:nvSpPr>
+          <p:spPr>
+            <a:xfrm>
+              <a:off x="7536000" y="2709000"/>
+              <a:ext cx="1440000" cy="307777"/>
+            </a:xfrm>
+            <a:prstGeom prst="rect">
+              <a:avLst/>
+            </a:prstGeom>
+            <a:noFill/>
+          </p:spPr>
+          <p:txBody>
+            <a:bodyPr wrap="square" rtlCol="0">
+              <a:spAutoFit/>
+            </a:bodyPr>
+            <a:lstStyle/>
+            <a:p>
+              <a:pPr algn="ctr"/>
+              <a:r>
+                <a:rPr lang="en-US" altLang="ko-KR" sz="1400" dirty="0" smtClean="0">
+                  <a:latin typeface="Cairo" pitchFamily="2" charset="-78"/>
+                  <a:cs typeface="Cairo" pitchFamily="2" charset="-78"/>
+                </a:rPr>
+                <a:t>school</a:t>
+              </a:r>
+              <a:r>
+                <a:rPr lang="en-US" altLang="ko-KR" sz="1400" dirty="0" smtClean="0">
+                  <a:latin typeface="Cairo" pitchFamily="2" charset="-78"/>
+                  <a:cs typeface="Cairo" pitchFamily="2" charset="-78"/>
+                </a:rPr>
+                <a:t>.html</a:t>
+              </a:r>
+              <a:endParaRPr lang="ko-KR" altLang="en-US" sz="1400" dirty="0">
+                <a:latin typeface="Cairo" pitchFamily="2" charset="-78"/>
+                <a:cs typeface="Cairo" pitchFamily="2" charset="-78"/>
+              </a:endParaRPr>
+            </a:p>
+          </p:txBody>
+        </p:sp>
+      </p:grpSp>
+      <p:grpSp>
+        <p:nvGrpSpPr>
+          <p:cNvPr id="8" name="그룹 7"/>
+          <p:cNvGrpSpPr/>
+          <p:nvPr/>
+        </p:nvGrpSpPr>
+        <p:grpSpPr>
+          <a:xfrm>
+            <a:off x="6456000" y="2349000"/>
+            <a:ext cx="1440000" cy="667777"/>
+            <a:chOff x="5376000" y="2349000"/>
+            <a:chExt cx="1440000" cy="667777"/>
+          </a:xfrm>
+        </p:grpSpPr>
+        <p:sp>
+          <p:nvSpPr>
+            <p:cNvPr id="17" name="직사각형 16"/>
+            <p:cNvSpPr/>
+            <p:nvPr/>
+          </p:nvSpPr>
+          <p:spPr>
+            <a:xfrm>
+              <a:off x="5376000" y="2349000"/>
+              <a:ext cx="1440000" cy="360000"/>
+            </a:xfrm>
+            <a:prstGeom prst="rect">
+              <a:avLst/>
+            </a:prstGeom>
+            <a:solidFill>
+              <a:srgbClr val="E7C3A2"/>
+            </a:solidFill>
+            <a:ln>
+              <a:noFill/>
+            </a:ln>
+          </p:spPr>
+          <p:style>
+            <a:lnRef idx="2">
+              <a:schemeClr val="accent1">
+                <a:shade val="50000"/>
+              </a:schemeClr>
+            </a:lnRef>
+            <a:fillRef idx="1">
+              <a:schemeClr val="accent1"/>
+            </a:fillRef>
+            <a:effectRef idx="0">
+              <a:schemeClr val="accent1"/>
+            </a:effectRef>
+            <a:fontRef idx="minor">
+              <a:schemeClr val="lt1"/>
+            </a:fontRef>
+          </p:style>
+          <p:txBody>
+            <a:bodyPr rtlCol="0" anchor="ctr"/>
+            <a:lstStyle/>
+            <a:p>
+              <a:pPr algn="ctr"/>
+              <a:r>
+                <a:rPr lang="en-US" altLang="ko-KR" dirty="0" smtClean="0">
+                  <a:solidFill>
+                    <a:schemeClr val="bg1"/>
+                  </a:solidFill>
+                  <a:latin typeface="+mn-ea"/>
+                </a:rPr>
+                <a:t>CLUB:N</a:t>
+              </a:r>
+              <a:endParaRPr lang="ko-KR" altLang="en-US" dirty="0">
+                <a:solidFill>
+                  <a:schemeClr val="bg1"/>
+                </a:solidFill>
+                <a:latin typeface="+mn-ea"/>
+              </a:endParaRPr>
+            </a:p>
+          </p:txBody>
+        </p:sp>
+        <p:sp>
+          <p:nvSpPr>
+            <p:cNvPr id="24" name="TextBox 23"/>
+            <p:cNvSpPr txBox="1"/>
+            <p:nvPr/>
+          </p:nvSpPr>
+          <p:spPr>
+            <a:xfrm>
+              <a:off x="5376000" y="2709000"/>
+              <a:ext cx="1440000" cy="307777"/>
+            </a:xfrm>
+            <a:prstGeom prst="rect">
+              <a:avLst/>
+            </a:prstGeom>
+            <a:noFill/>
+          </p:spPr>
+          <p:txBody>
+            <a:bodyPr wrap="square" rtlCol="0">
+              <a:spAutoFit/>
+            </a:bodyPr>
+            <a:lstStyle/>
+            <a:p>
+              <a:pPr algn="ctr"/>
+              <a:r>
+                <a:rPr lang="en-US" altLang="ko-KR" sz="1400" dirty="0" smtClean="0">
+                  <a:latin typeface="Cairo" pitchFamily="2" charset="-78"/>
+                  <a:cs typeface="Cairo" pitchFamily="2" charset="-78"/>
+                </a:rPr>
+                <a:t>club</a:t>
+              </a:r>
+              <a:r>
+                <a:rPr lang="en-US" altLang="ko-KR" sz="1400" dirty="0" smtClean="0">
+                  <a:latin typeface="Cairo" pitchFamily="2" charset="-78"/>
+                  <a:cs typeface="Cairo" pitchFamily="2" charset="-78"/>
+                </a:rPr>
+                <a:t>.html</a:t>
+              </a:r>
+              <a:endParaRPr lang="ko-KR" altLang="en-US" sz="1400" dirty="0">
+                <a:latin typeface="Cairo" pitchFamily="2" charset="-78"/>
+                <a:cs typeface="Cairo" pitchFamily="2" charset="-78"/>
+              </a:endParaRPr>
+            </a:p>
+          </p:txBody>
+        </p:sp>
+      </p:grpSp>
+      <p:grpSp>
+        <p:nvGrpSpPr>
+          <p:cNvPr id="3" name="그룹 2"/>
+          <p:cNvGrpSpPr/>
+          <p:nvPr/>
+        </p:nvGrpSpPr>
+        <p:grpSpPr>
+          <a:xfrm>
+            <a:off x="10056000" y="2349000"/>
+            <a:ext cx="1440000" cy="667777"/>
+            <a:chOff x="9696000" y="2349000"/>
+            <a:chExt cx="1440000" cy="667777"/>
+          </a:xfrm>
+        </p:grpSpPr>
+        <p:sp>
+          <p:nvSpPr>
+            <p:cNvPr id="15" name="직사각형 14"/>
+            <p:cNvSpPr/>
+            <p:nvPr/>
+          </p:nvSpPr>
+          <p:spPr>
+            <a:xfrm>
+              <a:off x="9696000" y="2349000"/>
+              <a:ext cx="1440000" cy="360000"/>
+            </a:xfrm>
+            <a:prstGeom prst="rect">
+              <a:avLst/>
+            </a:prstGeom>
+            <a:solidFill>
+              <a:srgbClr val="E7C3A2"/>
+            </a:solidFill>
+            <a:ln>
+              <a:noFill/>
+            </a:ln>
+          </p:spPr>
+          <p:style>
+            <a:lnRef idx="2">
+              <a:schemeClr val="accent1">
+                <a:shade val="50000"/>
+              </a:schemeClr>
+            </a:lnRef>
+            <a:fillRef idx="1">
+              <a:schemeClr val="accent1"/>
+            </a:fillRef>
+            <a:effectRef idx="0">
+              <a:schemeClr val="accent1"/>
+            </a:effectRef>
+            <a:fontRef idx="minor">
+              <a:schemeClr val="lt1"/>
+            </a:fontRef>
+          </p:style>
+          <p:txBody>
+            <a:bodyPr rtlCol="0" anchor="ctr"/>
+            <a:lstStyle/>
+            <a:p>
+              <a:pPr algn="ctr"/>
+              <a:r>
+                <a:rPr lang="ko-KR" altLang="en-US" dirty="0" smtClean="0">
+                  <a:solidFill>
+                    <a:schemeClr val="bg1"/>
+                  </a:solidFill>
+                  <a:latin typeface="+mn-ea"/>
+                </a:rPr>
+                <a:t>고객지원</a:t>
+              </a:r>
+              <a:endParaRPr lang="ko-KR" altLang="en-US" dirty="0">
+                <a:solidFill>
+                  <a:schemeClr val="bg1"/>
+                </a:solidFill>
+                <a:latin typeface="+mn-ea"/>
+              </a:endParaRPr>
+            </a:p>
+          </p:txBody>
+        </p:sp>
+        <p:sp>
+          <p:nvSpPr>
+            <p:cNvPr id="25" name="TextBox 24"/>
+            <p:cNvSpPr txBox="1"/>
+            <p:nvPr/>
+          </p:nvSpPr>
+          <p:spPr>
+            <a:xfrm>
+              <a:off x="9696000" y="2709000"/>
+              <a:ext cx="1440000" cy="307777"/>
+            </a:xfrm>
+            <a:prstGeom prst="rect">
+              <a:avLst/>
+            </a:prstGeom>
+            <a:noFill/>
+          </p:spPr>
+          <p:txBody>
+            <a:bodyPr wrap="square" rtlCol="0">
+              <a:spAutoFit/>
+            </a:bodyPr>
+            <a:lstStyle/>
+            <a:p>
+              <a:pPr algn="ctr"/>
+              <a:r>
+                <a:rPr lang="en-US" altLang="ko-KR" sz="1400" dirty="0" smtClean="0">
+                  <a:latin typeface="Cairo" pitchFamily="2" charset="-78"/>
+                  <a:cs typeface="Cairo" pitchFamily="2" charset="-78"/>
+                </a:rPr>
+                <a:t>support</a:t>
+              </a:r>
+              <a:r>
+                <a:rPr lang="en-US" altLang="ko-KR" sz="1400" dirty="0" smtClean="0">
+                  <a:latin typeface="Cairo" pitchFamily="2" charset="-78"/>
+                  <a:cs typeface="Cairo" pitchFamily="2" charset="-78"/>
+                </a:rPr>
+                <a:t>.html</a:t>
+              </a:r>
+              <a:endParaRPr lang="ko-KR" altLang="en-US" sz="1400" dirty="0">
+                <a:latin typeface="Cairo" pitchFamily="2" charset="-78"/>
+                <a:cs typeface="Cairo" pitchFamily="2" charset="-78"/>
+              </a:endParaRPr>
+            </a:p>
+          </p:txBody>
+        </p:sp>
+      </p:grpSp>
+      <p:sp>
+        <p:nvSpPr>
+          <p:cNvPr id="26" name="직사각형 25"/>
+          <p:cNvSpPr/>
+          <p:nvPr/>
+        </p:nvSpPr>
+        <p:spPr>
+          <a:xfrm>
+            <a:off x="1056000" y="3429000"/>
+            <a:ext cx="1440000" cy="360000"/>
+          </a:xfrm>
+          <a:prstGeom prst="rect">
+            <a:avLst/>
+          </a:prstGeom>
+          <a:solidFill>
+            <a:schemeClr val="tx1">
+              <a:lumMod val="65000"/>
+              <a:lumOff val="35000"/>
+            </a:schemeClr>
+          </a:solidFill>
+          <a:ln>
+            <a:noFill/>
           </a:ln>
         </p:spPr>
         <p:style>
@@ -8000,33 +10628,966 @@
           </a:fontRef>
         </p:style>
         <p:txBody>
-          <a:bodyPr anchor="ctr"/>
-          <a:lstStyle/>
-          <a:p>
-            <a:pPr algn="ctr">
-              <a:defRPr/>
-            </a:pPr>
-            <a:r>
-              <a:rPr lang="ko-KR" altLang="en-US" sz="2800">
+          <a:bodyPr rtlCol="0" anchor="ctr"/>
+          <a:lstStyle/>
+          <a:p>
+            <a:pPr algn="ctr"/>
+            <a:r>
+              <a:rPr lang="en-US" altLang="ko-KR" sz="1200" dirty="0" smtClean="0">
                 <a:solidFill>
-                  <a:srgbClr val="FEE600"/>
+                  <a:schemeClr val="bg1">
+                    <a:lumMod val="95000"/>
+                  </a:schemeClr>
+                </a:solidFill>
+                <a:latin typeface="Cairo" pitchFamily="2" charset="-78"/>
+                <a:cs typeface="Cairo" pitchFamily="2" charset="-78"/>
+              </a:rPr>
+              <a:t>SRL</a:t>
+            </a:r>
+            <a:endParaRPr lang="ko-KR" altLang="en-US" sz="1200" dirty="0">
+              <a:solidFill>
+                <a:schemeClr val="bg1">
+                  <a:lumMod val="95000"/>
+                </a:schemeClr>
+              </a:solidFill>
+              <a:latin typeface="Cairo" pitchFamily="2" charset="-78"/>
+              <a:cs typeface="Cairo" pitchFamily="2" charset="-78"/>
+            </a:endParaRPr>
+          </a:p>
+        </p:txBody>
+      </p:sp>
+      <p:sp>
+        <p:nvSpPr>
+          <p:cNvPr id="27" name="직사각형 26"/>
+          <p:cNvSpPr/>
+          <p:nvPr/>
+        </p:nvSpPr>
+        <p:spPr>
+          <a:xfrm>
+            <a:off x="1056000" y="4149000"/>
+            <a:ext cx="1440000" cy="360000"/>
+          </a:xfrm>
+          <a:prstGeom prst="rect">
+            <a:avLst/>
+          </a:prstGeom>
+          <a:solidFill>
+            <a:schemeClr val="tx1">
+              <a:lumMod val="65000"/>
+              <a:lumOff val="35000"/>
+            </a:schemeClr>
+          </a:solidFill>
+          <a:ln>
+            <a:noFill/>
+          </a:ln>
+        </p:spPr>
+        <p:style>
+          <a:lnRef idx="2">
+            <a:schemeClr val="accent1">
+              <a:shade val="50000"/>
+            </a:schemeClr>
+          </a:lnRef>
+          <a:fillRef idx="1">
+            <a:schemeClr val="accent1"/>
+          </a:fillRef>
+          <a:effectRef idx="0">
+            <a:schemeClr val="accent1"/>
+          </a:effectRef>
+          <a:fontRef idx="minor">
+            <a:schemeClr val="lt1"/>
+          </a:fontRef>
+        </p:style>
+        <p:txBody>
+          <a:bodyPr rtlCol="0" anchor="ctr"/>
+          <a:lstStyle/>
+          <a:p>
+            <a:pPr algn="ctr"/>
+            <a:r>
+              <a:rPr lang="ko-KR" altLang="en-US" sz="1200" dirty="0" err="1" smtClean="0">
+                <a:solidFill>
+                  <a:schemeClr val="bg1">
+                    <a:lumMod val="95000"/>
+                  </a:schemeClr>
                 </a:solidFill>
               </a:rPr>
-              <a:t>편리성</a:t>
-            </a:r>
-          </a:p>
-        </p:txBody>
-      </p:sp>
-      <p:sp>
-        <p:nvSpPr>
-          <p:cNvPr id="12" name="TextBox 11"/>
+              <a:t>미러리스</a:t>
+            </a:r>
+            <a:endParaRPr lang="ko-KR" altLang="en-US" sz="1200" dirty="0">
+              <a:solidFill>
+                <a:schemeClr val="bg1">
+                  <a:lumMod val="95000"/>
+                </a:schemeClr>
+              </a:solidFill>
+            </a:endParaRPr>
+          </a:p>
+        </p:txBody>
+      </p:sp>
+      <p:sp>
+        <p:nvSpPr>
+          <p:cNvPr id="28" name="직사각형 27"/>
+          <p:cNvSpPr/>
+          <p:nvPr/>
+        </p:nvSpPr>
+        <p:spPr>
+          <a:xfrm>
+            <a:off x="1056000" y="4869000"/>
+            <a:ext cx="1440000" cy="360000"/>
+          </a:xfrm>
+          <a:prstGeom prst="rect">
+            <a:avLst/>
+          </a:prstGeom>
+          <a:solidFill>
+            <a:schemeClr val="tx1">
+              <a:lumMod val="65000"/>
+              <a:lumOff val="35000"/>
+            </a:schemeClr>
+          </a:solidFill>
+          <a:ln>
+            <a:noFill/>
+          </a:ln>
+        </p:spPr>
+        <p:style>
+          <a:lnRef idx="2">
+            <a:schemeClr val="accent1">
+              <a:shade val="50000"/>
+            </a:schemeClr>
+          </a:lnRef>
+          <a:fillRef idx="1">
+            <a:schemeClr val="accent1"/>
+          </a:fillRef>
+          <a:effectRef idx="0">
+            <a:schemeClr val="accent1"/>
+          </a:effectRef>
+          <a:fontRef idx="minor">
+            <a:schemeClr val="lt1"/>
+          </a:fontRef>
+        </p:style>
+        <p:txBody>
+          <a:bodyPr rtlCol="0" anchor="ctr"/>
+          <a:lstStyle/>
+          <a:p>
+            <a:pPr algn="ctr"/>
+            <a:r>
+              <a:rPr lang="ko-KR" altLang="en-US" sz="1200" dirty="0" err="1" smtClean="0">
+                <a:solidFill>
+                  <a:schemeClr val="bg1">
+                    <a:lumMod val="95000"/>
+                  </a:schemeClr>
+                </a:solidFill>
+              </a:rPr>
+              <a:t>콤펙트</a:t>
+            </a:r>
+            <a:endParaRPr lang="ko-KR" altLang="en-US" sz="1200" dirty="0">
+              <a:solidFill>
+                <a:schemeClr val="bg1">
+                  <a:lumMod val="95000"/>
+                </a:schemeClr>
+              </a:solidFill>
+            </a:endParaRPr>
+          </a:p>
+        </p:txBody>
+      </p:sp>
+      <p:sp>
+        <p:nvSpPr>
+          <p:cNvPr id="29" name="직사각형 28"/>
+          <p:cNvSpPr/>
+          <p:nvPr/>
+        </p:nvSpPr>
+        <p:spPr>
+          <a:xfrm>
+            <a:off x="2856000" y="3429000"/>
+            <a:ext cx="1440000" cy="360000"/>
+          </a:xfrm>
+          <a:prstGeom prst="rect">
+            <a:avLst/>
+          </a:prstGeom>
+          <a:solidFill>
+            <a:schemeClr val="tx1">
+              <a:lumMod val="65000"/>
+              <a:lumOff val="35000"/>
+            </a:schemeClr>
+          </a:solidFill>
+          <a:ln>
+            <a:noFill/>
+          </a:ln>
+        </p:spPr>
+        <p:style>
+          <a:lnRef idx="2">
+            <a:schemeClr val="accent1">
+              <a:shade val="50000"/>
+            </a:schemeClr>
+          </a:lnRef>
+          <a:fillRef idx="1">
+            <a:schemeClr val="accent1"/>
+          </a:fillRef>
+          <a:effectRef idx="0">
+            <a:schemeClr val="accent1"/>
+          </a:effectRef>
+          <a:fontRef idx="minor">
+            <a:schemeClr val="lt1"/>
+          </a:fontRef>
+        </p:style>
+        <p:txBody>
+          <a:bodyPr rtlCol="0" anchor="ctr"/>
+          <a:lstStyle/>
+          <a:p>
+            <a:pPr algn="ctr"/>
+            <a:r>
+              <a:rPr lang="ko-KR" altLang="en-US" sz="1200" dirty="0" smtClean="0">
+                <a:solidFill>
+                  <a:schemeClr val="bg1">
+                    <a:lumMod val="95000"/>
+                  </a:schemeClr>
+                </a:solidFill>
+              </a:rPr>
+              <a:t>제품별 구매</a:t>
+            </a:r>
+            <a:endParaRPr lang="ko-KR" altLang="en-US" sz="1200" dirty="0">
+              <a:solidFill>
+                <a:schemeClr val="bg1">
+                  <a:lumMod val="95000"/>
+                </a:schemeClr>
+              </a:solidFill>
+            </a:endParaRPr>
+          </a:p>
+        </p:txBody>
+      </p:sp>
+      <p:sp>
+        <p:nvSpPr>
+          <p:cNvPr id="30" name="직사각형 29"/>
+          <p:cNvSpPr/>
+          <p:nvPr/>
+        </p:nvSpPr>
+        <p:spPr>
+          <a:xfrm>
+            <a:off x="2856000" y="4149000"/>
+            <a:ext cx="1440000" cy="360000"/>
+          </a:xfrm>
+          <a:prstGeom prst="rect">
+            <a:avLst/>
+          </a:prstGeom>
+          <a:solidFill>
+            <a:schemeClr val="tx1">
+              <a:lumMod val="65000"/>
+              <a:lumOff val="35000"/>
+            </a:schemeClr>
+          </a:solidFill>
+          <a:ln>
+            <a:noFill/>
+          </a:ln>
+        </p:spPr>
+        <p:style>
+          <a:lnRef idx="2">
+            <a:schemeClr val="accent1">
+              <a:shade val="50000"/>
+            </a:schemeClr>
+          </a:lnRef>
+          <a:fillRef idx="1">
+            <a:schemeClr val="accent1"/>
+          </a:fillRef>
+          <a:effectRef idx="0">
+            <a:schemeClr val="accent1"/>
+          </a:effectRef>
+          <a:fontRef idx="minor">
+            <a:schemeClr val="lt1"/>
+          </a:fontRef>
+        </p:style>
+        <p:txBody>
+          <a:bodyPr rtlCol="0" anchor="ctr"/>
+          <a:lstStyle/>
+          <a:p>
+            <a:pPr algn="ctr"/>
+            <a:r>
+              <a:rPr lang="ko-KR" altLang="en-US" sz="1200" dirty="0" err="1" smtClean="0">
+                <a:solidFill>
+                  <a:schemeClr val="bg1">
+                    <a:lumMod val="95000"/>
+                  </a:schemeClr>
+                </a:solidFill>
+              </a:rPr>
+              <a:t>페키지</a:t>
+            </a:r>
+            <a:r>
+              <a:rPr lang="en-US" altLang="ko-KR" sz="1200" dirty="0" smtClean="0">
+                <a:solidFill>
+                  <a:schemeClr val="bg1">
+                    <a:lumMod val="95000"/>
+                  </a:schemeClr>
+                </a:solidFill>
+              </a:rPr>
+              <a:t>/</a:t>
+            </a:r>
+            <a:r>
+              <a:rPr lang="ko-KR" altLang="en-US" sz="1200" dirty="0" smtClean="0">
+                <a:solidFill>
+                  <a:schemeClr val="bg1">
+                    <a:lumMod val="95000"/>
+                  </a:schemeClr>
+                </a:solidFill>
+              </a:rPr>
+              <a:t>아울렛</a:t>
+            </a:r>
+            <a:endParaRPr lang="ko-KR" altLang="en-US" sz="1200" dirty="0">
+              <a:solidFill>
+                <a:schemeClr val="bg1">
+                  <a:lumMod val="95000"/>
+                </a:schemeClr>
+              </a:solidFill>
+            </a:endParaRPr>
+          </a:p>
+        </p:txBody>
+      </p:sp>
+      <p:sp>
+        <p:nvSpPr>
+          <p:cNvPr id="31" name="직사각형 30"/>
+          <p:cNvSpPr/>
+          <p:nvPr/>
+        </p:nvSpPr>
+        <p:spPr>
+          <a:xfrm>
+            <a:off x="2856000" y="4869000"/>
+            <a:ext cx="1440000" cy="360000"/>
+          </a:xfrm>
+          <a:prstGeom prst="rect">
+            <a:avLst/>
+          </a:prstGeom>
+          <a:solidFill>
+            <a:schemeClr val="tx1">
+              <a:lumMod val="65000"/>
+              <a:lumOff val="35000"/>
+            </a:schemeClr>
+          </a:solidFill>
+          <a:ln>
+            <a:noFill/>
+          </a:ln>
+        </p:spPr>
+        <p:style>
+          <a:lnRef idx="2">
+            <a:schemeClr val="accent1">
+              <a:shade val="50000"/>
+            </a:schemeClr>
+          </a:lnRef>
+          <a:fillRef idx="1">
+            <a:schemeClr val="accent1"/>
+          </a:fillRef>
+          <a:effectRef idx="0">
+            <a:schemeClr val="accent1"/>
+          </a:effectRef>
+          <a:fontRef idx="minor">
+            <a:schemeClr val="lt1"/>
+          </a:fontRef>
+        </p:style>
+        <p:txBody>
+          <a:bodyPr rtlCol="0" anchor="ctr"/>
+          <a:lstStyle/>
+          <a:p>
+            <a:pPr algn="ctr"/>
+            <a:r>
+              <a:rPr lang="ko-KR" altLang="en-US" sz="1200" dirty="0" smtClean="0">
+                <a:solidFill>
+                  <a:schemeClr val="bg1">
+                    <a:lumMod val="95000"/>
+                  </a:schemeClr>
+                </a:solidFill>
+              </a:rPr>
+              <a:t>타임세일</a:t>
+            </a:r>
+            <a:endParaRPr lang="ko-KR" altLang="en-US" sz="1200" dirty="0">
+              <a:solidFill>
+                <a:schemeClr val="bg1">
+                  <a:lumMod val="95000"/>
+                </a:schemeClr>
+              </a:solidFill>
+            </a:endParaRPr>
+          </a:p>
+        </p:txBody>
+      </p:sp>
+      <p:sp>
+        <p:nvSpPr>
+          <p:cNvPr id="32" name="직사각형 31"/>
+          <p:cNvSpPr/>
+          <p:nvPr/>
+        </p:nvSpPr>
+        <p:spPr>
+          <a:xfrm>
+            <a:off x="4656000" y="3429000"/>
+            <a:ext cx="1440000" cy="360000"/>
+          </a:xfrm>
+          <a:prstGeom prst="rect">
+            <a:avLst/>
+          </a:prstGeom>
+          <a:solidFill>
+            <a:schemeClr val="tx1">
+              <a:lumMod val="65000"/>
+              <a:lumOff val="35000"/>
+            </a:schemeClr>
+          </a:solidFill>
+          <a:ln>
+            <a:noFill/>
+          </a:ln>
+        </p:spPr>
+        <p:style>
+          <a:lnRef idx="2">
+            <a:schemeClr val="accent1">
+              <a:shade val="50000"/>
+            </a:schemeClr>
+          </a:lnRef>
+          <a:fillRef idx="1">
+            <a:schemeClr val="accent1"/>
+          </a:fillRef>
+          <a:effectRef idx="0">
+            <a:schemeClr val="accent1"/>
+          </a:effectRef>
+          <a:fontRef idx="minor">
+            <a:schemeClr val="lt1"/>
+          </a:fontRef>
+        </p:style>
+        <p:txBody>
+          <a:bodyPr rtlCol="0" anchor="ctr"/>
+          <a:lstStyle/>
+          <a:p>
+            <a:pPr algn="ctr"/>
+            <a:r>
+              <a:rPr lang="ko-KR" altLang="en-US" sz="1200" dirty="0" smtClean="0">
+                <a:solidFill>
+                  <a:schemeClr val="bg1">
+                    <a:lumMod val="95000"/>
+                  </a:schemeClr>
+                </a:solidFill>
+              </a:rPr>
+              <a:t>진행중인 이벤트</a:t>
+            </a:r>
+            <a:endParaRPr lang="ko-KR" altLang="en-US" sz="1200" dirty="0">
+              <a:solidFill>
+                <a:schemeClr val="bg1">
+                  <a:lumMod val="95000"/>
+                </a:schemeClr>
+              </a:solidFill>
+            </a:endParaRPr>
+          </a:p>
+        </p:txBody>
+      </p:sp>
+      <p:sp>
+        <p:nvSpPr>
+          <p:cNvPr id="33" name="직사각형 32"/>
+          <p:cNvSpPr/>
+          <p:nvPr/>
+        </p:nvSpPr>
+        <p:spPr>
+          <a:xfrm>
+            <a:off x="4656000" y="4149000"/>
+            <a:ext cx="1440000" cy="360000"/>
+          </a:xfrm>
+          <a:prstGeom prst="rect">
+            <a:avLst/>
+          </a:prstGeom>
+          <a:solidFill>
+            <a:schemeClr val="tx1">
+              <a:lumMod val="65000"/>
+              <a:lumOff val="35000"/>
+            </a:schemeClr>
+          </a:solidFill>
+          <a:ln>
+            <a:noFill/>
+          </a:ln>
+        </p:spPr>
+        <p:style>
+          <a:lnRef idx="2">
+            <a:schemeClr val="accent1">
+              <a:shade val="50000"/>
+            </a:schemeClr>
+          </a:lnRef>
+          <a:fillRef idx="1">
+            <a:schemeClr val="accent1"/>
+          </a:fillRef>
+          <a:effectRef idx="0">
+            <a:schemeClr val="accent1"/>
+          </a:effectRef>
+          <a:fontRef idx="minor">
+            <a:schemeClr val="lt1"/>
+          </a:fontRef>
+        </p:style>
+        <p:txBody>
+          <a:bodyPr rtlCol="0" anchor="ctr"/>
+          <a:lstStyle/>
+          <a:p>
+            <a:pPr algn="ctr"/>
+            <a:r>
+              <a:rPr lang="ko-KR" altLang="en-US" sz="1200" dirty="0" smtClean="0">
+                <a:solidFill>
+                  <a:schemeClr val="bg1">
+                    <a:lumMod val="95000"/>
+                  </a:schemeClr>
+                </a:solidFill>
+              </a:rPr>
+              <a:t>종료된 이벤트</a:t>
+            </a:r>
+            <a:endParaRPr lang="ko-KR" altLang="en-US" sz="1200" dirty="0">
+              <a:solidFill>
+                <a:schemeClr val="bg1">
+                  <a:lumMod val="95000"/>
+                </a:schemeClr>
+              </a:solidFill>
+            </a:endParaRPr>
+          </a:p>
+        </p:txBody>
+      </p:sp>
+      <p:sp>
+        <p:nvSpPr>
+          <p:cNvPr id="35" name="직사각형 34"/>
+          <p:cNvSpPr/>
+          <p:nvPr/>
+        </p:nvSpPr>
+        <p:spPr>
+          <a:xfrm>
+            <a:off x="6456000" y="3429000"/>
+            <a:ext cx="1440000" cy="360000"/>
+          </a:xfrm>
+          <a:prstGeom prst="rect">
+            <a:avLst/>
+          </a:prstGeom>
+          <a:solidFill>
+            <a:schemeClr val="tx1">
+              <a:lumMod val="65000"/>
+              <a:lumOff val="35000"/>
+            </a:schemeClr>
+          </a:solidFill>
+          <a:ln>
+            <a:noFill/>
+          </a:ln>
+        </p:spPr>
+        <p:style>
+          <a:lnRef idx="2">
+            <a:schemeClr val="accent1">
+              <a:shade val="50000"/>
+            </a:schemeClr>
+          </a:lnRef>
+          <a:fillRef idx="1">
+            <a:schemeClr val="accent1"/>
+          </a:fillRef>
+          <a:effectRef idx="0">
+            <a:schemeClr val="accent1"/>
+          </a:effectRef>
+          <a:fontRef idx="minor">
+            <a:schemeClr val="lt1"/>
+          </a:fontRef>
+        </p:style>
+        <p:txBody>
+          <a:bodyPr rtlCol="0" anchor="ctr"/>
+          <a:lstStyle/>
+          <a:p>
+            <a:pPr algn="ctr"/>
+            <a:r>
+              <a:rPr lang="en-US" altLang="ko-KR" sz="1200" dirty="0" smtClean="0">
+                <a:solidFill>
+                  <a:schemeClr val="bg1">
+                    <a:lumMod val="95000"/>
+                  </a:schemeClr>
+                </a:solidFill>
+                <a:latin typeface="Cairo" pitchFamily="2" charset="-78"/>
+                <a:cs typeface="Cairo" pitchFamily="2" charset="-78"/>
+              </a:rPr>
+              <a:t>ABOUT CLUB:N</a:t>
+            </a:r>
+            <a:endParaRPr lang="ko-KR" altLang="en-US" sz="1200" dirty="0">
+              <a:solidFill>
+                <a:schemeClr val="bg1">
+                  <a:lumMod val="95000"/>
+                </a:schemeClr>
+              </a:solidFill>
+              <a:latin typeface="Cairo" pitchFamily="2" charset="-78"/>
+              <a:cs typeface="Cairo" pitchFamily="2" charset="-78"/>
+            </a:endParaRPr>
+          </a:p>
+        </p:txBody>
+      </p:sp>
+      <p:sp>
+        <p:nvSpPr>
+          <p:cNvPr id="36" name="직사각형 35"/>
+          <p:cNvSpPr/>
+          <p:nvPr/>
+        </p:nvSpPr>
+        <p:spPr>
+          <a:xfrm>
+            <a:off x="6456000" y="4149000"/>
+            <a:ext cx="1440000" cy="360000"/>
+          </a:xfrm>
+          <a:prstGeom prst="rect">
+            <a:avLst/>
+          </a:prstGeom>
+          <a:solidFill>
+            <a:schemeClr val="tx1">
+              <a:lumMod val="65000"/>
+              <a:lumOff val="35000"/>
+            </a:schemeClr>
+          </a:solidFill>
+          <a:ln>
+            <a:noFill/>
+          </a:ln>
+        </p:spPr>
+        <p:style>
+          <a:lnRef idx="2">
+            <a:schemeClr val="accent1">
+              <a:shade val="50000"/>
+            </a:schemeClr>
+          </a:lnRef>
+          <a:fillRef idx="1">
+            <a:schemeClr val="accent1"/>
+          </a:fillRef>
+          <a:effectRef idx="0">
+            <a:schemeClr val="accent1"/>
+          </a:effectRef>
+          <a:fontRef idx="minor">
+            <a:schemeClr val="lt1"/>
+          </a:fontRef>
+        </p:style>
+        <p:txBody>
+          <a:bodyPr rtlCol="0" anchor="ctr"/>
+          <a:lstStyle/>
+          <a:p>
+            <a:pPr algn="ctr"/>
+            <a:r>
+              <a:rPr lang="en-US" altLang="ko-KR" sz="1200" dirty="0" smtClean="0">
+                <a:solidFill>
+                  <a:schemeClr val="bg1">
+                    <a:lumMod val="95000"/>
+                  </a:schemeClr>
+                </a:solidFill>
+                <a:latin typeface="Cairo" pitchFamily="2" charset="-78"/>
+                <a:cs typeface="Cairo" pitchFamily="2" charset="-78"/>
+              </a:rPr>
+              <a:t>CLUB:N</a:t>
+            </a:r>
+          </a:p>
+          <a:p>
+            <a:pPr algn="ctr"/>
+            <a:r>
+              <a:rPr lang="en-US" altLang="ko-KR" sz="1200" dirty="0" smtClean="0">
+                <a:solidFill>
+                  <a:schemeClr val="bg1">
+                    <a:lumMod val="95000"/>
+                  </a:schemeClr>
+                </a:solidFill>
+                <a:latin typeface="Cairo" pitchFamily="2" charset="-78"/>
+                <a:cs typeface="Cairo" pitchFamily="2" charset="-78"/>
+              </a:rPr>
+              <a:t>MEMBERS</a:t>
+            </a:r>
+            <a:endParaRPr lang="ko-KR" altLang="en-US" sz="1200" dirty="0">
+              <a:solidFill>
+                <a:schemeClr val="bg1">
+                  <a:lumMod val="95000"/>
+                </a:schemeClr>
+              </a:solidFill>
+              <a:latin typeface="Cairo" pitchFamily="2" charset="-78"/>
+              <a:cs typeface="Cairo" pitchFamily="2" charset="-78"/>
+            </a:endParaRPr>
+          </a:p>
+        </p:txBody>
+      </p:sp>
+      <p:sp>
+        <p:nvSpPr>
+          <p:cNvPr id="37" name="직사각형 36"/>
+          <p:cNvSpPr/>
+          <p:nvPr/>
+        </p:nvSpPr>
+        <p:spPr>
+          <a:xfrm>
+            <a:off x="6456000" y="4869000"/>
+            <a:ext cx="1440000" cy="360000"/>
+          </a:xfrm>
+          <a:prstGeom prst="rect">
+            <a:avLst/>
+          </a:prstGeom>
+          <a:solidFill>
+            <a:schemeClr val="tx1">
+              <a:lumMod val="65000"/>
+              <a:lumOff val="35000"/>
+            </a:schemeClr>
+          </a:solidFill>
+          <a:ln>
+            <a:noFill/>
+          </a:ln>
+        </p:spPr>
+        <p:style>
+          <a:lnRef idx="2">
+            <a:schemeClr val="accent1">
+              <a:shade val="50000"/>
+            </a:schemeClr>
+          </a:lnRef>
+          <a:fillRef idx="1">
+            <a:schemeClr val="accent1"/>
+          </a:fillRef>
+          <a:effectRef idx="0">
+            <a:schemeClr val="accent1"/>
+          </a:effectRef>
+          <a:fontRef idx="minor">
+            <a:schemeClr val="lt1"/>
+          </a:fontRef>
+        </p:style>
+        <p:txBody>
+          <a:bodyPr rtlCol="0" anchor="ctr"/>
+          <a:lstStyle/>
+          <a:p>
+            <a:pPr algn="ctr"/>
+            <a:r>
+              <a:rPr lang="ko-KR" altLang="en-US" sz="1200" dirty="0" smtClean="0">
+                <a:solidFill>
+                  <a:schemeClr val="bg1">
+                    <a:lumMod val="95000"/>
+                  </a:schemeClr>
+                </a:solidFill>
+              </a:rPr>
+              <a:t>공지사항</a:t>
+            </a:r>
+            <a:endParaRPr lang="ko-KR" altLang="en-US" sz="1200" dirty="0">
+              <a:solidFill>
+                <a:schemeClr val="bg1">
+                  <a:lumMod val="95000"/>
+                </a:schemeClr>
+              </a:solidFill>
+            </a:endParaRPr>
+          </a:p>
+        </p:txBody>
+      </p:sp>
+      <p:sp>
+        <p:nvSpPr>
+          <p:cNvPr id="38" name="직사각형 37"/>
+          <p:cNvSpPr/>
+          <p:nvPr/>
+        </p:nvSpPr>
+        <p:spPr>
+          <a:xfrm>
+            <a:off x="8256000" y="3429000"/>
+            <a:ext cx="1440000" cy="360000"/>
+          </a:xfrm>
+          <a:prstGeom prst="rect">
+            <a:avLst/>
+          </a:prstGeom>
+          <a:solidFill>
+            <a:schemeClr val="tx1">
+              <a:lumMod val="65000"/>
+              <a:lumOff val="35000"/>
+            </a:schemeClr>
+          </a:solidFill>
+          <a:ln>
+            <a:noFill/>
+          </a:ln>
+        </p:spPr>
+        <p:style>
+          <a:lnRef idx="2">
+            <a:schemeClr val="accent1">
+              <a:shade val="50000"/>
+            </a:schemeClr>
+          </a:lnRef>
+          <a:fillRef idx="1">
+            <a:schemeClr val="accent1"/>
+          </a:fillRef>
+          <a:effectRef idx="0">
+            <a:schemeClr val="accent1"/>
+          </a:effectRef>
+          <a:fontRef idx="minor">
+            <a:schemeClr val="lt1"/>
+          </a:fontRef>
+        </p:style>
+        <p:txBody>
+          <a:bodyPr rtlCol="0" anchor="ctr"/>
+          <a:lstStyle/>
+          <a:p>
+            <a:pPr algn="ctr"/>
+            <a:r>
+              <a:rPr lang="ko-KR" altLang="en-US" sz="1200" dirty="0" smtClean="0">
+                <a:solidFill>
+                  <a:schemeClr val="bg1">
+                    <a:lumMod val="95000"/>
+                  </a:schemeClr>
+                </a:solidFill>
+              </a:rPr>
+              <a:t>안내</a:t>
+            </a:r>
+            <a:endParaRPr lang="ko-KR" altLang="en-US" sz="1200" dirty="0">
+              <a:solidFill>
+                <a:schemeClr val="bg1">
+                  <a:lumMod val="95000"/>
+                </a:schemeClr>
+              </a:solidFill>
+            </a:endParaRPr>
+          </a:p>
+        </p:txBody>
+      </p:sp>
+      <p:sp>
+        <p:nvSpPr>
+          <p:cNvPr id="39" name="직사각형 38"/>
+          <p:cNvSpPr/>
+          <p:nvPr/>
+        </p:nvSpPr>
+        <p:spPr>
+          <a:xfrm>
+            <a:off x="8256000" y="4149000"/>
+            <a:ext cx="1440000" cy="360000"/>
+          </a:xfrm>
+          <a:prstGeom prst="rect">
+            <a:avLst/>
+          </a:prstGeom>
+          <a:solidFill>
+            <a:schemeClr val="tx1">
+              <a:lumMod val="65000"/>
+              <a:lumOff val="35000"/>
+            </a:schemeClr>
+          </a:solidFill>
+          <a:ln>
+            <a:noFill/>
+          </a:ln>
+        </p:spPr>
+        <p:style>
+          <a:lnRef idx="2">
+            <a:schemeClr val="accent1">
+              <a:shade val="50000"/>
+            </a:schemeClr>
+          </a:lnRef>
+          <a:fillRef idx="1">
+            <a:schemeClr val="accent1"/>
+          </a:fillRef>
+          <a:effectRef idx="0">
+            <a:schemeClr val="accent1"/>
+          </a:effectRef>
+          <a:fontRef idx="minor">
+            <a:schemeClr val="lt1"/>
+          </a:fontRef>
+        </p:style>
+        <p:txBody>
+          <a:bodyPr rtlCol="0" anchor="ctr"/>
+          <a:lstStyle/>
+          <a:p>
+            <a:pPr algn="ctr"/>
+            <a:r>
+              <a:rPr lang="ko-KR" altLang="en-US" sz="1200" dirty="0" err="1" smtClean="0">
+                <a:solidFill>
+                  <a:schemeClr val="bg1">
+                    <a:lumMod val="95000"/>
+                  </a:schemeClr>
+                </a:solidFill>
+              </a:rPr>
+              <a:t>강의일정</a:t>
+            </a:r>
+            <a:endParaRPr lang="ko-KR" altLang="en-US" sz="1200" dirty="0">
+              <a:solidFill>
+                <a:schemeClr val="bg1">
+                  <a:lumMod val="95000"/>
+                </a:schemeClr>
+              </a:solidFill>
+            </a:endParaRPr>
+          </a:p>
+        </p:txBody>
+      </p:sp>
+      <p:sp>
+        <p:nvSpPr>
+          <p:cNvPr id="40" name="직사각형 39"/>
+          <p:cNvSpPr/>
+          <p:nvPr/>
+        </p:nvSpPr>
+        <p:spPr>
+          <a:xfrm>
+            <a:off x="2856000" y="5589000"/>
+            <a:ext cx="1440000" cy="360000"/>
+          </a:xfrm>
+          <a:prstGeom prst="rect">
+            <a:avLst/>
+          </a:prstGeom>
+          <a:solidFill>
+            <a:schemeClr val="tx1">
+              <a:lumMod val="65000"/>
+              <a:lumOff val="35000"/>
+            </a:schemeClr>
+          </a:solidFill>
+          <a:ln>
+            <a:noFill/>
+          </a:ln>
+        </p:spPr>
+        <p:style>
+          <a:lnRef idx="2">
+            <a:schemeClr val="accent1">
+              <a:shade val="50000"/>
+            </a:schemeClr>
+          </a:lnRef>
+          <a:fillRef idx="1">
+            <a:schemeClr val="accent1"/>
+          </a:fillRef>
+          <a:effectRef idx="0">
+            <a:schemeClr val="accent1"/>
+          </a:effectRef>
+          <a:fontRef idx="minor">
+            <a:schemeClr val="lt1"/>
+          </a:fontRef>
+        </p:style>
+        <p:txBody>
+          <a:bodyPr rtlCol="0" anchor="ctr"/>
+          <a:lstStyle/>
+          <a:p>
+            <a:pPr algn="ctr"/>
+            <a:r>
+              <a:rPr lang="en-US" altLang="ko-KR" sz="1200" dirty="0" smtClean="0">
+                <a:solidFill>
+                  <a:schemeClr val="bg1">
+                    <a:lumMod val="95000"/>
+                  </a:schemeClr>
+                </a:solidFill>
+                <a:latin typeface="Cairo" pitchFamily="2" charset="-78"/>
+                <a:cs typeface="Cairo" pitchFamily="2" charset="-78"/>
+              </a:rPr>
+              <a:t>N Point Town</a:t>
+            </a:r>
+            <a:endParaRPr lang="ko-KR" altLang="en-US" sz="1200" dirty="0">
+              <a:solidFill>
+                <a:schemeClr val="bg1">
+                  <a:lumMod val="95000"/>
+                </a:schemeClr>
+              </a:solidFill>
+              <a:latin typeface="Cairo" pitchFamily="2" charset="-78"/>
+              <a:cs typeface="Cairo" pitchFamily="2" charset="-78"/>
+            </a:endParaRPr>
+          </a:p>
+        </p:txBody>
+      </p:sp>
+      <p:cxnSp>
+        <p:nvCxnSpPr>
+          <p:cNvPr id="58" name="직선 연결선 57"/>
+          <p:cNvCxnSpPr/>
+          <p:nvPr/>
+        </p:nvCxnSpPr>
+        <p:spPr>
+          <a:xfrm>
+            <a:off x="1056000" y="3069000"/>
+            <a:ext cx="10440000" cy="0"/>
+          </a:xfrm>
+          <a:prstGeom prst="line">
+            <a:avLst/>
+          </a:prstGeom>
+        </p:spPr>
+        <p:style>
+          <a:lnRef idx="1">
+            <a:schemeClr val="dk1"/>
+          </a:lnRef>
+          <a:fillRef idx="0">
+            <a:schemeClr val="dk1"/>
+          </a:fillRef>
+          <a:effectRef idx="0">
+            <a:schemeClr val="dk1"/>
+          </a:effectRef>
+          <a:fontRef idx="minor">
+            <a:schemeClr val="tx1"/>
+          </a:fontRef>
+        </p:style>
+      </p:cxnSp>
+      <p:sp>
+        <p:nvSpPr>
+          <p:cNvPr id="59" name="TextBox 58"/>
           <p:cNvSpPr txBox="1"/>
           <p:nvPr/>
         </p:nvSpPr>
         <p:spPr>
           <a:xfrm>
-            <a:off x="3547110" y="4869000"/>
-            <a:ext cx="5326380" cy="901245"/>
+            <a:off x="336000" y="549000"/>
+            <a:ext cx="1136850" cy="369332"/>
           </a:xfrm>
           <a:prstGeom prst="rect">
             <a:avLst/>
@@ -8039,50 +11600,125 @@
           </a:bodyPr>
           <a:lstStyle/>
           <a:p>
-            <a:pPr algn="ctr">
+            <a:pPr lvl="0">
               <a:defRPr/>
             </a:pPr>
             <a:r>
-              <a:rPr lang="ko-KR" altLang="en-US"/>
-              <a:t>기존 사이트 보다 넓게 이벤트를 쉽게를</a:t>
-            </a:r>
-          </a:p>
-          <a:p>
-            <a:pPr algn="ctr">
+              <a:rPr lang="en-US" altLang="ko-KR" dirty="0" smtClean="0">
+                <a:latin typeface="Cairo" pitchFamily="2" charset="-78"/>
+                <a:cs typeface="Cairo" pitchFamily="2" charset="-78"/>
+              </a:rPr>
+              <a:t>SITE MAP</a:t>
+            </a:r>
+            <a:endParaRPr lang="ko-KR" altLang="en-US" dirty="0">
+              <a:latin typeface="Cairo" pitchFamily="2" charset="-78"/>
+              <a:cs typeface="Cairo" pitchFamily="2" charset="-78"/>
+            </a:endParaRPr>
+          </a:p>
+        </p:txBody>
+      </p:sp>
+      <p:cxnSp>
+        <p:nvCxnSpPr>
+          <p:cNvPr id="60" name="직선 연결선 59"/>
+          <p:cNvCxnSpPr/>
+          <p:nvPr/>
+        </p:nvCxnSpPr>
+        <p:spPr>
+          <a:xfrm>
+            <a:off x="336000" y="0"/>
+            <a:ext cx="0" cy="1989000"/>
+          </a:xfrm>
+          <a:prstGeom prst="line">
+            <a:avLst/>
+          </a:prstGeom>
+        </p:spPr>
+        <p:style>
+          <a:lnRef idx="3">
+            <a:schemeClr val="dk1"/>
+          </a:lnRef>
+          <a:fillRef idx="0">
+            <a:schemeClr val="dk1"/>
+          </a:fillRef>
+          <a:effectRef idx="2">
+            <a:schemeClr val="dk1"/>
+          </a:effectRef>
+          <a:fontRef idx="minor">
+            <a:schemeClr val="tx1"/>
+          </a:fontRef>
+        </p:style>
+      </p:cxnSp>
+      <p:sp>
+        <p:nvSpPr>
+          <p:cNvPr id="61" name="TextBox 60"/>
+          <p:cNvSpPr txBox="1"/>
+          <p:nvPr/>
+        </p:nvSpPr>
+        <p:spPr>
+          <a:xfrm>
+            <a:off x="696000" y="189000"/>
+            <a:ext cx="837089" cy="369332"/>
+          </a:xfrm>
+          <a:prstGeom prst="rect">
+            <a:avLst/>
+          </a:prstGeom>
+          <a:noFill/>
+        </p:spPr>
+        <p:txBody>
+          <a:bodyPr wrap="none">
+            <a:spAutoFit/>
+          </a:bodyPr>
+          <a:lstStyle/>
+          <a:p>
+            <a:pPr lvl="0">
               <a:defRPr/>
             </a:pPr>
             <a:r>
-              <a:rPr lang="ko-KR" altLang="en-US"/>
-              <a:t> </a:t>
-            </a:r>
-          </a:p>
-          <a:p>
-            <a:pPr algn="ctr">
-              <a:defRPr/>
-            </a:pPr>
-            <a:r>
-              <a:rPr lang="ko-KR" altLang="en-US"/>
-              <a:t>키 포인트로 잡아</a:t>
-            </a:r>
-            <a:r>
-              <a:rPr lang="en-US" altLang="ko-KR"/>
-              <a:t> </a:t>
-            </a:r>
-            <a:r>
-              <a:rPr lang="ko-KR" altLang="en-US"/>
-              <a:t>리 디자인 포인트로 하였습니다</a:t>
-            </a:r>
-            <a:r>
-              <a:rPr lang="en-US" altLang="ko-KR"/>
-              <a:t>.</a:t>
-            </a:r>
-            <a:endParaRPr lang="ko-KR" altLang="en-US"/>
-          </a:p>
-        </p:txBody>
-      </p:sp>
+              <a:rPr lang="en-US" altLang="ko-KR" dirty="0" smtClean="0">
+                <a:latin typeface="Cairo" pitchFamily="2" charset="-78"/>
+                <a:cs typeface="Cairo" pitchFamily="2" charset="-78"/>
+              </a:rPr>
+              <a:t>NIKON</a:t>
+            </a:r>
+            <a:endParaRPr lang="ko-KR" altLang="en-US" dirty="0">
+              <a:latin typeface="Cairo" pitchFamily="2" charset="-78"/>
+              <a:cs typeface="Cairo" pitchFamily="2" charset="-78"/>
+            </a:endParaRPr>
+          </a:p>
+        </p:txBody>
+      </p:sp>
+      <p:cxnSp>
+        <p:nvCxnSpPr>
+          <p:cNvPr id="62" name="직선 연결선 61"/>
+          <p:cNvCxnSpPr/>
+          <p:nvPr/>
+        </p:nvCxnSpPr>
+        <p:spPr>
+          <a:xfrm>
+            <a:off x="336000" y="549000"/>
+            <a:ext cx="3240000" cy="0"/>
+          </a:xfrm>
+          <a:prstGeom prst="line">
+            <a:avLst/>
+          </a:prstGeom>
+        </p:spPr>
+        <p:style>
+          <a:lnRef idx="3">
+            <a:schemeClr val="dk1"/>
+          </a:lnRef>
+          <a:fillRef idx="0">
+            <a:schemeClr val="dk1"/>
+          </a:fillRef>
+          <a:effectRef idx="2">
+            <a:schemeClr val="dk1"/>
+          </a:effectRef>
+          <a:fontRef idx="minor">
+            <a:schemeClr val="tx1"/>
+          </a:fontRef>
+        </p:style>
+      </p:cxnSp>
       <p:pic>
         <p:nvPicPr>
-          <p:cNvPr id="13" name="그림 12"/>
+          <p:cNvPr id="64" name="그림 63"/>
           <p:cNvPicPr>
             <a:picLocks noChangeAspect="1"/>
           </p:cNvPicPr>
@@ -8104,19 +11740,265 @@
           </a:prstGeom>
         </p:spPr>
       </p:pic>
+      <p:grpSp>
+        <p:nvGrpSpPr>
+          <p:cNvPr id="68" name="그룹 67"/>
+          <p:cNvGrpSpPr/>
+          <p:nvPr/>
+        </p:nvGrpSpPr>
+        <p:grpSpPr>
+          <a:xfrm>
+            <a:off x="1056000" y="2349000"/>
+            <a:ext cx="1440000" cy="667777"/>
+            <a:chOff x="5376000" y="2349000"/>
+            <a:chExt cx="1440000" cy="667777"/>
+          </a:xfrm>
+        </p:grpSpPr>
+        <p:sp>
+          <p:nvSpPr>
+            <p:cNvPr id="69" name="직사각형 68"/>
+            <p:cNvSpPr/>
+            <p:nvPr/>
+          </p:nvSpPr>
+          <p:spPr>
+            <a:xfrm>
+              <a:off x="5376000" y="2349000"/>
+              <a:ext cx="1440000" cy="360000"/>
+            </a:xfrm>
+            <a:prstGeom prst="rect">
+              <a:avLst/>
+            </a:prstGeom>
+            <a:solidFill>
+              <a:srgbClr val="E7C3A2"/>
+            </a:solidFill>
+            <a:ln>
+              <a:noFill/>
+            </a:ln>
+          </p:spPr>
+          <p:style>
+            <a:lnRef idx="2">
+              <a:schemeClr val="accent1">
+                <a:shade val="50000"/>
+              </a:schemeClr>
+            </a:lnRef>
+            <a:fillRef idx="1">
+              <a:schemeClr val="accent1"/>
+            </a:fillRef>
+            <a:effectRef idx="0">
+              <a:schemeClr val="accent1"/>
+            </a:effectRef>
+            <a:fontRef idx="minor">
+              <a:schemeClr val="lt1"/>
+            </a:fontRef>
+          </p:style>
+          <p:txBody>
+            <a:bodyPr rtlCol="0" anchor="ctr"/>
+            <a:lstStyle/>
+            <a:p>
+              <a:pPr algn="ctr"/>
+              <a:r>
+                <a:rPr lang="ko-KR" altLang="en-US" dirty="0" smtClean="0">
+                  <a:solidFill>
+                    <a:schemeClr val="bg1"/>
+                  </a:solidFill>
+                  <a:latin typeface="+mn-ea"/>
+                </a:rPr>
+                <a:t>제품정보</a:t>
+              </a:r>
+              <a:endParaRPr lang="ko-KR" altLang="en-US" dirty="0">
+                <a:solidFill>
+                  <a:schemeClr val="bg1"/>
+                </a:solidFill>
+                <a:latin typeface="+mn-ea"/>
+              </a:endParaRPr>
+            </a:p>
+          </p:txBody>
+        </p:sp>
+        <p:sp>
+          <p:nvSpPr>
+            <p:cNvPr id="70" name="TextBox 69"/>
+            <p:cNvSpPr txBox="1"/>
+            <p:nvPr/>
+          </p:nvSpPr>
+          <p:spPr>
+            <a:xfrm>
+              <a:off x="5376000" y="2709000"/>
+              <a:ext cx="1440000" cy="307777"/>
+            </a:xfrm>
+            <a:prstGeom prst="rect">
+              <a:avLst/>
+            </a:prstGeom>
+            <a:noFill/>
+          </p:spPr>
+          <p:txBody>
+            <a:bodyPr wrap="square" rtlCol="0">
+              <a:spAutoFit/>
+            </a:bodyPr>
+            <a:lstStyle/>
+            <a:p>
+              <a:pPr algn="ctr"/>
+              <a:r>
+                <a:rPr lang="en-US" altLang="ko-KR" sz="1400" dirty="0" smtClean="0">
+                  <a:latin typeface="Cairo" pitchFamily="2" charset="-78"/>
+                  <a:cs typeface="Cairo" pitchFamily="2" charset="-78"/>
+                </a:rPr>
+                <a:t>evcar</a:t>
+              </a:r>
+              <a:r>
+                <a:rPr lang="en-US" altLang="ko-KR" sz="1400" dirty="0" smtClean="0">
+                  <a:latin typeface="Cairo" pitchFamily="2" charset="-78"/>
+                  <a:cs typeface="Cairo" pitchFamily="2" charset="-78"/>
+                </a:rPr>
+                <a:t>.html</a:t>
+              </a:r>
+              <a:endParaRPr lang="ko-KR" altLang="en-US" sz="1400" dirty="0">
+                <a:latin typeface="Cairo" pitchFamily="2" charset="-78"/>
+                <a:cs typeface="Cairo" pitchFamily="2" charset="-78"/>
+              </a:endParaRPr>
+            </a:p>
+          </p:txBody>
+        </p:sp>
+      </p:grpSp>
+      <p:sp>
+        <p:nvSpPr>
+          <p:cNvPr id="71" name="직사각형 70"/>
+          <p:cNvSpPr/>
+          <p:nvPr/>
+        </p:nvSpPr>
+        <p:spPr>
+          <a:xfrm>
+            <a:off x="8256000" y="5589000"/>
+            <a:ext cx="1440000" cy="360000"/>
+          </a:xfrm>
+          <a:prstGeom prst="rect">
+            <a:avLst/>
+          </a:prstGeom>
+          <a:solidFill>
+            <a:schemeClr val="tx1">
+              <a:lumMod val="65000"/>
+              <a:lumOff val="35000"/>
+            </a:schemeClr>
+          </a:solidFill>
+          <a:ln>
+            <a:noFill/>
+          </a:ln>
+        </p:spPr>
+        <p:style>
+          <a:lnRef idx="2">
+            <a:schemeClr val="accent1">
+              <a:shade val="50000"/>
+            </a:schemeClr>
+          </a:lnRef>
+          <a:fillRef idx="1">
+            <a:schemeClr val="accent1"/>
+          </a:fillRef>
+          <a:effectRef idx="0">
+            <a:schemeClr val="accent1"/>
+          </a:effectRef>
+          <a:fontRef idx="minor">
+            <a:schemeClr val="lt1"/>
+          </a:fontRef>
+        </p:style>
+        <p:txBody>
+          <a:bodyPr rtlCol="0" anchor="ctr"/>
+          <a:lstStyle/>
+          <a:p>
+            <a:pPr algn="ctr"/>
+            <a:r>
+              <a:rPr lang="ko-KR" altLang="en-US" sz="1200" dirty="0" smtClean="0">
+                <a:solidFill>
+                  <a:schemeClr val="bg1">
+                    <a:lumMod val="95000"/>
+                  </a:schemeClr>
+                </a:solidFill>
+              </a:rPr>
+              <a:t>공지사항</a:t>
+            </a:r>
+            <a:endParaRPr lang="ko-KR" altLang="en-US" sz="1200" dirty="0">
+              <a:solidFill>
+                <a:schemeClr val="bg1">
+                  <a:lumMod val="95000"/>
+                </a:schemeClr>
+              </a:solidFill>
+            </a:endParaRPr>
+          </a:p>
+        </p:txBody>
+      </p:sp>
+      <p:sp>
+        <p:nvSpPr>
+          <p:cNvPr id="72" name="직사각형 71"/>
+          <p:cNvSpPr/>
+          <p:nvPr/>
+        </p:nvSpPr>
+        <p:spPr>
+          <a:xfrm>
+            <a:off x="8256000" y="4869000"/>
+            <a:ext cx="1440000" cy="360000"/>
+          </a:xfrm>
+          <a:prstGeom prst="rect">
+            <a:avLst/>
+          </a:prstGeom>
+          <a:solidFill>
+            <a:schemeClr val="tx1">
+              <a:lumMod val="65000"/>
+              <a:lumOff val="35000"/>
+            </a:schemeClr>
+          </a:solidFill>
+          <a:ln>
+            <a:noFill/>
+          </a:ln>
+        </p:spPr>
+        <p:style>
+          <a:lnRef idx="2">
+            <a:schemeClr val="accent1">
+              <a:shade val="50000"/>
+            </a:schemeClr>
+          </a:lnRef>
+          <a:fillRef idx="1">
+            <a:schemeClr val="accent1"/>
+          </a:fillRef>
+          <a:effectRef idx="0">
+            <a:schemeClr val="accent1"/>
+          </a:effectRef>
+          <a:fontRef idx="minor">
+            <a:schemeClr val="lt1"/>
+          </a:fontRef>
+        </p:style>
+        <p:txBody>
+          <a:bodyPr rtlCol="0" anchor="ctr"/>
+          <a:lstStyle/>
+          <a:p>
+            <a:pPr algn="ctr"/>
+            <a:r>
+              <a:rPr lang="ko-KR" altLang="en-US" sz="1200" dirty="0" smtClean="0">
+                <a:solidFill>
+                  <a:schemeClr val="bg1">
+                    <a:lumMod val="95000"/>
+                  </a:schemeClr>
+                </a:solidFill>
+              </a:rPr>
+              <a:t>게시판</a:t>
+            </a:r>
+            <a:endParaRPr lang="ko-KR" altLang="en-US" sz="1200" dirty="0">
+              <a:solidFill>
+                <a:schemeClr val="bg1">
+                  <a:lumMod val="95000"/>
+                </a:schemeClr>
+              </a:solidFill>
+            </a:endParaRPr>
+          </a:p>
+        </p:txBody>
+      </p:sp>
     </p:spTree>
+    <p:extLst>
+      <p:ext uri="{BB962C8B-B14F-4D97-AF65-F5344CB8AC3E}">
+        <p14:creationId xmlns:p14="http://schemas.microsoft.com/office/powerpoint/2010/main" val="2879647044"/>
+      </p:ext>
+    </p:extLst>
   </p:cSld>
   <p:clrMapOvr>
     <a:masterClrMapping/>
   </p:clrMapOvr>
-  <mc:AlternateContent xmlns:mc="http://schemas.openxmlformats.org/markup-compatibility/2006" xmlns:p14="http://schemas.microsoft.com/office/powerpoint/2010/main">
-    <mc:Choice Requires="p14">
-      <p:transition/>
-    </mc:Choice>
-    <mc:Fallback xmlns="" xmlns:c="http://schemas.openxmlformats.org/drawingml/2006/chart" xmlns:dgm="http://schemas.openxmlformats.org/drawingml/2006/diagram" xmlns:dsp="http://schemas.microsoft.com/office/drawing/2008/diagram">
-      <p:transition/>
-    </mc:Fallback>
-  </mc:AlternateContent>
 </p:sld>
 </file>
 
@@ -8139,6 +12021,351 @@
       </p:grpSpPr>
       <p:sp>
         <p:nvSpPr>
+          <p:cNvPr id="4" name="TextBox 3"/>
+          <p:cNvSpPr txBox="1"/>
+          <p:nvPr/>
+        </p:nvSpPr>
+        <p:spPr>
+          <a:xfrm>
+            <a:off x="336000" y="549000"/>
+            <a:ext cx="1233030" cy="369332"/>
+          </a:xfrm>
+          <a:prstGeom prst="rect">
+            <a:avLst/>
+          </a:prstGeom>
+          <a:noFill/>
+        </p:spPr>
+        <p:txBody>
+          <a:bodyPr wrap="none">
+            <a:spAutoFit/>
+          </a:bodyPr>
+          <a:lstStyle/>
+          <a:p>
+            <a:pPr lvl="0">
+              <a:defRPr/>
+            </a:pPr>
+            <a:r>
+              <a:rPr lang="en-US" altLang="ko-KR" dirty="0">
+                <a:latin typeface="Cairo" pitchFamily="2" charset="-78"/>
+                <a:cs typeface="Cairo" pitchFamily="2" charset="-78"/>
+              </a:rPr>
+              <a:t>KEY POINT</a:t>
+            </a:r>
+            <a:endParaRPr lang="ko-KR" altLang="en-US" dirty="0">
+              <a:latin typeface="Cairo" pitchFamily="2" charset="-78"/>
+              <a:cs typeface="Cairo" pitchFamily="2" charset="-78"/>
+            </a:endParaRPr>
+          </a:p>
+        </p:txBody>
+      </p:sp>
+      <p:cxnSp>
+        <p:nvCxnSpPr>
+          <p:cNvPr id="6" name="직선 연결선 5"/>
+          <p:cNvCxnSpPr/>
+          <p:nvPr/>
+        </p:nvCxnSpPr>
+        <p:spPr>
+          <a:xfrm>
+            <a:off x="336000" y="0"/>
+            <a:ext cx="0" cy="1989000"/>
+          </a:xfrm>
+          <a:prstGeom prst="line">
+            <a:avLst/>
+          </a:prstGeom>
+        </p:spPr>
+        <p:style>
+          <a:lnRef idx="3">
+            <a:schemeClr val="dk1"/>
+          </a:lnRef>
+          <a:fillRef idx="0">
+            <a:schemeClr val="dk1"/>
+          </a:fillRef>
+          <a:effectRef idx="2">
+            <a:schemeClr val="dk1"/>
+          </a:effectRef>
+          <a:fontRef idx="minor">
+            <a:schemeClr val="tx1"/>
+          </a:fontRef>
+        </p:style>
+      </p:cxnSp>
+      <p:sp>
+        <p:nvSpPr>
+          <p:cNvPr id="7" name="TextBox 6"/>
+          <p:cNvSpPr txBox="1"/>
+          <p:nvPr/>
+        </p:nvSpPr>
+        <p:spPr>
+          <a:xfrm>
+            <a:off x="696000" y="189000"/>
+            <a:ext cx="1960793" cy="369332"/>
+          </a:xfrm>
+          <a:prstGeom prst="rect">
+            <a:avLst/>
+          </a:prstGeom>
+          <a:noFill/>
+        </p:spPr>
+        <p:txBody>
+          <a:bodyPr wrap="none">
+            <a:spAutoFit/>
+          </a:bodyPr>
+          <a:lstStyle/>
+          <a:p>
+            <a:pPr lvl="0">
+              <a:defRPr/>
+            </a:pPr>
+            <a:r>
+              <a:rPr lang="en-US" altLang="ko-KR" dirty="0" smtClean="0">
+                <a:latin typeface="Cairo" pitchFamily="2" charset="-78"/>
+                <a:cs typeface="Cairo" pitchFamily="2" charset="-78"/>
+              </a:rPr>
+              <a:t>DESIGN CONCEPT</a:t>
+            </a:r>
+            <a:endParaRPr lang="ko-KR" altLang="en-US" dirty="0">
+              <a:latin typeface="Cairo" pitchFamily="2" charset="-78"/>
+              <a:cs typeface="Cairo" pitchFamily="2" charset="-78"/>
+            </a:endParaRPr>
+          </a:p>
+        </p:txBody>
+      </p:sp>
+      <p:cxnSp>
+        <p:nvCxnSpPr>
+          <p:cNvPr id="8" name="직선 연결선 7"/>
+          <p:cNvCxnSpPr/>
+          <p:nvPr/>
+        </p:nvCxnSpPr>
+        <p:spPr>
+          <a:xfrm>
+            <a:off x="336000" y="549000"/>
+            <a:ext cx="3240000" cy="0"/>
+          </a:xfrm>
+          <a:prstGeom prst="line">
+            <a:avLst/>
+          </a:prstGeom>
+        </p:spPr>
+        <p:style>
+          <a:lnRef idx="3">
+            <a:schemeClr val="dk1"/>
+          </a:lnRef>
+          <a:fillRef idx="0">
+            <a:schemeClr val="dk1"/>
+          </a:fillRef>
+          <a:effectRef idx="2">
+            <a:schemeClr val="dk1"/>
+          </a:effectRef>
+          <a:fontRef idx="minor">
+            <a:schemeClr val="tx1"/>
+          </a:fontRef>
+        </p:style>
+      </p:cxnSp>
+      <p:sp>
+        <p:nvSpPr>
+          <p:cNvPr id="9" name="TextBox 8"/>
+          <p:cNvSpPr txBox="1"/>
+          <p:nvPr/>
+        </p:nvSpPr>
+        <p:spPr>
+          <a:xfrm>
+            <a:off x="1776000" y="549000"/>
+            <a:ext cx="1677765" cy="369332"/>
+          </a:xfrm>
+          <a:prstGeom prst="rect">
+            <a:avLst/>
+          </a:prstGeom>
+          <a:noFill/>
+        </p:spPr>
+        <p:txBody>
+          <a:bodyPr wrap="none">
+            <a:spAutoFit/>
+          </a:bodyPr>
+          <a:lstStyle/>
+          <a:p>
+            <a:pPr lvl="0">
+              <a:defRPr/>
+            </a:pPr>
+            <a:r>
+              <a:rPr lang="ko-KR" altLang="en-US"/>
+              <a:t>간편하고 넓게</a:t>
+            </a:r>
+          </a:p>
+        </p:txBody>
+      </p:sp>
+      <p:sp>
+        <p:nvSpPr>
+          <p:cNvPr id="10" name="타원 9"/>
+          <p:cNvSpPr/>
+          <p:nvPr/>
+        </p:nvSpPr>
+        <p:spPr>
+          <a:xfrm>
+            <a:off x="5376000" y="1989000"/>
+            <a:ext cx="1800000" cy="1800000"/>
+          </a:xfrm>
+          <a:prstGeom prst="ellipse">
+            <a:avLst/>
+          </a:prstGeom>
+          <a:noFill/>
+          <a:ln>
+            <a:solidFill>
+              <a:srgbClr val="E7C3A2"/>
+            </a:solidFill>
+          </a:ln>
+        </p:spPr>
+        <p:style>
+          <a:lnRef idx="2">
+            <a:schemeClr val="accent1">
+              <a:shade val="50000"/>
+            </a:schemeClr>
+          </a:lnRef>
+          <a:fillRef idx="1">
+            <a:schemeClr val="accent1"/>
+          </a:fillRef>
+          <a:effectRef idx="0">
+            <a:schemeClr val="accent1"/>
+          </a:effectRef>
+          <a:fontRef idx="minor">
+            <a:schemeClr val="lt1"/>
+          </a:fontRef>
+        </p:style>
+        <p:txBody>
+          <a:bodyPr anchor="ctr"/>
+          <a:lstStyle/>
+          <a:p>
+            <a:pPr algn="ctr">
+              <a:defRPr/>
+            </a:pPr>
+            <a:r>
+              <a:rPr lang="ko-KR" altLang="en-US" sz="2800">
+                <a:solidFill>
+                  <a:srgbClr val="FEE600"/>
+                </a:solidFill>
+              </a:rPr>
+              <a:t>편리성</a:t>
+            </a:r>
+          </a:p>
+        </p:txBody>
+      </p:sp>
+      <p:sp>
+        <p:nvSpPr>
+          <p:cNvPr id="12" name="TextBox 11"/>
+          <p:cNvSpPr txBox="1"/>
+          <p:nvPr/>
+        </p:nvSpPr>
+        <p:spPr>
+          <a:xfrm>
+            <a:off x="3547110" y="4869000"/>
+            <a:ext cx="5326380" cy="901245"/>
+          </a:xfrm>
+          <a:prstGeom prst="rect">
+            <a:avLst/>
+          </a:prstGeom>
+          <a:noFill/>
+        </p:spPr>
+        <p:txBody>
+          <a:bodyPr wrap="none">
+            <a:spAutoFit/>
+          </a:bodyPr>
+          <a:lstStyle/>
+          <a:p>
+            <a:pPr algn="ctr">
+              <a:defRPr/>
+            </a:pPr>
+            <a:r>
+              <a:rPr lang="ko-KR" altLang="en-US"/>
+              <a:t>기존 사이트 보다 넓게 이벤트를 쉽게를</a:t>
+            </a:r>
+          </a:p>
+          <a:p>
+            <a:pPr algn="ctr">
+              <a:defRPr/>
+            </a:pPr>
+            <a:r>
+              <a:rPr lang="ko-KR" altLang="en-US"/>
+              <a:t> </a:t>
+            </a:r>
+          </a:p>
+          <a:p>
+            <a:pPr algn="ctr">
+              <a:defRPr/>
+            </a:pPr>
+            <a:r>
+              <a:rPr lang="ko-KR" altLang="en-US"/>
+              <a:t>키 포인트로 잡아</a:t>
+            </a:r>
+            <a:r>
+              <a:rPr lang="en-US" altLang="ko-KR"/>
+              <a:t> </a:t>
+            </a:r>
+            <a:r>
+              <a:rPr lang="ko-KR" altLang="en-US"/>
+              <a:t>리 디자인 포인트로 하였습니다</a:t>
+            </a:r>
+            <a:r>
+              <a:rPr lang="en-US" altLang="ko-KR"/>
+              <a:t>.</a:t>
+            </a:r>
+            <a:endParaRPr lang="ko-KR" altLang="en-US"/>
+          </a:p>
+        </p:txBody>
+      </p:sp>
+      <p:pic>
+        <p:nvPicPr>
+          <p:cNvPr id="13" name="그림 12"/>
+          <p:cNvPicPr>
+            <a:picLocks noChangeAspect="1"/>
+          </p:cNvPicPr>
+          <p:nvPr/>
+        </p:nvPicPr>
+        <p:blipFill rotWithShape="1">
+          <a:blip r:embed="rId2"/>
+          <a:stretch>
+            <a:fillRect/>
+          </a:stretch>
+        </p:blipFill>
+        <p:spPr>
+          <a:xfrm>
+            <a:off x="3216000" y="124940"/>
+            <a:ext cx="360000" cy="360000"/>
+          </a:xfrm>
+          <a:prstGeom prst="rect">
+            <a:avLst/>
+          </a:prstGeom>
+        </p:spPr>
+      </p:pic>
+    </p:spTree>
+  </p:cSld>
+  <p:clrMapOvr>
+    <a:masterClrMapping/>
+  </p:clrMapOvr>
+  <mc:AlternateContent xmlns:mc="http://schemas.openxmlformats.org/markup-compatibility/2006" xmlns:p14="http://schemas.microsoft.com/office/powerpoint/2010/main">
+    <mc:Choice Requires="p14">
+      <p:transition/>
+    </mc:Choice>
+    <mc:Fallback xmlns="" xmlns:c="http://schemas.openxmlformats.org/drawingml/2006/chart" xmlns:dgm="http://schemas.openxmlformats.org/drawingml/2006/diagram" xmlns:dsp="http://schemas.microsoft.com/office/drawing/2008/diagram">
+      <p:transition/>
+    </mc:Fallback>
+  </mc:AlternateContent>
+</p:sld>
+</file>
+
+<file path=ppt/slides/slide8.xml><?xml version="1.0" encoding="utf-8"?>
+<p:sld xmlns:a="http://schemas.openxmlformats.org/drawingml/2006/main" xmlns:r="http://schemas.openxmlformats.org/officeDocument/2006/relationships" xmlns:p="http://schemas.openxmlformats.org/presentationml/2006/main">
+  <p:cSld>
+    <p:spTree>
+      <p:nvGrpSpPr>
+        <p:cNvPr id="1" name=""/>
+        <p:cNvGrpSpPr/>
+        <p:nvPr/>
+      </p:nvGrpSpPr>
+      <p:grpSpPr>
+        <a:xfrm>
+          <a:off x="0" y="0"/>
+          <a:ext cx="0" cy="0"/>
+          <a:chOff x="0" y="0"/>
+          <a:chExt cx="0" cy="0"/>
+        </a:xfrm>
+      </p:grpSpPr>
+      <p:sp>
+        <p:nvSpPr>
           <p:cNvPr id="2" name="제목 1"/>
           <p:cNvSpPr>
             <a:spLocks noGrp="1"/>
@@ -8156,15 +12383,15 @@
               <a:defRPr/>
             </a:pPr>
             <a:r>
-              <a:rPr lang="ko-KR" altLang="en-US"/>
+              <a:rPr lang="ko-KR" altLang="en-US" dirty="0"/>
               <a:t>키워드</a:t>
             </a:r>
             <a:r>
-              <a:rPr lang="en-US" altLang="ko-KR"/>
+              <a:rPr lang="en-US" altLang="ko-KR" dirty="0"/>
               <a:t>, </a:t>
             </a:r>
             <a:r>
-              <a:rPr lang="ko-KR" altLang="en-US"/>
+              <a:rPr lang="ko-KR" altLang="en-US" dirty="0"/>
               <a:t>색상 코드</a:t>
             </a:r>
           </a:p>
@@ -8418,23 +12645,30 @@
               <a:defRPr/>
             </a:pPr>
             <a:r>
-              <a:rPr lang="ko-KR" altLang="en-US">
+              <a:rPr lang="ko-KR" altLang="en-US" dirty="0" err="1">
                 <a:solidFill>
                   <a:schemeClr val="dk1"/>
                 </a:solidFill>
               </a:rPr>
               <a:t>주조색</a:t>
             </a:r>
+            <a:endParaRPr lang="ko-KR" altLang="en-US" dirty="0">
+              <a:solidFill>
+                <a:schemeClr val="dk1"/>
+              </a:solidFill>
+            </a:endParaRPr>
           </a:p>
           <a:p>
             <a:pPr lvl="0">
               <a:defRPr/>
             </a:pPr>
             <a:r>
-              <a:rPr lang="en-US" altLang="ko-KR">
+              <a:rPr lang="en-US" altLang="ko-KR" dirty="0">
                 <a:solidFill>
                   <a:schemeClr val="dk1"/>
                 </a:solidFill>
+                <a:latin typeface="Cairo" pitchFamily="2" charset="-78"/>
+                <a:cs typeface="Cairo" pitchFamily="2" charset="-78"/>
               </a:rPr>
               <a:t>#fee600</a:t>
             </a:r>
@@ -8450,7 +12684,7 @@
         <p:spPr>
           <a:xfrm>
             <a:off x="6096000" y="4149000"/>
-            <a:ext cx="1082417" cy="646331"/>
+            <a:ext cx="1037463" cy="646331"/>
           </a:xfrm>
           <a:prstGeom prst="rect">
             <a:avLst/>
@@ -8466,362 +12700,32 @@
               <a:defRPr/>
             </a:pPr>
             <a:r>
-              <a:rPr lang="ko-KR" altLang="en-US">
+              <a:rPr lang="ko-KR" altLang="en-US" dirty="0" err="1">
                 <a:solidFill>
                   <a:schemeClr val="dk1"/>
                 </a:solidFill>
               </a:rPr>
               <a:t>보조색</a:t>
             </a:r>
+            <a:endParaRPr lang="ko-KR" altLang="en-US" dirty="0">
+              <a:solidFill>
+                <a:schemeClr val="dk1"/>
+              </a:solidFill>
+            </a:endParaRPr>
           </a:p>
           <a:p>
             <a:pPr lvl="0">
               <a:defRPr/>
             </a:pPr>
             <a:r>
-              <a:rPr lang="ko-KR" altLang="en-US">
+              <a:rPr lang="ko-KR" altLang="en-US" dirty="0">
                 <a:solidFill>
                   <a:schemeClr val="dk1"/>
                 </a:solidFill>
+                <a:latin typeface="Cairo" pitchFamily="2" charset="-78"/>
+                <a:cs typeface="Cairo" pitchFamily="2" charset="-78"/>
               </a:rPr>
               <a:t>#e7c3a2</a:t>
-            </a:r>
-          </a:p>
-        </p:txBody>
-      </p:sp>
-    </p:spTree>
-  </p:cSld>
-  <p:clrMapOvr>
-    <a:masterClrMapping/>
-  </p:clrMapOvr>
-  <mc:AlternateContent xmlns:mc="http://schemas.openxmlformats.org/markup-compatibility/2006" xmlns:p14="http://schemas.microsoft.com/office/powerpoint/2010/main">
-    <mc:Choice Requires="p14">
-      <p:transition/>
-    </mc:Choice>
-    <mc:Fallback xmlns="" xmlns:c="http://schemas.openxmlformats.org/drawingml/2006/chart" xmlns:dgm="http://schemas.openxmlformats.org/drawingml/2006/diagram" xmlns:dsp="http://schemas.microsoft.com/office/drawing/2008/diagram">
-      <p:transition/>
-    </mc:Fallback>
-  </mc:AlternateContent>
-  <p:timing>
-    <p:tnLst>
-      <p:par>
-        <p:cTn id="1" dur="indefinite" restart="never" nodeType="tmRoot"/>
-      </p:par>
-    </p:tnLst>
-  </p:timing>
-</p:sld>
-</file>
-
-<file path=ppt/slides/slide8.xml><?xml version="1.0" encoding="utf-8"?>
-<p:sld xmlns:a="http://schemas.openxmlformats.org/drawingml/2006/main" xmlns:r="http://schemas.openxmlformats.org/officeDocument/2006/relationships" xmlns:p="http://schemas.openxmlformats.org/presentationml/2006/main">
-  <p:cSld>
-    <p:spTree>
-      <p:nvGrpSpPr>
-        <p:cNvPr id="1" name=""/>
-        <p:cNvGrpSpPr/>
-        <p:nvPr/>
-      </p:nvGrpSpPr>
-      <p:grpSpPr>
-        <a:xfrm>
-          <a:off x="0" y="0"/>
-          <a:ext cx="0" cy="0"/>
-          <a:chOff x="0" y="0"/>
-          <a:chExt cx="0" cy="0"/>
-        </a:xfrm>
-      </p:grpSpPr>
-      <p:sp>
-        <p:nvSpPr>
-          <p:cNvPr id="2" name="제목 1"/>
-          <p:cNvSpPr>
-            <a:spLocks noGrp="1"/>
-          </p:cNvSpPr>
-          <p:nvPr>
-            <p:ph type="title"/>
-          </p:nvPr>
-        </p:nvSpPr>
-        <p:spPr/>
-        <p:txBody>
-          <a:bodyPr/>
-          <a:lstStyle/>
-          <a:p>
-            <a:pPr lvl="0">
-              <a:defRPr/>
-            </a:pPr>
-            <a:r>
-              <a:rPr lang="ko-KR" altLang="en-US">
-                <a:latin typeface="Noto Serif KR"/>
-                <a:ea typeface="Noto Serif KR"/>
-              </a:rPr>
-              <a:t>타이포그래피</a:t>
-            </a:r>
-          </a:p>
-        </p:txBody>
-      </p:sp>
-      <p:sp>
-        <p:nvSpPr>
-          <p:cNvPr id="6" name="직사각형 5"/>
-          <p:cNvSpPr/>
-          <p:nvPr/>
-        </p:nvSpPr>
-        <p:spPr>
-          <a:xfrm>
-            <a:off x="-247264" y="1989000"/>
-            <a:ext cx="7728000" cy="2276295"/>
-          </a:xfrm>
-          <a:prstGeom prst="rect">
-            <a:avLst/>
-          </a:prstGeom>
-        </p:spPr>
-        <p:txBody>
-          <a:bodyPr wrap="square">
-            <a:spAutoFit/>
-          </a:bodyPr>
-          <a:lstStyle/>
-          <a:p>
-            <a:pPr algn="ctr">
-              <a:defRPr/>
-            </a:pPr>
-            <a:r>
-              <a:rPr lang="ko-KR" altLang="en-US" sz="4800" b="0" i="0">
-                <a:solidFill>
-                  <a:srgbClr val="202124"/>
-                </a:solidFill>
-                <a:effectLst/>
-                <a:latin typeface="G마켓 산스 TTF Medium"/>
-                <a:ea typeface="G마켓 산스 TTF Medium"/>
-              </a:rPr>
-              <a:t>G마켓 브랜드  서체 'Gmarket Sans'를 </a:t>
-            </a:r>
-          </a:p>
-          <a:p>
-            <a:pPr algn="ctr">
-              <a:defRPr/>
-            </a:pPr>
-            <a:r>
-              <a:rPr lang="ko-KR" altLang="en-US" sz="4800" b="0" i="0">
-                <a:solidFill>
-                  <a:srgbClr val="202124"/>
-                </a:solidFill>
-                <a:effectLst/>
-                <a:latin typeface="G마켓 산스 TTF Medium"/>
-                <a:ea typeface="G마켓 산스 TTF Medium"/>
-              </a:rPr>
-              <a:t>소개합니다.</a:t>
-            </a:r>
-          </a:p>
-        </p:txBody>
-      </p:sp>
-      <p:sp>
-        <p:nvSpPr>
-          <p:cNvPr id="7" name="직사각형 6"/>
-          <p:cNvSpPr/>
-          <p:nvPr/>
-        </p:nvSpPr>
-        <p:spPr>
-          <a:xfrm>
-            <a:off x="910718" y="1269000"/>
-            <a:ext cx="2943097" cy="369332"/>
-          </a:xfrm>
-          <a:prstGeom prst="rect">
-            <a:avLst/>
-          </a:prstGeom>
-        </p:spPr>
-        <p:txBody>
-          <a:bodyPr wrap="none">
-            <a:spAutoFit/>
-          </a:bodyPr>
-          <a:lstStyle/>
-          <a:p>
-            <a:pPr>
-              <a:defRPr/>
-            </a:pPr>
-            <a:r>
-              <a:rPr lang="en-US" altLang="ko-KR" b="0">
-                <a:effectLst/>
-                <a:latin typeface="G마켓 산스 TTF Medium"/>
-                <a:ea typeface="G마켓 산스 TTF Medium"/>
-              </a:rPr>
-              <a:t>GmarketSansMedium</a:t>
-            </a:r>
-          </a:p>
-        </p:txBody>
-      </p:sp>
-      <p:sp>
-        <p:nvSpPr>
-          <p:cNvPr id="3" name="TextBox 2"/>
-          <p:cNvSpPr txBox="1"/>
-          <p:nvPr/>
-        </p:nvSpPr>
-        <p:spPr>
-          <a:xfrm>
-            <a:off x="7176000" y="1989000"/>
-            <a:ext cx="1868940" cy="369332"/>
-          </a:xfrm>
-          <a:prstGeom prst="rect">
-            <a:avLst/>
-          </a:prstGeom>
-          <a:noFill/>
-        </p:spPr>
-        <p:txBody>
-          <a:bodyPr wrap="none">
-            <a:spAutoFit/>
-          </a:bodyPr>
-          <a:lstStyle/>
-          <a:p>
-            <a:pPr lvl="0">
-              <a:defRPr/>
-            </a:pPr>
-            <a:r>
-              <a:rPr lang="en-US" altLang="ko-KR"/>
-              <a:t>Color : #333333</a:t>
-            </a:r>
-          </a:p>
-        </p:txBody>
-      </p:sp>
-      <p:sp>
-        <p:nvSpPr>
-          <p:cNvPr id="8" name="직사각형 7"/>
-          <p:cNvSpPr/>
-          <p:nvPr/>
-        </p:nvSpPr>
-        <p:spPr>
-          <a:xfrm>
-            <a:off x="884008" y="5229000"/>
-            <a:ext cx="3760382" cy="369332"/>
-          </a:xfrm>
-          <a:prstGeom prst="rect">
-            <a:avLst/>
-          </a:prstGeom>
-        </p:spPr>
-        <p:txBody>
-          <a:bodyPr wrap="none">
-            <a:spAutoFit/>
-          </a:bodyPr>
-          <a:lstStyle/>
-          <a:p>
-            <a:pPr lvl="0">
-              <a:defRPr/>
-            </a:pPr>
-            <a:r>
-              <a:rPr lang="ko-KR" altLang="en-US">
-                <a:latin typeface="Noto Serif KR"/>
-                <a:ea typeface="Noto Serif KR"/>
-              </a:rPr>
-              <a:t>font-family: 'GmarketSansMedium';</a:t>
-            </a:r>
-          </a:p>
-        </p:txBody>
-      </p:sp>
-      <p:sp>
-        <p:nvSpPr>
-          <p:cNvPr id="9" name="직사각형 8"/>
-          <p:cNvSpPr/>
-          <p:nvPr/>
-        </p:nvSpPr>
-        <p:spPr>
-          <a:xfrm>
-            <a:off x="884007" y="5589000"/>
-            <a:ext cx="10251993" cy="362220"/>
-          </a:xfrm>
-          <a:prstGeom prst="rect">
-            <a:avLst/>
-          </a:prstGeom>
-        </p:spPr>
-        <p:txBody>
-          <a:bodyPr wrap="square">
-            <a:spAutoFit/>
-          </a:bodyPr>
-          <a:lstStyle/>
-          <a:p>
-            <a:pPr lvl="0">
-              <a:defRPr/>
-            </a:pPr>
-            <a:r>
-              <a:rPr lang="en-US" altLang="ko-KR">
-                <a:latin typeface="Noto Serif KR"/>
-                <a:ea typeface="Noto Serif KR"/>
-              </a:rPr>
-              <a:t>src: url('https://cdn.jsdelivr.net/gh/projectnoonnu/noonfonts_2001@1.1/GmarketSansMedium.woff')</a:t>
-            </a:r>
-          </a:p>
-        </p:txBody>
-      </p:sp>
-      <p:sp>
-        <p:nvSpPr>
-          <p:cNvPr id="10" name="직사각형 9"/>
-          <p:cNvSpPr/>
-          <p:nvPr/>
-        </p:nvSpPr>
-        <p:spPr>
-          <a:xfrm>
-            <a:off x="8976000" y="1989000"/>
-            <a:ext cx="2160000" cy="360000"/>
-          </a:xfrm>
-          <a:prstGeom prst="rect">
-            <a:avLst/>
-          </a:prstGeom>
-          <a:solidFill>
-            <a:srgbClr val="333333"/>
-          </a:solidFill>
-          <a:ln>
-            <a:noFill/>
-          </a:ln>
-        </p:spPr>
-        <p:style>
-          <a:lnRef idx="2">
-            <a:schemeClr val="accent1">
-              <a:shade val="50000"/>
-            </a:schemeClr>
-          </a:lnRef>
-          <a:fillRef idx="1">
-            <a:schemeClr val="accent1"/>
-          </a:fillRef>
-          <a:effectRef idx="0">
-            <a:schemeClr val="accent1"/>
-          </a:effectRef>
-          <a:fontRef idx="minor">
-            <a:schemeClr val="lt1"/>
-          </a:fontRef>
-        </p:style>
-        <p:txBody>
-          <a:bodyPr anchor="ctr"/>
-          <a:lstStyle/>
-          <a:p>
-            <a:pPr algn="ctr">
-              <a:defRPr/>
-            </a:pPr>
-            <a:endParaRPr lang="ko-KR" altLang="en-US"/>
-          </a:p>
-        </p:txBody>
-      </p:sp>
-      <p:sp>
-        <p:nvSpPr>
-          <p:cNvPr id="11" name="TextBox 10"/>
-          <p:cNvSpPr txBox="1"/>
-          <p:nvPr/>
-        </p:nvSpPr>
-        <p:spPr>
-          <a:xfrm>
-            <a:off x="7176000" y="2709000"/>
-            <a:ext cx="1840365" cy="369332"/>
-          </a:xfrm>
-          <a:prstGeom prst="rect">
-            <a:avLst/>
-          </a:prstGeom>
-          <a:noFill/>
-        </p:spPr>
-        <p:txBody>
-          <a:bodyPr wrap="none">
-            <a:spAutoFit/>
-          </a:bodyPr>
-          <a:lstStyle/>
-          <a:p>
-            <a:pPr lvl="0">
-              <a:defRPr/>
-            </a:pPr>
-            <a:r>
-              <a:rPr lang="en-US" altLang="ko-KR"/>
-              <a:t>Font-size : 16px</a:t>
             </a:r>
           </a:p>
         </p:txBody>
@@ -8868,19 +12772,104 @@
       </p:grpSpPr>
       <p:sp>
         <p:nvSpPr>
-          <p:cNvPr id="4" name="TextBox 3"/>
-          <p:cNvSpPr txBox="1"/>
-          <p:nvPr/>
-        </p:nvSpPr>
-        <p:spPr>
-          <a:xfrm>
-            <a:off x="336000" y="549000"/>
-            <a:ext cx="1322798" cy="369332"/>
+          <p:cNvPr id="2" name="제목 1"/>
+          <p:cNvSpPr>
+            <a:spLocks noGrp="1"/>
+          </p:cNvSpPr>
+          <p:nvPr>
+            <p:ph type="title"/>
+          </p:nvPr>
+        </p:nvSpPr>
+        <p:spPr/>
+        <p:txBody>
+          <a:bodyPr/>
+          <a:lstStyle/>
+          <a:p>
+            <a:pPr lvl="0">
+              <a:defRPr/>
+            </a:pPr>
+            <a:r>
+              <a:rPr lang="ko-KR" altLang="en-US" dirty="0" err="1">
+                <a:latin typeface="+mn-ea"/>
+                <a:ea typeface="+mn-ea"/>
+              </a:rPr>
+              <a:t>타이포그래피</a:t>
+            </a:r>
+            <a:endParaRPr lang="ko-KR" altLang="en-US" dirty="0">
+              <a:latin typeface="+mn-ea"/>
+              <a:ea typeface="+mn-ea"/>
+            </a:endParaRPr>
+          </a:p>
+        </p:txBody>
+      </p:sp>
+      <p:sp>
+        <p:nvSpPr>
+          <p:cNvPr id="6" name="직사각형 5"/>
+          <p:cNvSpPr/>
+          <p:nvPr/>
+        </p:nvSpPr>
+        <p:spPr>
+          <a:xfrm>
+            <a:off x="-247264" y="1989000"/>
+            <a:ext cx="7728000" cy="2276295"/>
           </a:xfrm>
           <a:prstGeom prst="rect">
             <a:avLst/>
           </a:prstGeom>
-          <a:noFill/>
+        </p:spPr>
+        <p:txBody>
+          <a:bodyPr wrap="square">
+            <a:spAutoFit/>
+          </a:bodyPr>
+          <a:lstStyle/>
+          <a:p>
+            <a:pPr algn="ctr">
+              <a:defRPr/>
+            </a:pPr>
+            <a:r>
+              <a:rPr lang="ko-KR" altLang="en-US" sz="4800" b="0" i="0">
+                <a:solidFill>
+                  <a:srgbClr val="202124"/>
+                </a:solidFill>
+                <a:effectLst/>
+                <a:latin typeface="G마켓 산스 TTF Medium"/>
+                <a:ea typeface="G마켓 산스 TTF Medium"/>
+              </a:rPr>
+              <a:t>G마켓 브랜드  서체 'Gmarket Sans'를 </a:t>
+            </a:r>
+          </a:p>
+          <a:p>
+            <a:pPr algn="ctr">
+              <a:defRPr/>
+            </a:pPr>
+            <a:r>
+              <a:rPr lang="ko-KR" altLang="en-US" sz="4800" b="0" i="0">
+                <a:solidFill>
+                  <a:srgbClr val="202124"/>
+                </a:solidFill>
+                <a:effectLst/>
+                <a:latin typeface="G마켓 산스 TTF Medium"/>
+                <a:ea typeface="G마켓 산스 TTF Medium"/>
+              </a:rPr>
+              <a:t>소개합니다.</a:t>
+            </a:r>
+          </a:p>
+        </p:txBody>
+      </p:sp>
+      <p:sp>
+        <p:nvSpPr>
+          <p:cNvPr id="7" name="직사각형 6"/>
+          <p:cNvSpPr/>
+          <p:nvPr/>
+        </p:nvSpPr>
+        <p:spPr>
+          <a:xfrm>
+            <a:off x="910718" y="1269000"/>
+            <a:ext cx="2943097" cy="369332"/>
+          </a:xfrm>
+          <a:prstGeom prst="rect">
+            <a:avLst/>
+          </a:prstGeom>
         </p:spPr>
         <p:txBody>
           <a:bodyPr wrap="none">
@@ -8888,62 +12877,66 @@
           </a:bodyPr>
           <a:lstStyle/>
           <a:p>
+            <a:pPr>
+              <a:defRPr/>
+            </a:pPr>
+            <a:r>
+              <a:rPr lang="en-US" altLang="ko-KR" b="0">
+                <a:effectLst/>
+                <a:latin typeface="G마켓 산스 TTF Medium"/>
+                <a:ea typeface="G마켓 산스 TTF Medium"/>
+              </a:rPr>
+              <a:t>GmarketSansMedium</a:t>
+            </a:r>
+          </a:p>
+        </p:txBody>
+      </p:sp>
+      <p:sp>
+        <p:nvSpPr>
+          <p:cNvPr id="3" name="TextBox 2"/>
+          <p:cNvSpPr txBox="1"/>
+          <p:nvPr/>
+        </p:nvSpPr>
+        <p:spPr>
+          <a:xfrm>
+            <a:off x="7176000" y="1989000"/>
+            <a:ext cx="1868940" cy="369332"/>
+          </a:xfrm>
+          <a:prstGeom prst="rect">
+            <a:avLst/>
+          </a:prstGeom>
+          <a:noFill/>
+        </p:spPr>
+        <p:txBody>
+          <a:bodyPr wrap="none">
+            <a:spAutoFit/>
+          </a:bodyPr>
+          <a:lstStyle/>
+          <a:p>
             <a:pPr lvl="0">
               <a:defRPr/>
             </a:pPr>
             <a:r>
               <a:rPr lang="en-US" altLang="ko-KR"/>
-              <a:t>KEY POINT</a:t>
-            </a:r>
-            <a:endParaRPr lang="ko-KR" altLang="en-US"/>
-          </a:p>
-        </p:txBody>
-      </p:sp>
-      <p:cxnSp>
-        <p:nvCxnSpPr>
-          <p:cNvPr id="6" name="직선 연결선 5"/>
-          <p:cNvCxnSpPr/>
-          <p:nvPr/>
-        </p:nvCxnSpPr>
-        <p:spPr>
-          <a:xfrm>
-            <a:off x="336000" y="0"/>
-            <a:ext cx="0" cy="1989000"/>
-          </a:xfrm>
-          <a:prstGeom prst="line">
-            <a:avLst/>
-          </a:prstGeom>
-        </p:spPr>
-        <p:style>
-          <a:lnRef idx="3">
-            <a:schemeClr val="dk1"/>
-          </a:lnRef>
-          <a:fillRef idx="0">
-            <a:schemeClr val="dk1"/>
-          </a:fillRef>
-          <a:effectRef idx="2">
-            <a:schemeClr val="dk1"/>
-          </a:effectRef>
-          <a:fontRef idx="minor">
-            <a:schemeClr val="tx1"/>
-          </a:fontRef>
-        </p:style>
-      </p:cxnSp>
-      <p:sp>
-        <p:nvSpPr>
-          <p:cNvPr id="7" name="TextBox 6"/>
-          <p:cNvSpPr txBox="1"/>
-          <p:nvPr/>
-        </p:nvSpPr>
-        <p:spPr>
-          <a:xfrm>
-            <a:off x="696000" y="189000"/>
-            <a:ext cx="2092176" cy="369332"/>
+              <a:t>Color : #333333</a:t>
+            </a:r>
+          </a:p>
+        </p:txBody>
+      </p:sp>
+      <p:sp>
+        <p:nvSpPr>
+          <p:cNvPr id="8" name="직사각형 7"/>
+          <p:cNvSpPr/>
+          <p:nvPr/>
+        </p:nvSpPr>
+        <p:spPr>
+          <a:xfrm>
+            <a:off x="884008" y="5229000"/>
+            <a:ext cx="3602268" cy="369332"/>
           </a:xfrm>
           <a:prstGeom prst="rect">
             <a:avLst/>
           </a:prstGeom>
-          <a:noFill/>
         </p:spPr>
         <p:txBody>
           <a:bodyPr wrap="none">
@@ -8955,61 +12948,57 @@
               <a:defRPr/>
             </a:pPr>
             <a:r>
-              <a:rPr lang="en-US" altLang="ko-KR"/>
-              <a:t>DESIGN CONCEPT</a:t>
-            </a:r>
-            <a:endParaRPr lang="ko-KR" altLang="en-US"/>
-          </a:p>
-        </p:txBody>
-      </p:sp>
-      <p:cxnSp>
-        <p:nvCxnSpPr>
-          <p:cNvPr id="8" name="직선 연결선 7"/>
-          <p:cNvCxnSpPr/>
-          <p:nvPr/>
-        </p:nvCxnSpPr>
-        <p:spPr>
-          <a:xfrm>
-            <a:off x="336000" y="549000"/>
-            <a:ext cx="3240000" cy="0"/>
-          </a:xfrm>
-          <a:prstGeom prst="line">
-            <a:avLst/>
-          </a:prstGeom>
-        </p:spPr>
-        <p:style>
-          <a:lnRef idx="3">
-            <a:schemeClr val="dk1"/>
-          </a:lnRef>
-          <a:fillRef idx="0">
-            <a:schemeClr val="dk1"/>
-          </a:fillRef>
-          <a:effectRef idx="2">
-            <a:schemeClr val="dk1"/>
-          </a:effectRef>
-          <a:fontRef idx="minor">
-            <a:schemeClr val="tx1"/>
-          </a:fontRef>
-        </p:style>
-      </p:cxnSp>
-      <p:sp>
-        <p:nvSpPr>
-          <p:cNvPr id="9" name="TextBox 8"/>
-          <p:cNvSpPr txBox="1"/>
-          <p:nvPr/>
-        </p:nvSpPr>
-        <p:spPr>
-          <a:xfrm>
-            <a:off x="1776000" y="549000"/>
-            <a:ext cx="2592165" cy="369332"/>
+              <a:rPr lang="ko-KR" altLang="en-US" dirty="0" err="1">
+                <a:latin typeface="Cairo Light" pitchFamily="2" charset="-78"/>
+                <a:ea typeface="Noto Serif KR"/>
+                <a:cs typeface="Cairo Light" pitchFamily="2" charset="-78"/>
+              </a:rPr>
+              <a:t>font-family</a:t>
+            </a:r>
+            <a:r>
+              <a:rPr lang="ko-KR" altLang="en-US" dirty="0">
+                <a:latin typeface="Cairo Light" pitchFamily="2" charset="-78"/>
+                <a:ea typeface="Noto Serif KR"/>
+                <a:cs typeface="Cairo Light" pitchFamily="2" charset="-78"/>
+              </a:rPr>
+              <a:t>: '</a:t>
+            </a:r>
+            <a:r>
+              <a:rPr lang="ko-KR" altLang="en-US" dirty="0" err="1">
+                <a:latin typeface="Cairo Light" pitchFamily="2" charset="-78"/>
+                <a:ea typeface="Noto Serif KR"/>
+                <a:cs typeface="Cairo Light" pitchFamily="2" charset="-78"/>
+              </a:rPr>
+              <a:t>GmarketSansMedium</a:t>
+            </a:r>
+            <a:r>
+              <a:rPr lang="ko-KR" altLang="en-US" dirty="0">
+                <a:latin typeface="Cairo Light" pitchFamily="2" charset="-78"/>
+                <a:ea typeface="Noto Serif KR"/>
+                <a:cs typeface="Cairo Light" pitchFamily="2" charset="-78"/>
+              </a:rPr>
+              <a:t>';</a:t>
+            </a:r>
+          </a:p>
+        </p:txBody>
+      </p:sp>
+      <p:sp>
+        <p:nvSpPr>
+          <p:cNvPr id="9" name="직사각형 8"/>
+          <p:cNvSpPr/>
+          <p:nvPr/>
+        </p:nvSpPr>
+        <p:spPr>
+          <a:xfrm>
+            <a:off x="884007" y="5589000"/>
+            <a:ext cx="10251993" cy="369332"/>
           </a:xfrm>
           <a:prstGeom prst="rect">
             <a:avLst/>
           </a:prstGeom>
-          <a:noFill/>
-        </p:spPr>
-        <p:txBody>
-          <a:bodyPr wrap="none">
+        </p:spPr>
+        <p:txBody>
+          <a:bodyPr wrap="square">
             <a:spAutoFit/>
           </a:bodyPr>
           <a:lstStyle/>
@@ -9018,39 +13007,107 @@
               <a:defRPr/>
             </a:pPr>
             <a:r>
-              <a:rPr lang="en-US" altLang="ko-KR"/>
-              <a:t>VIPS 25</a:t>
-            </a:r>
-            <a:r>
-              <a:rPr lang="ko-KR" altLang="en-US"/>
-              <a:t> </a:t>
-            </a:r>
-            <a:r>
-              <a:rPr lang="en-US" altLang="ko-KR"/>
-              <a:t>ANNIVERSARY</a:t>
-            </a:r>
-          </a:p>
-        </p:txBody>
-      </p:sp>
-      <p:sp>
-        <p:nvSpPr>
-          <p:cNvPr id="10" name="타원 9"/>
+              <a:rPr lang="en-US" altLang="ko-KR" dirty="0" err="1">
+                <a:latin typeface="Cairo Light" pitchFamily="2" charset="-78"/>
+                <a:ea typeface="Noto Serif KR"/>
+                <a:cs typeface="Cairo Light" pitchFamily="2" charset="-78"/>
+              </a:rPr>
+              <a:t>src</a:t>
+            </a:r>
+            <a:r>
+              <a:rPr lang="en-US" altLang="ko-KR" dirty="0">
+                <a:latin typeface="Cairo Light" pitchFamily="2" charset="-78"/>
+                <a:ea typeface="Noto Serif KR"/>
+                <a:cs typeface="Cairo Light" pitchFamily="2" charset="-78"/>
+              </a:rPr>
+              <a:t>: </a:t>
+            </a:r>
+            <a:r>
+              <a:rPr lang="en-US" altLang="ko-KR" dirty="0" err="1">
+                <a:latin typeface="Cairo Light" pitchFamily="2" charset="-78"/>
+                <a:ea typeface="Noto Serif KR"/>
+                <a:cs typeface="Cairo Light" pitchFamily="2" charset="-78"/>
+              </a:rPr>
+              <a:t>url</a:t>
+            </a:r>
+            <a:r>
+              <a:rPr lang="en-US" altLang="ko-KR" dirty="0">
+                <a:latin typeface="Cairo Light" pitchFamily="2" charset="-78"/>
+                <a:ea typeface="Noto Serif KR"/>
+                <a:cs typeface="Cairo Light" pitchFamily="2" charset="-78"/>
+              </a:rPr>
+              <a:t>('https://cdn.jsdelivr.net/</a:t>
+            </a:r>
+            <a:r>
+              <a:rPr lang="en-US" altLang="ko-KR" dirty="0" err="1">
+                <a:latin typeface="Cairo Light" pitchFamily="2" charset="-78"/>
+                <a:ea typeface="Noto Serif KR"/>
+                <a:cs typeface="Cairo Light" pitchFamily="2" charset="-78"/>
+              </a:rPr>
+              <a:t>gh</a:t>
+            </a:r>
+            <a:r>
+              <a:rPr lang="en-US" altLang="ko-KR" dirty="0">
+                <a:latin typeface="Cairo Light" pitchFamily="2" charset="-78"/>
+                <a:ea typeface="Noto Serif KR"/>
+                <a:cs typeface="Cairo Light" pitchFamily="2" charset="-78"/>
+              </a:rPr>
+              <a:t>/</a:t>
+            </a:r>
+            <a:r>
+              <a:rPr lang="en-US" altLang="ko-KR" dirty="0" err="1">
+                <a:latin typeface="Cairo Light" pitchFamily="2" charset="-78"/>
+                <a:ea typeface="Noto Serif KR"/>
+                <a:cs typeface="Cairo Light" pitchFamily="2" charset="-78"/>
+              </a:rPr>
+              <a:t>projectnoonnu</a:t>
+            </a:r>
+            <a:r>
+              <a:rPr lang="en-US" altLang="ko-KR" dirty="0">
+                <a:latin typeface="Cairo Light" pitchFamily="2" charset="-78"/>
+                <a:ea typeface="Noto Serif KR"/>
+                <a:cs typeface="Cairo Light" pitchFamily="2" charset="-78"/>
+              </a:rPr>
+              <a:t>/noonfonts_2001@1.1/</a:t>
+            </a:r>
+            <a:r>
+              <a:rPr lang="en-US" altLang="ko-KR" dirty="0" err="1">
+                <a:latin typeface="Cairo Light" pitchFamily="2" charset="-78"/>
+                <a:ea typeface="Noto Serif KR"/>
+                <a:cs typeface="Cairo Light" pitchFamily="2" charset="-78"/>
+              </a:rPr>
+              <a:t>GmarketSansMedium.woff</a:t>
+            </a:r>
+            <a:r>
+              <a:rPr lang="en-US" altLang="ko-KR" dirty="0">
+                <a:latin typeface="Cairo Light" pitchFamily="2" charset="-78"/>
+                <a:ea typeface="Noto Serif KR"/>
+                <a:cs typeface="Cairo Light" pitchFamily="2" charset="-78"/>
+              </a:rPr>
+              <a:t>')</a:t>
+            </a:r>
+          </a:p>
+        </p:txBody>
+      </p:sp>
+      <p:sp>
+        <p:nvSpPr>
+          <p:cNvPr id="10" name="직사각형 9"/>
           <p:cNvSpPr/>
           <p:nvPr/>
         </p:nvSpPr>
         <p:spPr>
           <a:xfrm>
-            <a:off x="5376000" y="1989000"/>
-            <a:ext cx="1800000" cy="1800000"/>
-          </a:xfrm>
-          <a:prstGeom prst="ellipse">
-            <a:avLst/>
-          </a:prstGeom>
-          <a:noFill/>
+            <a:off x="8976000" y="1989000"/>
+            <a:ext cx="2160000" cy="360000"/>
+          </a:xfrm>
+          <a:prstGeom prst="rect">
+            <a:avLst/>
+          </a:prstGeom>
+          <a:solidFill>
+            <a:srgbClr val="333333"/>
+          </a:solidFill>
           <a:ln>
-            <a:solidFill>
-              <a:srgbClr val="C7B483"/>
-            </a:solidFill>
+            <a:noFill/>
           </a:ln>
         </p:spPr>
         <p:style>
@@ -9076,27 +13133,20 @@
             <a:pPr algn="ctr">
               <a:defRPr/>
             </a:pPr>
-            <a:r>
-              <a:rPr lang="ko-KR" altLang="en-US" sz="2800">
-                <a:solidFill>
-                  <a:srgbClr val="C60226"/>
-                </a:solidFill>
-              </a:rPr>
-              <a:t>기념</a:t>
-            </a:r>
-          </a:p>
-        </p:txBody>
-      </p:sp>
-      <p:sp>
-        <p:nvSpPr>
-          <p:cNvPr id="12" name="TextBox 11"/>
+            <a:endParaRPr lang="ko-KR" altLang="en-US"/>
+          </a:p>
+        </p:txBody>
+      </p:sp>
+      <p:sp>
+        <p:nvSpPr>
+          <p:cNvPr id="11" name="TextBox 10"/>
           <p:cNvSpPr txBox="1"/>
           <p:nvPr/>
         </p:nvSpPr>
         <p:spPr>
           <a:xfrm>
-            <a:off x="3547110" y="4869000"/>
-            <a:ext cx="5326380" cy="901245"/>
+            <a:off x="7176000" y="2709000"/>
+            <a:ext cx="1840365" cy="369332"/>
           </a:xfrm>
           <a:prstGeom prst="rect">
             <a:avLst/>
@@ -9109,78 +13159,16 @@
           </a:bodyPr>
           <a:lstStyle/>
           <a:p>
-            <a:pPr algn="ctr">
+            <a:pPr lvl="0">
               <a:defRPr/>
             </a:pPr>
             <a:r>
               <a:rPr lang="en-US" altLang="ko-KR"/>
-              <a:t>25</a:t>
-            </a:r>
-            <a:r>
-              <a:rPr lang="ko-KR" altLang="en-US"/>
-              <a:t>주년 기념 웹페이지 를</a:t>
-            </a:r>
-          </a:p>
-          <a:p>
-            <a:pPr algn="ctr">
-              <a:defRPr/>
-            </a:pPr>
-            <a:endParaRPr lang="ko-KR" altLang="en-US"/>
-          </a:p>
-          <a:p>
-            <a:pPr algn="ctr">
-              <a:defRPr/>
-            </a:pPr>
-            <a:r>
-              <a:rPr lang="ko-KR" altLang="en-US"/>
-              <a:t>키 포인트로 잡아</a:t>
-            </a:r>
-            <a:r>
-              <a:rPr lang="en-US" altLang="ko-KR"/>
-              <a:t> </a:t>
-            </a:r>
-            <a:r>
-              <a:rPr lang="ko-KR" altLang="en-US"/>
-              <a:t>리 디자인 포인트로 하였습니다</a:t>
-            </a:r>
-            <a:r>
-              <a:rPr lang="en-US" altLang="ko-KR"/>
-              <a:t>.</a:t>
-            </a:r>
-            <a:endParaRPr lang="ko-KR" altLang="en-US"/>
-          </a:p>
-        </p:txBody>
-      </p:sp>
-      <p:pic>
-        <p:nvPicPr>
-          <p:cNvPr id="11" name="그림 10"/>
-          <p:cNvPicPr>
-            <a:picLocks noChangeAspect="1"/>
-          </p:cNvPicPr>
-          <p:nvPr/>
-        </p:nvPicPr>
-        <p:blipFill>
-          <a:blip r:embed="rId2" cstate="print">
-            <a:extLst>
-              <a:ext uri="{28A0092B-C50C-407E-A947-70E740481C1C}">
-                <a14:useLocalDpi xmlns:a14="http://schemas.microsoft.com/office/drawing/2010/main" val="0"/>
-              </a:ext>
-            </a:extLst>
-          </a:blip>
-          <a:stretch>
-            <a:fillRect/>
-          </a:stretch>
-        </p:blipFill>
-        <p:spPr>
-          <a:xfrm>
-            <a:off x="3216000" y="150578"/>
-            <a:ext cx="360000" cy="360000"/>
-          </a:xfrm>
-          <a:prstGeom prst="rect">
-            <a:avLst/>
-          </a:prstGeom>
-        </p:spPr>
-      </p:pic>
+              <a:t>Font-size : 16px</a:t>
+            </a:r>
+          </a:p>
+        </p:txBody>
+      </p:sp>
     </p:spTree>
   </p:cSld>
   <p:clrMapOvr>
@@ -9194,6 +13182,13 @@
       <p:transition/>
     </mc:Fallback>
   </mc:AlternateContent>
+  <p:timing>
+    <p:tnLst>
+      <p:par>
+        <p:cTn id="1" dur="indefinite" restart="never" nodeType="tmRoot"/>
+      </p:par>
+    </p:tnLst>
+  </p:timing>
 </p:sld>
 </file>
 
